--- a/Documentation/Voyago-Presentation-1att.pptx
+++ b/Documentation/Voyago-Presentation-1att.pptx
@@ -5,25 +5,26 @@
     <p:sldMasterId id="2147483674" r:id="rId1"/>
   </p:sldMasterIdLst>
   <p:notesMasterIdLst>
-    <p:notesMasterId r:id="rId18"/>
+    <p:notesMasterId r:id="rId19"/>
   </p:notesMasterIdLst>
   <p:sldIdLst>
     <p:sldId id="261" r:id="rId2"/>
     <p:sldId id="257" r:id="rId3"/>
     <p:sldId id="258" r:id="rId4"/>
-    <p:sldId id="265" r:id="rId5"/>
+    <p:sldId id="275" r:id="rId5"/>
     <p:sldId id="262" r:id="rId6"/>
-    <p:sldId id="266" r:id="rId7"/>
-    <p:sldId id="264" r:id="rId8"/>
-    <p:sldId id="263" r:id="rId9"/>
-    <p:sldId id="268" r:id="rId10"/>
-    <p:sldId id="260" r:id="rId11"/>
-    <p:sldId id="269" r:id="rId12"/>
-    <p:sldId id="274" r:id="rId13"/>
-    <p:sldId id="270" r:id="rId14"/>
-    <p:sldId id="271" r:id="rId15"/>
-    <p:sldId id="272" r:id="rId16"/>
-    <p:sldId id="273" r:id="rId17"/>
+    <p:sldId id="265" r:id="rId7"/>
+    <p:sldId id="266" r:id="rId8"/>
+    <p:sldId id="264" r:id="rId9"/>
+    <p:sldId id="260" r:id="rId10"/>
+    <p:sldId id="263" r:id="rId11"/>
+    <p:sldId id="268" r:id="rId12"/>
+    <p:sldId id="269" r:id="rId13"/>
+    <p:sldId id="274" r:id="rId14"/>
+    <p:sldId id="270" r:id="rId15"/>
+    <p:sldId id="271" r:id="rId16"/>
+    <p:sldId id="272" r:id="rId17"/>
+    <p:sldId id="273" r:id="rId18"/>
   </p:sldIdLst>
   <p:sldSz cx="12192000" cy="6858000"/>
   <p:notesSz cx="6858000" cy="9144000"/>
@@ -176,7 +177,10 @@
               </a:defRPr>
             </a:pPr>
             <a:r>
-              <a:rPr lang="ru-RU" sz="2000" dirty="0">
+              <a:rPr lang="ru-RU" sz="2400" dirty="0">
+                <a:solidFill>
+                  <a:schemeClr val="tx1"/>
+                </a:solidFill>
                 <a:latin typeface="+mn-lt"/>
               </a:rPr>
               <a:t>С какими проблемами сталкиваетесь при планировании маршрута?</a:t>
@@ -240,12 +244,17 @@
               </c:strCache>
             </c:strRef>
           </c:tx>
+          <c:spPr>
+            <a:solidFill>
+              <a:srgbClr val="0070C0"/>
+            </a:solidFill>
+          </c:spPr>
           <c:dPt>
             <c:idx val="0"/>
             <c:bubble3D val="0"/>
             <c:spPr>
               <a:solidFill>
-                <a:schemeClr val="accent1"/>
+                <a:srgbClr val="0070C0"/>
               </a:solidFill>
               <a:ln w="19050">
                 <a:solidFill>
@@ -265,7 +274,9 @@
             <c:bubble3D val="0"/>
             <c:spPr>
               <a:solidFill>
-                <a:schemeClr val="accent2"/>
+                <a:schemeClr val="accent5">
+                  <a:lumMod val="75000"/>
+                </a:schemeClr>
               </a:solidFill>
               <a:ln w="19050">
                 <a:solidFill>
@@ -285,7 +296,7 @@
             <c:bubble3D val="0"/>
             <c:spPr>
               <a:solidFill>
-                <a:schemeClr val="accent3"/>
+                <a:srgbClr val="FFC000"/>
               </a:solidFill>
               <a:ln w="19050">
                 <a:solidFill>
@@ -305,7 +316,7 @@
             <c:bubble3D val="0"/>
             <c:spPr>
               <a:solidFill>
-                <a:schemeClr val="accent4"/>
+                <a:srgbClr val="C00000"/>
               </a:solidFill>
               <a:ln w="19050">
                 <a:solidFill>
@@ -325,7 +336,7 @@
             <c:bubble3D val="0"/>
             <c:spPr>
               <a:solidFill>
-                <a:schemeClr val="accent5"/>
+                <a:schemeClr val="accent4"/>
               </a:solidFill>
               <a:ln w="19050">
                 <a:solidFill>
@@ -568,17 +579,37 @@
               </a:defRPr>
             </a:pPr>
             <a:r>
-              <a:rPr lang="ru-RU" sz="2000" dirty="0"/>
+              <a:rPr lang="ru-RU" sz="2400" dirty="0">
+                <a:solidFill>
+                  <a:schemeClr val="tx1"/>
+                </a:solidFill>
+              </a:rPr>
               <a:t>Какими</a:t>
             </a:r>
             <a:r>
-              <a:rPr lang="ru-RU" sz="2000" baseline="0" dirty="0"/>
+              <a:rPr lang="ru-RU" sz="2400" baseline="0" dirty="0">
+                <a:solidFill>
+                  <a:schemeClr val="tx1"/>
+                </a:solidFill>
+              </a:rPr>
               <a:t> приложениями вы пользуетесь для планирования маршрутов?</a:t>
             </a:r>
-            <a:endParaRPr lang="ru-RU" sz="2000" dirty="0"/>
+            <a:endParaRPr lang="ru-RU" sz="2400" dirty="0">
+              <a:solidFill>
+                <a:schemeClr val="tx1"/>
+              </a:solidFill>
+            </a:endParaRPr>
           </a:p>
         </c:rich>
       </c:tx>
+      <c:layout>
+        <c:manualLayout>
+          <c:xMode val="edge"/>
+          <c:yMode val="edge"/>
+          <c:x val="0.11257646648221306"/>
+          <c:y val="1.1785929043896571E-3"/>
+        </c:manualLayout>
+      </c:layout>
       <c:overlay val="0"/>
       <c:spPr>
         <a:noFill/>
@@ -642,7 +673,9 @@
             <c:bubble3D val="0"/>
             <c:spPr>
               <a:solidFill>
-                <a:schemeClr val="accent1"/>
+                <a:schemeClr val="accent5">
+                  <a:lumMod val="75000"/>
+                </a:schemeClr>
               </a:solidFill>
               <a:ln w="19050">
                 <a:solidFill>
@@ -662,7 +695,7 @@
             <c:bubble3D val="0"/>
             <c:spPr>
               <a:solidFill>
-                <a:schemeClr val="accent2"/>
+                <a:srgbClr val="FFC000"/>
               </a:solidFill>
               <a:ln w="19050">
                 <a:solidFill>
@@ -682,7 +715,7 @@
             <c:bubble3D val="0"/>
             <c:spPr>
               <a:solidFill>
-                <a:schemeClr val="accent3"/>
+                <a:srgbClr val="C00000"/>
               </a:solidFill>
               <a:ln w="19050">
                 <a:solidFill>
@@ -702,7 +735,7 @@
             <c:bubble3D val="0"/>
             <c:spPr>
               <a:solidFill>
-                <a:schemeClr val="accent4"/>
+                <a:srgbClr val="0070C0"/>
               </a:solidFill>
               <a:ln w="19050">
                 <a:solidFill>
@@ -2409,7 +2442,7 @@
           <a:p>
             <a:fld id="{5835294E-44A4-4139-9CC2-AD02B61CCAFB}" type="datetimeFigureOut">
               <a:rPr lang="ru-RU" smtClean="0"/>
-              <a:t>19.03.2025</a:t>
+              <a:t>28.03.2025</a:t>
             </a:fld>
             <a:endParaRPr lang="ru-RU"/>
           </a:p>
@@ -2823,7 +2856,7 @@
           <a:p>
             <a:fld id="{E665C4D2-F43E-436E-8328-14E4A86091C0}" type="datetime1">
               <a:rPr lang="ru-RU" smtClean="0"/>
-              <a:t>19.03.2025</a:t>
+              <a:t>28.03.2025</a:t>
             </a:fld>
             <a:endParaRPr lang="ru-RU"/>
           </a:p>
@@ -3021,7 +3054,7 @@
           <a:p>
             <a:fld id="{22C7E9EC-B080-473F-A4F9-95DBB59005BA}" type="datetime1">
               <a:rPr lang="ru-RU" smtClean="0"/>
-              <a:t>19.03.2025</a:t>
+              <a:t>28.03.2025</a:t>
             </a:fld>
             <a:endParaRPr lang="ru-RU"/>
           </a:p>
@@ -3229,7 +3262,7 @@
           <a:p>
             <a:fld id="{737E2FB4-8C1D-47D8-8DEB-4DE2572CB889}" type="datetime1">
               <a:rPr lang="ru-RU" smtClean="0"/>
-              <a:t>19.03.2025</a:t>
+              <a:t>28.03.2025</a:t>
             </a:fld>
             <a:endParaRPr lang="ru-RU"/>
           </a:p>
@@ -3904,7 +3937,7 @@
           <a:p>
             <a:fld id="{E5B17F3C-984C-42B6-81D8-EF9B0F501486}" type="datetime1">
               <a:rPr lang="ru-RU" smtClean="0"/>
-              <a:t>19.03.2025</a:t>
+              <a:t>28.03.2025</a:t>
             </a:fld>
             <a:endParaRPr lang="ru-RU"/>
           </a:p>
@@ -4179,7 +4212,7 @@
           <a:p>
             <a:fld id="{E591B6DA-BEBD-4F8F-BF39-E29A712BAE81}" type="datetime1">
               <a:rPr lang="ru-RU" smtClean="0"/>
-              <a:t>19.03.2025</a:t>
+              <a:t>28.03.2025</a:t>
             </a:fld>
             <a:endParaRPr lang="ru-RU"/>
           </a:p>
@@ -4444,7 +4477,7 @@
           <a:p>
             <a:fld id="{EF9D6BE9-52DD-41D9-B3A4-B8AC94E8AF2D}" type="datetime1">
               <a:rPr lang="ru-RU" smtClean="0"/>
-              <a:t>19.03.2025</a:t>
+              <a:t>28.03.2025</a:t>
             </a:fld>
             <a:endParaRPr lang="ru-RU"/>
           </a:p>
@@ -4856,7 +4889,7 @@
           <a:p>
             <a:fld id="{A401F52B-253E-4BCF-8B02-987F903038AB}" type="datetime1">
               <a:rPr lang="ru-RU" smtClean="0"/>
-              <a:t>19.03.2025</a:t>
+              <a:t>28.03.2025</a:t>
             </a:fld>
             <a:endParaRPr lang="ru-RU"/>
           </a:p>
@@ -4997,7 +5030,7 @@
           <a:p>
             <a:fld id="{684555B6-C5C3-43D4-858F-E13D1D013F2B}" type="datetime1">
               <a:rPr lang="ru-RU" smtClean="0"/>
-              <a:t>19.03.2025</a:t>
+              <a:t>28.03.2025</a:t>
             </a:fld>
             <a:endParaRPr lang="ru-RU"/>
           </a:p>
@@ -5110,7 +5143,7 @@
           <a:p>
             <a:fld id="{B85C4DA9-F201-4F87-AF4E-0F008539A6F6}" type="datetime1">
               <a:rPr lang="ru-RU" smtClean="0"/>
-              <a:t>19.03.2025</a:t>
+              <a:t>28.03.2025</a:t>
             </a:fld>
             <a:endParaRPr lang="ru-RU"/>
           </a:p>
@@ -5421,7 +5454,7 @@
           <a:p>
             <a:fld id="{3B1E864E-E3BA-4FBC-B5B5-88D7B584D166}" type="datetime1">
               <a:rPr lang="ru-RU" smtClean="0"/>
-              <a:t>19.03.2025</a:t>
+              <a:t>28.03.2025</a:t>
             </a:fld>
             <a:endParaRPr lang="ru-RU"/>
           </a:p>
@@ -5709,7 +5742,7 @@
           <a:p>
             <a:fld id="{D8665AA8-9741-4A85-9A4F-71232B8FD77E}" type="datetime1">
               <a:rPr lang="ru-RU" smtClean="0"/>
-              <a:t>19.03.2025</a:t>
+              <a:t>28.03.2025</a:t>
             </a:fld>
             <a:endParaRPr lang="ru-RU"/>
           </a:p>
@@ -5950,7 +5983,7 @@
           <a:p>
             <a:fld id="{1C82CB1D-EFB9-4A56-8C13-64643EF61ECB}" type="datetime1">
               <a:rPr lang="ru-RU" smtClean="0"/>
-              <a:t>19.03.2025</a:t>
+              <a:t>28.03.2025</a:t>
             </a:fld>
             <a:endParaRPr lang="ru-RU"/>
           </a:p>
@@ -6590,7 +6623,7 @@
           <p:cNvPr id="2" name="Заголовок 1">
             <a:extLst>
               <a:ext uri="{FF2B5EF4-FFF2-40B4-BE49-F238E27FC236}">
-                <a16:creationId xmlns:a16="http://schemas.microsoft.com/office/drawing/2014/main" id="{07A11B5E-CA7B-4433-B5C4-AF086956FBF0}"/>
+                <a16:creationId xmlns:a16="http://schemas.microsoft.com/office/drawing/2014/main" id="{CE939D99-9DBA-4570-B1F7-4A5FE58AA2CF}"/>
               </a:ext>
             </a:extLst>
           </p:cNvPr>
@@ -6603,15 +6636,14 @@
         </p:nvSpPr>
         <p:spPr>
           <a:xfrm>
-            <a:off x="1139952" y="-256675"/>
-            <a:ext cx="9912096" cy="1420029"/>
+            <a:off x="130844" y="-545434"/>
+            <a:ext cx="11930312" cy="1684580"/>
           </a:xfrm>
         </p:spPr>
         <p:txBody>
           <a:bodyPr/>
           <a:lstStyle/>
           <a:p>
-            <a:pPr algn="ctr"/>
             <a:r>
               <a:rPr lang="ru-RU" sz="5400" dirty="0">
                 <a:solidFill>
@@ -6619,17 +6651,17 @@
                 </a:solidFill>
                 <a:latin typeface="Montserrat" panose="00000500000000000000" pitchFamily="2" charset="-52"/>
               </a:rPr>
-              <a:t>Группы пользователей</a:t>
+              <a:t>Используемые технологии</a:t>
             </a:r>
           </a:p>
         </p:txBody>
       </p:sp>
       <p:sp>
         <p:nvSpPr>
-          <p:cNvPr id="4" name="Номер слайда 7">
-            <a:extLst>
-              <a:ext uri="{FF2B5EF4-FFF2-40B4-BE49-F238E27FC236}">
-                <a16:creationId xmlns:a16="http://schemas.microsoft.com/office/drawing/2014/main" id="{69ECB0B1-BBEA-411C-A5F4-5F632CA61689}"/>
+          <p:cNvPr id="3" name="Номер слайда 7">
+            <a:extLst>
+              <a:ext uri="{FF2B5EF4-FFF2-40B4-BE49-F238E27FC236}">
+                <a16:creationId xmlns:a16="http://schemas.microsoft.com/office/drawing/2014/main" id="{4C1D3915-BD64-4791-AC36-CAD321CE6D19}"/>
               </a:ext>
             </a:extLst>
           </p:cNvPr>
@@ -6640,7 +6672,7 @@
         </p:nvSpPr>
         <p:spPr>
           <a:xfrm>
-            <a:off x="11591783" y="6246368"/>
+            <a:off x="11648933" y="6246368"/>
             <a:ext cx="2743200" cy="365125"/>
           </a:xfrm>
           <a:prstGeom prst="rect">
@@ -6758,138 +6790,245 @@
           </a:p>
         </p:txBody>
       </p:sp>
-      <p:sp>
-        <p:nvSpPr>
-          <p:cNvPr id="7" name="TextBox 6">
-            <a:extLst>
-              <a:ext uri="{FF2B5EF4-FFF2-40B4-BE49-F238E27FC236}">
-                <a16:creationId xmlns:a16="http://schemas.microsoft.com/office/drawing/2014/main" id="{DA62E4DA-98F2-4F2E-ABB3-D99F92EBD980}"/>
-              </a:ext>
-            </a:extLst>
-          </p:cNvPr>
-          <p:cNvSpPr txBox="1"/>
+      <p:pic>
+        <p:nvPicPr>
+          <p:cNvPr id="1026" name="Picture 2" descr="Picture background">
+            <a:extLst>
+              <a:ext uri="{FF2B5EF4-FFF2-40B4-BE49-F238E27FC236}">
+                <a16:creationId xmlns:a16="http://schemas.microsoft.com/office/drawing/2014/main" id="{CA7DF774-E218-4211-9FE6-A456BE1FA0F4}"/>
+              </a:ext>
+            </a:extLst>
+          </p:cNvPr>
+          <p:cNvPicPr>
+            <a:picLocks noChangeAspect="1" noChangeArrowheads="1"/>
+          </p:cNvPicPr>
           <p:nvPr/>
-        </p:nvSpPr>
-        <p:spPr>
-          <a:xfrm>
-            <a:off x="803495" y="1810517"/>
-            <a:ext cx="10866422" cy="3567242"/>
+        </p:nvPicPr>
+        <p:blipFill>
+          <a:blip r:embed="rId2">
+            <a:extLst>
+              <a:ext uri="{28A0092B-C50C-407E-A947-70E740481C1C}">
+                <a14:useLocalDpi xmlns:a14="http://schemas.microsoft.com/office/drawing/2010/main" val="0"/>
+              </a:ext>
+            </a:extLst>
+          </a:blip>
+          <a:srcRect/>
+          <a:stretch>
+            <a:fillRect/>
+          </a:stretch>
+        </p:blipFill>
+        <p:spPr bwMode="auto">
+          <a:xfrm>
+            <a:off x="-18128" y="1656783"/>
+            <a:ext cx="3508649" cy="1973615"/>
           </a:xfrm>
           <a:prstGeom prst="rect">
             <a:avLst/>
           </a:prstGeom>
           <a:noFill/>
-        </p:spPr>
-        <p:txBody>
-          <a:bodyPr wrap="square">
-            <a:spAutoFit/>
-          </a:bodyPr>
-          <a:lstStyle/>
-          <a:p>
-            <a:pPr marL="342900" indent="-342900" algn="l">
-              <a:lnSpc>
-                <a:spcPct val="150000"/>
-              </a:lnSpc>
-              <a:buFontTx/>
-              <a:buChar char="—"/>
-            </a:pPr>
-            <a:r>
-              <a:rPr lang="ru-RU" sz="2800" dirty="0">
-                <a:latin typeface="Montserrat" panose="00000500000000000000" pitchFamily="2" charset="-52"/>
-              </a:rPr>
-              <a:t>   н</a:t>
-            </a:r>
-            <a:r>
-              <a:rPr lang="ru-RU" sz="2800" dirty="0">
-                <a:effectLst/>
-                <a:latin typeface="Montserrat" panose="00000500000000000000" pitchFamily="2" charset="-52"/>
-              </a:rPr>
-              <a:t>еавторизованный пользователь</a:t>
-            </a:r>
-          </a:p>
-          <a:p>
-            <a:pPr marL="342900" indent="-342900">
-              <a:lnSpc>
-                <a:spcPct val="150000"/>
-              </a:lnSpc>
-              <a:buFontTx/>
-              <a:buChar char="—"/>
-            </a:pPr>
-            <a:r>
-              <a:rPr lang="ru-RU" sz="2800" dirty="0">
-                <a:latin typeface="Montserrat" panose="00000500000000000000" pitchFamily="2" charset="-52"/>
-              </a:rPr>
-              <a:t>   авторизованный пользователь</a:t>
-            </a:r>
-          </a:p>
-          <a:p>
-            <a:pPr marL="342900" indent="-342900">
-              <a:lnSpc>
-                <a:spcPct val="150000"/>
-              </a:lnSpc>
-              <a:buFontTx/>
-              <a:buChar char="—"/>
-            </a:pPr>
-            <a:r>
-              <a:rPr lang="ru-RU" sz="2800" dirty="0">
-                <a:latin typeface="Montserrat" panose="00000500000000000000" pitchFamily="2" charset="-52"/>
-              </a:rPr>
-              <a:t>   авторизованный пользователь с подпиской </a:t>
-            </a:r>
-          </a:p>
-          <a:p>
-            <a:pPr marL="342900" indent="-342900">
-              <a:lnSpc>
-                <a:spcPct val="150000"/>
-              </a:lnSpc>
-              <a:buFontTx/>
-              <a:buChar char="—"/>
-            </a:pPr>
-            <a:r>
-              <a:rPr lang="ru-RU" sz="2800" dirty="0">
-                <a:latin typeface="Montserrat" panose="00000500000000000000" pitchFamily="2" charset="-52"/>
-              </a:rPr>
-              <a:t>   а</a:t>
-            </a:r>
-            <a:r>
-              <a:rPr lang="ru-RU" sz="2800" dirty="0">
-                <a:effectLst/>
-                <a:latin typeface="Montserrat" panose="00000500000000000000" pitchFamily="2" charset="-52"/>
-              </a:rPr>
-              <a:t>дминистратор</a:t>
-            </a:r>
-          </a:p>
-          <a:p>
-            <a:pPr marL="342900" indent="-342900">
-              <a:lnSpc>
-                <a:spcPct val="150000"/>
-              </a:lnSpc>
-              <a:buFontTx/>
-              <a:buChar char="—"/>
-            </a:pPr>
-            <a:endParaRPr lang="ru-RU" sz="1800" dirty="0">
-              <a:effectLst/>
-              <a:latin typeface="Montserrat" panose="00000500000000000000" pitchFamily="2" charset="-52"/>
-            </a:endParaRPr>
-          </a:p>
-          <a:p>
-            <a:pPr marL="342900" indent="-342900" algn="l">
-              <a:lnSpc>
-                <a:spcPct val="150000"/>
-              </a:lnSpc>
-              <a:buFontTx/>
-              <a:buChar char="—"/>
-            </a:pPr>
-            <a:endParaRPr lang="en-US" sz="1800" dirty="0">
-              <a:latin typeface="Montserrat" pitchFamily="2" charset="-52"/>
-            </a:endParaRPr>
-          </a:p>
-        </p:txBody>
-      </p:sp>
+          <a:extLst>
+            <a:ext uri="{909E8E84-426E-40DD-AFC4-6F175D3DCCD1}">
+              <a14:hiddenFill xmlns:a14="http://schemas.microsoft.com/office/drawing/2010/main">
+                <a:solidFill>
+                  <a:srgbClr val="FFFFFF"/>
+                </a:solidFill>
+              </a14:hiddenFill>
+            </a:ext>
+          </a:extLst>
+        </p:spPr>
+      </p:pic>
+      <p:pic>
+        <p:nvPicPr>
+          <p:cNvPr id="1030" name="Picture 6" descr="Picture background">
+            <a:extLst>
+              <a:ext uri="{FF2B5EF4-FFF2-40B4-BE49-F238E27FC236}">
+                <a16:creationId xmlns:a16="http://schemas.microsoft.com/office/drawing/2014/main" id="{F6718C5E-E2D3-4E43-95F9-5B0D000A7A9D}"/>
+              </a:ext>
+            </a:extLst>
+          </p:cNvPr>
+          <p:cNvPicPr>
+            <a:picLocks noChangeAspect="1" noChangeArrowheads="1"/>
+          </p:cNvPicPr>
+          <p:nvPr/>
+        </p:nvPicPr>
+        <p:blipFill>
+          <a:blip r:embed="rId3">
+            <a:extLst>
+              <a:ext uri="{28A0092B-C50C-407E-A947-70E740481C1C}">
+                <a14:useLocalDpi xmlns:a14="http://schemas.microsoft.com/office/drawing/2010/main" val="0"/>
+              </a:ext>
+            </a:extLst>
+          </a:blip>
+          <a:srcRect/>
+          <a:stretch>
+            <a:fillRect/>
+          </a:stretch>
+        </p:blipFill>
+        <p:spPr bwMode="auto">
+          <a:xfrm>
+            <a:off x="9065996" y="1479427"/>
+            <a:ext cx="2384378" cy="2328326"/>
+          </a:xfrm>
+          <a:prstGeom prst="rect">
+            <a:avLst/>
+          </a:prstGeom>
+          <a:noFill/>
+          <a:extLst>
+            <a:ext uri="{909E8E84-426E-40DD-AFC4-6F175D3DCCD1}">
+              <a14:hiddenFill xmlns:a14="http://schemas.microsoft.com/office/drawing/2010/main">
+                <a:solidFill>
+                  <a:srgbClr val="FFFFFF"/>
+                </a:solidFill>
+              </a14:hiddenFill>
+            </a:ext>
+          </a:extLst>
+        </p:spPr>
+      </p:pic>
+      <p:pic>
+        <p:nvPicPr>
+          <p:cNvPr id="1032" name="Picture 8" descr="Picture background">
+            <a:extLst>
+              <a:ext uri="{FF2B5EF4-FFF2-40B4-BE49-F238E27FC236}">
+                <a16:creationId xmlns:a16="http://schemas.microsoft.com/office/drawing/2014/main" id="{5975483C-B045-4A5F-B203-639A10CDB92D}"/>
+              </a:ext>
+            </a:extLst>
+          </p:cNvPr>
+          <p:cNvPicPr>
+            <a:picLocks noChangeAspect="1" noChangeArrowheads="1"/>
+          </p:cNvPicPr>
+          <p:nvPr/>
+        </p:nvPicPr>
+        <p:blipFill>
+          <a:blip r:embed="rId4">
+            <a:extLst>
+              <a:ext uri="{28A0092B-C50C-407E-A947-70E740481C1C}">
+                <a14:useLocalDpi xmlns:a14="http://schemas.microsoft.com/office/drawing/2010/main" val="0"/>
+              </a:ext>
+            </a:extLst>
+          </a:blip>
+          <a:srcRect/>
+          <a:stretch>
+            <a:fillRect/>
+          </a:stretch>
+        </p:blipFill>
+        <p:spPr bwMode="auto">
+          <a:xfrm>
+            <a:off x="4535755" y="1333675"/>
+            <a:ext cx="2726339" cy="3064736"/>
+          </a:xfrm>
+          <a:prstGeom prst="rect">
+            <a:avLst/>
+          </a:prstGeom>
+          <a:noFill/>
+          <a:extLst>
+            <a:ext uri="{909E8E84-426E-40DD-AFC4-6F175D3DCCD1}">
+              <a14:hiddenFill xmlns:a14="http://schemas.microsoft.com/office/drawing/2010/main">
+                <a:solidFill>
+                  <a:srgbClr val="FFFFFF"/>
+                </a:solidFill>
+              </a14:hiddenFill>
+            </a:ext>
+          </a:extLst>
+        </p:spPr>
+      </p:pic>
+      <p:pic>
+        <p:nvPicPr>
+          <p:cNvPr id="1034" name="Picture 10" descr="Picture background">
+            <a:extLst>
+              <a:ext uri="{FF2B5EF4-FFF2-40B4-BE49-F238E27FC236}">
+                <a16:creationId xmlns:a16="http://schemas.microsoft.com/office/drawing/2014/main" id="{9E8B274A-97F2-4BC8-B4DD-63F92C792309}"/>
+              </a:ext>
+            </a:extLst>
+          </p:cNvPr>
+          <p:cNvPicPr>
+            <a:picLocks noChangeAspect="1" noChangeArrowheads="1"/>
+          </p:cNvPicPr>
+          <p:nvPr/>
+        </p:nvPicPr>
+        <p:blipFill>
+          <a:blip r:embed="rId5">
+            <a:extLst>
+              <a:ext uri="{28A0092B-C50C-407E-A947-70E740481C1C}">
+                <a14:useLocalDpi xmlns:a14="http://schemas.microsoft.com/office/drawing/2010/main" val="0"/>
+              </a:ext>
+            </a:extLst>
+          </a:blip>
+          <a:srcRect/>
+          <a:stretch>
+            <a:fillRect/>
+          </a:stretch>
+        </p:blipFill>
+        <p:spPr bwMode="auto">
+          <a:xfrm>
+            <a:off x="432713" y="4621905"/>
+            <a:ext cx="6115616" cy="1158623"/>
+          </a:xfrm>
+          <a:prstGeom prst="rect">
+            <a:avLst/>
+          </a:prstGeom>
+          <a:noFill/>
+          <a:extLst>
+            <a:ext uri="{909E8E84-426E-40DD-AFC4-6F175D3DCCD1}">
+              <a14:hiddenFill xmlns:a14="http://schemas.microsoft.com/office/drawing/2010/main">
+                <a:solidFill>
+                  <a:srgbClr val="FFFFFF"/>
+                </a:solidFill>
+              </a14:hiddenFill>
+            </a:ext>
+          </a:extLst>
+        </p:spPr>
+      </p:pic>
+      <p:pic>
+        <p:nvPicPr>
+          <p:cNvPr id="1036" name="Picture 12" descr="Picture background">
+            <a:extLst>
+              <a:ext uri="{FF2B5EF4-FFF2-40B4-BE49-F238E27FC236}">
+                <a16:creationId xmlns:a16="http://schemas.microsoft.com/office/drawing/2014/main" id="{BC109745-4A0A-44D0-9151-431A744D75A1}"/>
+              </a:ext>
+            </a:extLst>
+          </p:cNvPr>
+          <p:cNvPicPr>
+            <a:picLocks noChangeAspect="1" noChangeArrowheads="1"/>
+          </p:cNvPicPr>
+          <p:nvPr/>
+        </p:nvPicPr>
+        <p:blipFill>
+          <a:blip r:embed="rId6">
+            <a:extLst>
+              <a:ext uri="{28A0092B-C50C-407E-A947-70E740481C1C}">
+                <a14:useLocalDpi xmlns:a14="http://schemas.microsoft.com/office/drawing/2010/main" val="0"/>
+              </a:ext>
+            </a:extLst>
+          </a:blip>
+          <a:srcRect/>
+          <a:stretch>
+            <a:fillRect/>
+          </a:stretch>
+        </p:blipFill>
+        <p:spPr bwMode="auto">
+          <a:xfrm>
+            <a:off x="7262094" y="4254741"/>
+            <a:ext cx="3607805" cy="1892950"/>
+          </a:xfrm>
+          <a:prstGeom prst="rect">
+            <a:avLst/>
+          </a:prstGeom>
+          <a:noFill/>
+          <a:extLst>
+            <a:ext uri="{909E8E84-426E-40DD-AFC4-6F175D3DCCD1}">
+              <a14:hiddenFill xmlns:a14="http://schemas.microsoft.com/office/drawing/2010/main">
+                <a:solidFill>
+                  <a:srgbClr val="FFFFFF"/>
+                </a:solidFill>
+              </a14:hiddenFill>
+            </a:ext>
+          </a:extLst>
+        </p:spPr>
+      </p:pic>
     </p:spTree>
     <p:extLst>
       <p:ext uri="{BB962C8B-B14F-4D97-AF65-F5344CB8AC3E}">
-        <p14:creationId xmlns:p14="http://schemas.microsoft.com/office/powerpoint/2010/main" val="728543888"/>
+        <p14:creationId xmlns:p14="http://schemas.microsoft.com/office/powerpoint/2010/main" val="2836704077"/>
       </p:ext>
     </p:extLst>
   </p:cSld>
@@ -6950,7 +7089,7 @@
                 </a:solidFill>
                 <a:latin typeface="Montserrat" panose="00000500000000000000" pitchFamily="2" charset="-52"/>
               </a:rPr>
-              <a:t>Интерфейс</a:t>
+              <a:t>Архитектура приложения</a:t>
             </a:r>
           </a:p>
         </p:txBody>
@@ -6960,7 +7099,7 @@
           <p:cNvPr id="3" name="Номер слайда 7">
             <a:extLst>
               <a:ext uri="{FF2B5EF4-FFF2-40B4-BE49-F238E27FC236}">
-                <a16:creationId xmlns:a16="http://schemas.microsoft.com/office/drawing/2014/main" id="{3F8345A1-6E5F-418F-AAD4-0D90A842EBCA}"/>
+                <a16:creationId xmlns:a16="http://schemas.microsoft.com/office/drawing/2014/main" id="{A3369B26-16A4-49C7-9D54-8610B23AA46C}"/>
               </a:ext>
             </a:extLst>
           </p:cNvPr>
@@ -6971,7 +7110,7 @@
         </p:nvSpPr>
         <p:spPr>
           <a:xfrm>
-            <a:off x="11515583" y="6284468"/>
+            <a:off x="11515583" y="6246368"/>
             <a:ext cx="2743200" cy="365125"/>
           </a:xfrm>
           <a:prstGeom prst="rect">
@@ -7091,10 +7230,10 @@
       </p:sp>
       <p:pic>
         <p:nvPicPr>
-          <p:cNvPr id="9" name="Рисунок 8">
-            <a:extLst>
-              <a:ext uri="{FF2B5EF4-FFF2-40B4-BE49-F238E27FC236}">
-                <a16:creationId xmlns:a16="http://schemas.microsoft.com/office/drawing/2014/main" id="{05F2B8B3-D5BD-49D7-82C6-01AEA9E6C143}"/>
+          <p:cNvPr id="4" name="Рисунок 3">
+            <a:extLst>
+              <a:ext uri="{FF2B5EF4-FFF2-40B4-BE49-F238E27FC236}">
+                <a16:creationId xmlns:a16="http://schemas.microsoft.com/office/drawing/2014/main" id="{4F9B97D7-D33D-49A8-B748-5F9169F8E7C5}"/>
               </a:ext>
             </a:extLst>
           </p:cNvPr>
@@ -7104,129 +7243,15 @@
           <p:nvPr/>
         </p:nvPicPr>
         <p:blipFill>
-          <a:blip r:embed="rId2">
-            <a:extLst>
-              <a:ext uri="{28A0092B-C50C-407E-A947-70E740481C1C}">
-                <a14:useLocalDpi xmlns:a14="http://schemas.microsoft.com/office/drawing/2010/main" val="0"/>
-              </a:ext>
-            </a:extLst>
-          </a:blip>
+          <a:blip r:embed="rId2"/>
           <a:stretch>
             <a:fillRect/>
           </a:stretch>
         </p:blipFill>
         <p:spPr>
           <a:xfrm>
-            <a:off x="180285" y="1409889"/>
-            <a:ext cx="2390775" cy="4762500"/>
-          </a:xfrm>
-          <a:prstGeom prst="rect">
-            <a:avLst/>
-          </a:prstGeom>
-        </p:spPr>
-      </p:pic>
-      <p:pic>
-        <p:nvPicPr>
-          <p:cNvPr id="11" name="Рисунок 10">
-            <a:extLst>
-              <a:ext uri="{FF2B5EF4-FFF2-40B4-BE49-F238E27FC236}">
-                <a16:creationId xmlns:a16="http://schemas.microsoft.com/office/drawing/2014/main" id="{FE969B04-A339-4169-9D0B-BE561A6EC1AF}"/>
-              </a:ext>
-            </a:extLst>
-          </p:cNvPr>
-          <p:cNvPicPr>
-            <a:picLocks noChangeAspect="1"/>
-          </p:cNvPicPr>
-          <p:nvPr/>
-        </p:nvPicPr>
-        <p:blipFill>
-          <a:blip r:embed="rId3">
-            <a:extLst>
-              <a:ext uri="{28A0092B-C50C-407E-A947-70E740481C1C}">
-                <a14:useLocalDpi xmlns:a14="http://schemas.microsoft.com/office/drawing/2010/main" val="0"/>
-              </a:ext>
-            </a:extLst>
-          </a:blip>
-          <a:stretch>
-            <a:fillRect/>
-          </a:stretch>
-        </p:blipFill>
-        <p:spPr>
-          <a:xfrm>
-            <a:off x="3324037" y="1409889"/>
-            <a:ext cx="2409825" cy="4762500"/>
-          </a:xfrm>
-          <a:prstGeom prst="rect">
-            <a:avLst/>
-          </a:prstGeom>
-        </p:spPr>
-      </p:pic>
-      <p:pic>
-        <p:nvPicPr>
-          <p:cNvPr id="13" name="Рисунок 12">
-            <a:extLst>
-              <a:ext uri="{FF2B5EF4-FFF2-40B4-BE49-F238E27FC236}">
-                <a16:creationId xmlns:a16="http://schemas.microsoft.com/office/drawing/2014/main" id="{F1ED7495-8667-46BC-BFA0-DABFF99A6670}"/>
-              </a:ext>
-            </a:extLst>
-          </p:cNvPr>
-          <p:cNvPicPr>
-            <a:picLocks noChangeAspect="1"/>
-          </p:cNvPicPr>
-          <p:nvPr/>
-        </p:nvPicPr>
-        <p:blipFill>
-          <a:blip r:embed="rId4">
-            <a:extLst>
-              <a:ext uri="{28A0092B-C50C-407E-A947-70E740481C1C}">
-                <a14:useLocalDpi xmlns:a14="http://schemas.microsoft.com/office/drawing/2010/main" val="0"/>
-              </a:ext>
-            </a:extLst>
-          </a:blip>
-          <a:stretch>
-            <a:fillRect/>
-          </a:stretch>
-        </p:blipFill>
-        <p:spPr>
-          <a:xfrm>
-            <a:off x="6486839" y="1407626"/>
-            <a:ext cx="2324100" cy="4762500"/>
-          </a:xfrm>
-          <a:prstGeom prst="rect">
-            <a:avLst/>
-          </a:prstGeom>
-        </p:spPr>
-      </p:pic>
-      <p:pic>
-        <p:nvPicPr>
-          <p:cNvPr id="16" name="Рисунок 15">
-            <a:extLst>
-              <a:ext uri="{FF2B5EF4-FFF2-40B4-BE49-F238E27FC236}">
-                <a16:creationId xmlns:a16="http://schemas.microsoft.com/office/drawing/2014/main" id="{45B17D7A-F4D9-462A-B7CA-A28DA76C810D}"/>
-              </a:ext>
-            </a:extLst>
-          </p:cNvPr>
-          <p:cNvPicPr>
-            <a:picLocks noChangeAspect="1"/>
-          </p:cNvPicPr>
-          <p:nvPr/>
-        </p:nvPicPr>
-        <p:blipFill>
-          <a:blip r:embed="rId5">
-            <a:extLst>
-              <a:ext uri="{28A0092B-C50C-407E-A947-70E740481C1C}">
-                <a14:useLocalDpi xmlns:a14="http://schemas.microsoft.com/office/drawing/2010/main" val="0"/>
-              </a:ext>
-            </a:extLst>
-          </a:blip>
-          <a:stretch>
-            <a:fillRect/>
-          </a:stretch>
-        </p:blipFill>
-        <p:spPr>
-          <a:xfrm>
-            <a:off x="9563916" y="1407626"/>
-            <a:ext cx="2304670" cy="4762500"/>
+            <a:off x="1489739" y="1042970"/>
+            <a:ext cx="9212522" cy="5686802"/>
           </a:xfrm>
           <a:prstGeom prst="rect">
             <a:avLst/>
@@ -7236,7 +7261,7 @@
     </p:spTree>
     <p:extLst>
       <p:ext uri="{BB962C8B-B14F-4D97-AF65-F5344CB8AC3E}">
-        <p14:creationId xmlns:p14="http://schemas.microsoft.com/office/powerpoint/2010/main" val="2938400576"/>
+        <p14:creationId xmlns:p14="http://schemas.microsoft.com/office/powerpoint/2010/main" val="159036274"/>
       </p:ext>
     </p:extLst>
   </p:cSld>
@@ -7438,10 +7463,10 @@
       </p:sp>
       <p:pic>
         <p:nvPicPr>
-          <p:cNvPr id="5" name="Рисунок 4">
-            <a:extLst>
-              <a:ext uri="{FF2B5EF4-FFF2-40B4-BE49-F238E27FC236}">
-                <a16:creationId xmlns:a16="http://schemas.microsoft.com/office/drawing/2014/main" id="{775A121E-BE46-4389-8AB1-40C957B29E64}"/>
+          <p:cNvPr id="9" name="Рисунок 8">
+            <a:extLst>
+              <a:ext uri="{FF2B5EF4-FFF2-40B4-BE49-F238E27FC236}">
+                <a16:creationId xmlns:a16="http://schemas.microsoft.com/office/drawing/2014/main" id="{05F2B8B3-D5BD-49D7-82C6-01AEA9E6C143}"/>
               </a:ext>
             </a:extLst>
           </p:cNvPr>
@@ -7464,7 +7489,7 @@
         </p:blipFill>
         <p:spPr>
           <a:xfrm>
-            <a:off x="8278674" y="1407798"/>
+            <a:off x="180285" y="1409889"/>
             <a:ext cx="2390775" cy="4762500"/>
           </a:xfrm>
           <a:prstGeom prst="rect">
@@ -7474,10 +7499,10 @@
       </p:pic>
       <p:pic>
         <p:nvPicPr>
-          <p:cNvPr id="10" name="Рисунок 9">
-            <a:extLst>
-              <a:ext uri="{FF2B5EF4-FFF2-40B4-BE49-F238E27FC236}">
-                <a16:creationId xmlns:a16="http://schemas.microsoft.com/office/drawing/2014/main" id="{E158DBE6-5ED4-49D5-8485-6EE222E45B45}"/>
+          <p:cNvPr id="11" name="Рисунок 10">
+            <a:extLst>
+              <a:ext uri="{FF2B5EF4-FFF2-40B4-BE49-F238E27FC236}">
+                <a16:creationId xmlns:a16="http://schemas.microsoft.com/office/drawing/2014/main" id="{FE969B04-A339-4169-9D0B-BE561A6EC1AF}"/>
               </a:ext>
             </a:extLst>
           </p:cNvPr>
@@ -7500,8 +7525,8 @@
         </p:blipFill>
         <p:spPr>
           <a:xfrm>
-            <a:off x="4755758" y="1407798"/>
-            <a:ext cx="2390775" cy="4762500"/>
+            <a:off x="3324037" y="1409889"/>
+            <a:ext cx="2409825" cy="4762500"/>
           </a:xfrm>
           <a:prstGeom prst="rect">
             <a:avLst/>
@@ -7510,10 +7535,10 @@
       </p:pic>
       <p:pic>
         <p:nvPicPr>
-          <p:cNvPr id="14" name="Рисунок 13">
-            <a:extLst>
-              <a:ext uri="{FF2B5EF4-FFF2-40B4-BE49-F238E27FC236}">
-                <a16:creationId xmlns:a16="http://schemas.microsoft.com/office/drawing/2014/main" id="{57A533F9-F27D-4DE7-A8EE-EF6DF857D077}"/>
+          <p:cNvPr id="13" name="Рисунок 12">
+            <a:extLst>
+              <a:ext uri="{FF2B5EF4-FFF2-40B4-BE49-F238E27FC236}">
+                <a16:creationId xmlns:a16="http://schemas.microsoft.com/office/drawing/2014/main" id="{F1ED7495-8667-46BC-BFA0-DABFF99A6670}"/>
               </a:ext>
             </a:extLst>
           </p:cNvPr>
@@ -7536,8 +7561,44 @@
         </p:blipFill>
         <p:spPr>
           <a:xfrm>
-            <a:off x="1270942" y="1407798"/>
-            <a:ext cx="2352675" cy="4762500"/>
+            <a:off x="6486839" y="1407626"/>
+            <a:ext cx="2324100" cy="4762500"/>
+          </a:xfrm>
+          <a:prstGeom prst="rect">
+            <a:avLst/>
+          </a:prstGeom>
+        </p:spPr>
+      </p:pic>
+      <p:pic>
+        <p:nvPicPr>
+          <p:cNvPr id="16" name="Рисунок 15">
+            <a:extLst>
+              <a:ext uri="{FF2B5EF4-FFF2-40B4-BE49-F238E27FC236}">
+                <a16:creationId xmlns:a16="http://schemas.microsoft.com/office/drawing/2014/main" id="{45B17D7A-F4D9-462A-B7CA-A28DA76C810D}"/>
+              </a:ext>
+            </a:extLst>
+          </p:cNvPr>
+          <p:cNvPicPr>
+            <a:picLocks noChangeAspect="1"/>
+          </p:cNvPicPr>
+          <p:nvPr/>
+        </p:nvPicPr>
+        <p:blipFill>
+          <a:blip r:embed="rId5">
+            <a:extLst>
+              <a:ext uri="{28A0092B-C50C-407E-A947-70E740481C1C}">
+                <a14:useLocalDpi xmlns:a14="http://schemas.microsoft.com/office/drawing/2010/main" val="0"/>
+              </a:ext>
+            </a:extLst>
+          </a:blip>
+          <a:stretch>
+            <a:fillRect/>
+          </a:stretch>
+        </p:blipFill>
+        <p:spPr>
+          <a:xfrm>
+            <a:off x="9563916" y="1407626"/>
+            <a:ext cx="2304670" cy="4762500"/>
           </a:xfrm>
           <a:prstGeom prst="rect">
             <a:avLst/>
@@ -7547,7 +7608,7 @@
     </p:spTree>
     <p:extLst>
       <p:ext uri="{BB962C8B-B14F-4D97-AF65-F5344CB8AC3E}">
-        <p14:creationId xmlns:p14="http://schemas.microsoft.com/office/powerpoint/2010/main" val="1671263044"/>
+        <p14:creationId xmlns:p14="http://schemas.microsoft.com/office/powerpoint/2010/main" val="2938400576"/>
       </p:ext>
     </p:extLst>
   </p:cSld>
@@ -7592,8 +7653,8 @@
         </p:nvSpPr>
         <p:spPr>
           <a:xfrm>
-            <a:off x="401534" y="-320843"/>
-            <a:ext cx="11388932" cy="1420029"/>
+            <a:off x="1139952" y="-256675"/>
+            <a:ext cx="9912096" cy="1420029"/>
           </a:xfrm>
         </p:spPr>
         <p:txBody>
@@ -7608,17 +7669,17 @@
                 </a:solidFill>
                 <a:latin typeface="Montserrat" panose="00000500000000000000" pitchFamily="2" charset="-52"/>
               </a:rPr>
-              <a:t>Краткосрочные перспективы</a:t>
+              <a:t>Интерфейс</a:t>
             </a:r>
           </a:p>
         </p:txBody>
       </p:sp>
       <p:sp>
         <p:nvSpPr>
-          <p:cNvPr id="5" name="Номер слайда 7">
-            <a:extLst>
-              <a:ext uri="{FF2B5EF4-FFF2-40B4-BE49-F238E27FC236}">
-                <a16:creationId xmlns:a16="http://schemas.microsoft.com/office/drawing/2014/main" id="{76492456-849A-40D6-85E2-A37A64CB9BA1}"/>
+          <p:cNvPr id="3" name="Номер слайда 7">
+            <a:extLst>
+              <a:ext uri="{FF2B5EF4-FFF2-40B4-BE49-F238E27FC236}">
+                <a16:creationId xmlns:a16="http://schemas.microsoft.com/office/drawing/2014/main" id="{3F8345A1-6E5F-418F-AAD4-0D90A842EBCA}"/>
               </a:ext>
             </a:extLst>
           </p:cNvPr>
@@ -7629,7 +7690,7 @@
         </p:nvSpPr>
         <p:spPr>
           <a:xfrm>
-            <a:off x="11534633" y="6227318"/>
+            <a:off x="11515583" y="6284468"/>
             <a:ext cx="2743200" cy="365125"/>
           </a:xfrm>
           <a:prstGeom prst="rect">
@@ -7747,627 +7808,118 @@
           </a:p>
         </p:txBody>
       </p:sp>
-      <p:cxnSp>
-        <p:nvCxnSpPr>
-          <p:cNvPr id="7" name="Прямая соединительная линия 6">
-            <a:extLst>
-              <a:ext uri="{FF2B5EF4-FFF2-40B4-BE49-F238E27FC236}">
-                <a16:creationId xmlns:a16="http://schemas.microsoft.com/office/drawing/2014/main" id="{AF657E02-3CD5-4269-91C2-016730A04F73}"/>
-              </a:ext>
-            </a:extLst>
-          </p:cNvPr>
-          <p:cNvCxnSpPr>
-            <a:cxnSpLocks/>
-          </p:cNvCxnSpPr>
+      <p:pic>
+        <p:nvPicPr>
+          <p:cNvPr id="5" name="Рисунок 4">
+            <a:extLst>
+              <a:ext uri="{FF2B5EF4-FFF2-40B4-BE49-F238E27FC236}">
+                <a16:creationId xmlns:a16="http://schemas.microsoft.com/office/drawing/2014/main" id="{775A121E-BE46-4389-8AB1-40C957B29E64}"/>
+              </a:ext>
+            </a:extLst>
+          </p:cNvPr>
+          <p:cNvPicPr>
+            <a:picLocks noChangeAspect="1"/>
+          </p:cNvPicPr>
           <p:nvPr/>
-        </p:nvCxnSpPr>
-        <p:spPr>
-          <a:xfrm>
-            <a:off x="642344" y="3710762"/>
-            <a:ext cx="10907312" cy="0"/>
-          </a:xfrm>
-          <a:prstGeom prst="line">
-            <a:avLst/>
-          </a:prstGeom>
-          <a:ln w="57150">
-            <a:solidFill>
-              <a:schemeClr val="tx1"/>
-            </a:solidFill>
-          </a:ln>
-        </p:spPr>
-        <p:style>
-          <a:lnRef idx="1">
-            <a:schemeClr val="dk1"/>
-          </a:lnRef>
-          <a:fillRef idx="0">
-            <a:schemeClr val="dk1"/>
-          </a:fillRef>
-          <a:effectRef idx="0">
-            <a:schemeClr val="dk1"/>
-          </a:effectRef>
-          <a:fontRef idx="minor">
-            <a:schemeClr val="tx1"/>
-          </a:fontRef>
-        </p:style>
-      </p:cxnSp>
-      <p:cxnSp>
-        <p:nvCxnSpPr>
-          <p:cNvPr id="13" name="Прямая соединительная линия 12">
-            <a:extLst>
-              <a:ext uri="{FF2B5EF4-FFF2-40B4-BE49-F238E27FC236}">
-                <a16:creationId xmlns:a16="http://schemas.microsoft.com/office/drawing/2014/main" id="{BA797696-EEEB-4603-9A4D-BAB46C790A60}"/>
-              </a:ext>
-            </a:extLst>
-          </p:cNvPr>
-          <p:cNvCxnSpPr>
-            <a:cxnSpLocks/>
-          </p:cNvCxnSpPr>
-          <p:nvPr/>
-        </p:nvCxnSpPr>
-        <p:spPr>
-          <a:xfrm>
-            <a:off x="1461051" y="3306723"/>
-            <a:ext cx="0" cy="808075"/>
-          </a:xfrm>
-          <a:prstGeom prst="line">
-            <a:avLst/>
-          </a:prstGeom>
-          <a:ln w="57150"/>
-        </p:spPr>
-        <p:style>
-          <a:lnRef idx="1">
-            <a:schemeClr val="dk1"/>
-          </a:lnRef>
-          <a:fillRef idx="0">
-            <a:schemeClr val="dk1"/>
-          </a:fillRef>
-          <a:effectRef idx="0">
-            <a:schemeClr val="dk1"/>
-          </a:effectRef>
-          <a:fontRef idx="minor">
-            <a:schemeClr val="tx1"/>
-          </a:fontRef>
-        </p:style>
-      </p:cxnSp>
-      <p:cxnSp>
-        <p:nvCxnSpPr>
-          <p:cNvPr id="15" name="Прямая соединительная линия 14">
-            <a:extLst>
-              <a:ext uri="{FF2B5EF4-FFF2-40B4-BE49-F238E27FC236}">
-                <a16:creationId xmlns:a16="http://schemas.microsoft.com/office/drawing/2014/main" id="{ADC9EF18-D587-4355-B7A4-141E167F62B4}"/>
-              </a:ext>
-            </a:extLst>
-          </p:cNvPr>
-          <p:cNvCxnSpPr>
-            <a:cxnSpLocks/>
-          </p:cNvCxnSpPr>
-          <p:nvPr/>
-        </p:nvCxnSpPr>
-        <p:spPr>
-          <a:xfrm>
-            <a:off x="4516140" y="3306724"/>
-            <a:ext cx="0" cy="808075"/>
-          </a:xfrm>
-          <a:prstGeom prst="line">
-            <a:avLst/>
-          </a:prstGeom>
-          <a:ln w="57150"/>
-        </p:spPr>
-        <p:style>
-          <a:lnRef idx="1">
-            <a:schemeClr val="dk1"/>
-          </a:lnRef>
-          <a:fillRef idx="0">
-            <a:schemeClr val="dk1"/>
-          </a:fillRef>
-          <a:effectRef idx="0">
-            <a:schemeClr val="dk1"/>
-          </a:effectRef>
-          <a:fontRef idx="minor">
-            <a:schemeClr val="tx1"/>
-          </a:fontRef>
-        </p:style>
-      </p:cxnSp>
-      <p:cxnSp>
-        <p:nvCxnSpPr>
-          <p:cNvPr id="16" name="Прямая соединительная линия 15">
-            <a:extLst>
-              <a:ext uri="{FF2B5EF4-FFF2-40B4-BE49-F238E27FC236}">
-                <a16:creationId xmlns:a16="http://schemas.microsoft.com/office/drawing/2014/main" id="{00D98DBE-E323-4260-B79A-1EE594790410}"/>
-              </a:ext>
-            </a:extLst>
-          </p:cNvPr>
-          <p:cNvCxnSpPr>
-            <a:cxnSpLocks/>
-          </p:cNvCxnSpPr>
-          <p:nvPr/>
-        </p:nvCxnSpPr>
-        <p:spPr>
-          <a:xfrm>
-            <a:off x="7557939" y="3306722"/>
-            <a:ext cx="0" cy="808075"/>
-          </a:xfrm>
-          <a:prstGeom prst="line">
-            <a:avLst/>
-          </a:prstGeom>
-          <a:ln w="57150"/>
-        </p:spPr>
-        <p:style>
-          <a:lnRef idx="1">
-            <a:schemeClr val="dk1"/>
-          </a:lnRef>
-          <a:fillRef idx="0">
-            <a:schemeClr val="dk1"/>
-          </a:fillRef>
-          <a:effectRef idx="0">
-            <a:schemeClr val="dk1"/>
-          </a:effectRef>
-          <a:fontRef idx="minor">
-            <a:schemeClr val="tx1"/>
-          </a:fontRef>
-        </p:style>
-      </p:cxnSp>
-      <p:cxnSp>
-        <p:nvCxnSpPr>
-          <p:cNvPr id="17" name="Прямая соединительная линия 16">
-            <a:extLst>
-              <a:ext uri="{FF2B5EF4-FFF2-40B4-BE49-F238E27FC236}">
-                <a16:creationId xmlns:a16="http://schemas.microsoft.com/office/drawing/2014/main" id="{071ED5BD-4A55-4C52-BA23-D0BE4BA43556}"/>
-              </a:ext>
-            </a:extLst>
-          </p:cNvPr>
-          <p:cNvCxnSpPr>
-            <a:cxnSpLocks/>
-          </p:cNvCxnSpPr>
-          <p:nvPr/>
-        </p:nvCxnSpPr>
-        <p:spPr>
-          <a:xfrm>
-            <a:off x="10569611" y="3306722"/>
-            <a:ext cx="0" cy="808075"/>
-          </a:xfrm>
-          <a:prstGeom prst="line">
-            <a:avLst/>
-          </a:prstGeom>
-          <a:ln w="57150"/>
-        </p:spPr>
-        <p:style>
-          <a:lnRef idx="1">
-            <a:schemeClr val="dk1"/>
-          </a:lnRef>
-          <a:fillRef idx="0">
-            <a:schemeClr val="dk1"/>
-          </a:fillRef>
-          <a:effectRef idx="0">
-            <a:schemeClr val="dk1"/>
-          </a:effectRef>
-          <a:fontRef idx="minor">
-            <a:schemeClr val="tx1"/>
-          </a:fontRef>
-        </p:style>
-      </p:cxnSp>
-      <p:sp>
-        <p:nvSpPr>
-          <p:cNvPr id="20" name="TextBox 19">
-            <a:extLst>
-              <a:ext uri="{FF2B5EF4-FFF2-40B4-BE49-F238E27FC236}">
-                <a16:creationId xmlns:a16="http://schemas.microsoft.com/office/drawing/2014/main" id="{2279FC96-C932-47BE-8CC3-7857D587377F}"/>
-              </a:ext>
-            </a:extLst>
-          </p:cNvPr>
-          <p:cNvSpPr txBox="1"/>
-          <p:nvPr/>
-        </p:nvSpPr>
-        <p:spPr>
-          <a:xfrm>
-            <a:off x="270560" y="2168847"/>
-            <a:ext cx="2640064" cy="1137876"/>
+        </p:nvPicPr>
+        <p:blipFill>
+          <a:blip r:embed="rId2">
+            <a:extLst>
+              <a:ext uri="{28A0092B-C50C-407E-A947-70E740481C1C}">
+                <a14:useLocalDpi xmlns:a14="http://schemas.microsoft.com/office/drawing/2010/main" val="0"/>
+              </a:ext>
+            </a:extLst>
+          </a:blip>
+          <a:stretch>
+            <a:fillRect/>
+          </a:stretch>
+        </p:blipFill>
+        <p:spPr>
+          <a:xfrm>
+            <a:off x="8278674" y="1407798"/>
+            <a:ext cx="2390775" cy="4762500"/>
           </a:xfrm>
           <a:prstGeom prst="rect">
             <a:avLst/>
           </a:prstGeom>
-          <a:noFill/>
-        </p:spPr>
-        <p:txBody>
-          <a:bodyPr wrap="square">
-            <a:spAutoFit/>
-          </a:bodyPr>
-          <a:lstStyle/>
-          <a:p>
-            <a:pPr algn="ctr">
-              <a:lnSpc>
-                <a:spcPct val="150000"/>
-              </a:lnSpc>
-            </a:pPr>
-            <a:r>
-              <a:rPr lang="ru-RU" sz="2400" dirty="0">
-                <a:latin typeface="Montserrat" panose="00000500000000000000" pitchFamily="2" charset="-52"/>
-              </a:rPr>
-              <a:t>Февраль-Март</a:t>
-            </a:r>
-          </a:p>
-          <a:p>
-            <a:pPr algn="ctr">
-              <a:lnSpc>
-                <a:spcPct val="150000"/>
-              </a:lnSpc>
-            </a:pPr>
-            <a:r>
-              <a:rPr lang="ru-RU" sz="2400" dirty="0">
-                <a:latin typeface="Montserrat" panose="00000500000000000000" pitchFamily="2" charset="-52"/>
-              </a:rPr>
-              <a:t>2025</a:t>
-            </a:r>
-            <a:endParaRPr lang="en-US" sz="2400" dirty="0">
-              <a:latin typeface="Montserrat" panose="00000500000000000000" pitchFamily="2" charset="-52"/>
-            </a:endParaRPr>
-          </a:p>
-        </p:txBody>
-      </p:sp>
-      <p:sp>
-        <p:nvSpPr>
-          <p:cNvPr id="21" name="TextBox 20">
-            <a:extLst>
-              <a:ext uri="{FF2B5EF4-FFF2-40B4-BE49-F238E27FC236}">
-                <a16:creationId xmlns:a16="http://schemas.microsoft.com/office/drawing/2014/main" id="{9E795943-81D0-497A-BDFC-06DCD27393D6}"/>
-              </a:ext>
-            </a:extLst>
-          </p:cNvPr>
-          <p:cNvSpPr txBox="1"/>
+        </p:spPr>
+      </p:pic>
+      <p:pic>
+        <p:nvPicPr>
+          <p:cNvPr id="10" name="Рисунок 9">
+            <a:extLst>
+              <a:ext uri="{FF2B5EF4-FFF2-40B4-BE49-F238E27FC236}">
+                <a16:creationId xmlns:a16="http://schemas.microsoft.com/office/drawing/2014/main" id="{E158DBE6-5ED4-49D5-8485-6EE222E45B45}"/>
+              </a:ext>
+            </a:extLst>
+          </p:cNvPr>
+          <p:cNvPicPr>
+            <a:picLocks noChangeAspect="1"/>
+          </p:cNvPicPr>
           <p:nvPr/>
-        </p:nvSpPr>
-        <p:spPr>
-          <a:xfrm>
-            <a:off x="3626992" y="2168847"/>
-            <a:ext cx="1778295" cy="1137876"/>
+        </p:nvPicPr>
+        <p:blipFill>
+          <a:blip r:embed="rId3">
+            <a:extLst>
+              <a:ext uri="{28A0092B-C50C-407E-A947-70E740481C1C}">
+                <a14:useLocalDpi xmlns:a14="http://schemas.microsoft.com/office/drawing/2010/main" val="0"/>
+              </a:ext>
+            </a:extLst>
+          </a:blip>
+          <a:stretch>
+            <a:fillRect/>
+          </a:stretch>
+        </p:blipFill>
+        <p:spPr>
+          <a:xfrm>
+            <a:off x="4755758" y="1407798"/>
+            <a:ext cx="2390775" cy="4762500"/>
           </a:xfrm>
           <a:prstGeom prst="rect">
             <a:avLst/>
           </a:prstGeom>
-          <a:noFill/>
-        </p:spPr>
-        <p:txBody>
-          <a:bodyPr wrap="square">
-            <a:spAutoFit/>
-          </a:bodyPr>
-          <a:lstStyle/>
-          <a:p>
-            <a:pPr algn="ctr">
-              <a:lnSpc>
-                <a:spcPct val="150000"/>
-              </a:lnSpc>
-            </a:pPr>
-            <a:r>
-              <a:rPr lang="ru-RU" sz="2400" dirty="0">
-                <a:latin typeface="Montserrat" panose="00000500000000000000" pitchFamily="2" charset="-52"/>
-              </a:rPr>
-              <a:t>Апрель</a:t>
-            </a:r>
-            <a:br>
-              <a:rPr lang="ru-RU" sz="2400" dirty="0">
-                <a:latin typeface="Montserrat" panose="00000500000000000000" pitchFamily="2" charset="-52"/>
-              </a:rPr>
-            </a:br>
-            <a:r>
-              <a:rPr lang="ru-RU" sz="2400" dirty="0">
-                <a:latin typeface="Montserrat" panose="00000500000000000000" pitchFamily="2" charset="-52"/>
-              </a:rPr>
-              <a:t>2025</a:t>
-            </a:r>
-            <a:endParaRPr lang="en-US" sz="2400" dirty="0">
-              <a:latin typeface="Montserrat" panose="00000500000000000000" pitchFamily="2" charset="-52"/>
-            </a:endParaRPr>
-          </a:p>
-        </p:txBody>
-      </p:sp>
-      <p:sp>
-        <p:nvSpPr>
-          <p:cNvPr id="22" name="TextBox 21">
-            <a:extLst>
-              <a:ext uri="{FF2B5EF4-FFF2-40B4-BE49-F238E27FC236}">
-                <a16:creationId xmlns:a16="http://schemas.microsoft.com/office/drawing/2014/main" id="{09007054-AE41-419E-9946-0D9831C340AB}"/>
-              </a:ext>
-            </a:extLst>
-          </p:cNvPr>
-          <p:cNvSpPr txBox="1"/>
+        </p:spPr>
+      </p:pic>
+      <p:pic>
+        <p:nvPicPr>
+          <p:cNvPr id="14" name="Рисунок 13">
+            <a:extLst>
+              <a:ext uri="{FF2B5EF4-FFF2-40B4-BE49-F238E27FC236}">
+                <a16:creationId xmlns:a16="http://schemas.microsoft.com/office/drawing/2014/main" id="{57A533F9-F27D-4DE7-A8EE-EF6DF857D077}"/>
+              </a:ext>
+            </a:extLst>
+          </p:cNvPr>
+          <p:cNvPicPr>
+            <a:picLocks noChangeAspect="1"/>
+          </p:cNvPicPr>
           <p:nvPr/>
-        </p:nvSpPr>
-        <p:spPr>
-          <a:xfrm>
-            <a:off x="7098785" y="2168847"/>
-            <a:ext cx="918308" cy="1137876"/>
+        </p:nvPicPr>
+        <p:blipFill>
+          <a:blip r:embed="rId4">
+            <a:extLst>
+              <a:ext uri="{28A0092B-C50C-407E-A947-70E740481C1C}">
+                <a14:useLocalDpi xmlns:a14="http://schemas.microsoft.com/office/drawing/2010/main" val="0"/>
+              </a:ext>
+            </a:extLst>
+          </a:blip>
+          <a:stretch>
+            <a:fillRect/>
+          </a:stretch>
+        </p:blipFill>
+        <p:spPr>
+          <a:xfrm>
+            <a:off x="1270942" y="1407798"/>
+            <a:ext cx="2352675" cy="4762500"/>
           </a:xfrm>
           <a:prstGeom prst="rect">
             <a:avLst/>
           </a:prstGeom>
-          <a:noFill/>
-        </p:spPr>
-        <p:txBody>
-          <a:bodyPr wrap="square">
-            <a:spAutoFit/>
-          </a:bodyPr>
-          <a:lstStyle/>
-          <a:p>
-            <a:pPr>
-              <a:lnSpc>
-                <a:spcPct val="150000"/>
-              </a:lnSpc>
-            </a:pPr>
-            <a:r>
-              <a:rPr lang="ru-RU" sz="2400" dirty="0">
-                <a:latin typeface="Montserrat" panose="00000500000000000000" pitchFamily="2" charset="-52"/>
-              </a:rPr>
-              <a:t>Май</a:t>
-            </a:r>
-          </a:p>
-          <a:p>
-            <a:pPr>
-              <a:lnSpc>
-                <a:spcPct val="150000"/>
-              </a:lnSpc>
-            </a:pPr>
-            <a:r>
-              <a:rPr lang="ru-RU" sz="2400" dirty="0">
-                <a:latin typeface="Montserrat" panose="00000500000000000000" pitchFamily="2" charset="-52"/>
-              </a:rPr>
-              <a:t>2025</a:t>
-            </a:r>
-            <a:endParaRPr lang="en-US" sz="2400" dirty="0">
-              <a:latin typeface="Montserrat" panose="00000500000000000000" pitchFamily="2" charset="-52"/>
-            </a:endParaRPr>
-          </a:p>
-        </p:txBody>
-      </p:sp>
-      <p:sp>
-        <p:nvSpPr>
-          <p:cNvPr id="23" name="TextBox 22">
-            <a:extLst>
-              <a:ext uri="{FF2B5EF4-FFF2-40B4-BE49-F238E27FC236}">
-                <a16:creationId xmlns:a16="http://schemas.microsoft.com/office/drawing/2014/main" id="{7159F200-00E1-469B-A4A2-4AA3115DE8B3}"/>
-              </a:ext>
-            </a:extLst>
-          </p:cNvPr>
-          <p:cNvSpPr txBox="1"/>
-          <p:nvPr/>
-        </p:nvSpPr>
-        <p:spPr>
-          <a:xfrm>
-            <a:off x="9920577" y="2168847"/>
-            <a:ext cx="1290978" cy="1137876"/>
-          </a:xfrm>
-          <a:prstGeom prst="rect">
-            <a:avLst/>
-          </a:prstGeom>
-          <a:noFill/>
-        </p:spPr>
-        <p:txBody>
-          <a:bodyPr wrap="square">
-            <a:spAutoFit/>
-          </a:bodyPr>
-          <a:lstStyle/>
-          <a:p>
-            <a:pPr algn="ctr">
-              <a:lnSpc>
-                <a:spcPct val="150000"/>
-              </a:lnSpc>
-            </a:pPr>
-            <a:r>
-              <a:rPr lang="ru-RU" sz="2400" dirty="0">
-                <a:latin typeface="Montserrat" panose="00000500000000000000" pitchFamily="2" charset="-52"/>
-              </a:rPr>
-              <a:t>Июнь</a:t>
-            </a:r>
-          </a:p>
-          <a:p>
-            <a:pPr algn="ctr">
-              <a:lnSpc>
-                <a:spcPct val="150000"/>
-              </a:lnSpc>
-            </a:pPr>
-            <a:r>
-              <a:rPr lang="ru-RU" sz="2400" dirty="0">
-                <a:latin typeface="Montserrat" panose="00000500000000000000" pitchFamily="2" charset="-52"/>
-              </a:rPr>
-              <a:t>2025</a:t>
-            </a:r>
-            <a:endParaRPr lang="en-US" sz="2400" dirty="0">
-              <a:latin typeface="Montserrat" panose="00000500000000000000" pitchFamily="2" charset="-52"/>
-            </a:endParaRPr>
-          </a:p>
-        </p:txBody>
-      </p:sp>
-      <p:sp>
-        <p:nvSpPr>
-          <p:cNvPr id="24" name="TextBox 23">
-            <a:extLst>
-              <a:ext uri="{FF2B5EF4-FFF2-40B4-BE49-F238E27FC236}">
-                <a16:creationId xmlns:a16="http://schemas.microsoft.com/office/drawing/2014/main" id="{C2C998BE-7FFA-40A1-811D-5E977BF431B9}"/>
-              </a:ext>
-            </a:extLst>
-          </p:cNvPr>
-          <p:cNvSpPr txBox="1"/>
-          <p:nvPr/>
-        </p:nvSpPr>
-        <p:spPr>
-          <a:xfrm>
-            <a:off x="280660" y="4160312"/>
-            <a:ext cx="2360782" cy="1691873"/>
-          </a:xfrm>
-          <a:prstGeom prst="rect">
-            <a:avLst/>
-          </a:prstGeom>
-          <a:noFill/>
-        </p:spPr>
-        <p:txBody>
-          <a:bodyPr wrap="square">
-            <a:spAutoFit/>
-          </a:bodyPr>
-          <a:lstStyle/>
-          <a:p>
-            <a:pPr algn="ctr">
-              <a:lnSpc>
-                <a:spcPct val="150000"/>
-              </a:lnSpc>
-            </a:pPr>
-            <a:r>
-              <a:rPr lang="ru-RU" sz="2400" dirty="0">
-                <a:latin typeface="Montserrat" panose="00000500000000000000" pitchFamily="2" charset="-52"/>
-              </a:rPr>
-              <a:t>Сбор информации и анализ</a:t>
-            </a:r>
-            <a:endParaRPr lang="en-US" sz="2400" dirty="0">
-              <a:latin typeface="Montserrat" panose="00000500000000000000" pitchFamily="2" charset="-52"/>
-            </a:endParaRPr>
-          </a:p>
-        </p:txBody>
-      </p:sp>
-      <p:sp>
-        <p:nvSpPr>
-          <p:cNvPr id="25" name="TextBox 24">
-            <a:extLst>
-              <a:ext uri="{FF2B5EF4-FFF2-40B4-BE49-F238E27FC236}">
-                <a16:creationId xmlns:a16="http://schemas.microsoft.com/office/drawing/2014/main" id="{4DA82351-486C-421C-A44E-5236C947D3D4}"/>
-              </a:ext>
-            </a:extLst>
-          </p:cNvPr>
-          <p:cNvSpPr txBox="1"/>
-          <p:nvPr/>
-        </p:nvSpPr>
-        <p:spPr>
-          <a:xfrm>
-            <a:off x="3486062" y="4211484"/>
-            <a:ext cx="2072202" cy="1137876"/>
-          </a:xfrm>
-          <a:prstGeom prst="rect">
-            <a:avLst/>
-          </a:prstGeom>
-          <a:noFill/>
-        </p:spPr>
-        <p:txBody>
-          <a:bodyPr wrap="square">
-            <a:spAutoFit/>
-          </a:bodyPr>
-          <a:lstStyle/>
-          <a:p>
-            <a:pPr algn="ctr">
-              <a:lnSpc>
-                <a:spcPct val="150000"/>
-              </a:lnSpc>
-            </a:pPr>
-            <a:r>
-              <a:rPr lang="ru-RU" sz="2400" dirty="0">
-                <a:latin typeface="Montserrat" panose="00000500000000000000" pitchFamily="2" charset="-52"/>
-              </a:rPr>
-              <a:t>Разработка</a:t>
-            </a:r>
-            <a:br>
-              <a:rPr lang="ru-RU" sz="2400" dirty="0">
-                <a:latin typeface="Montserrat" panose="00000500000000000000" pitchFamily="2" charset="-52"/>
-              </a:rPr>
-            </a:br>
-            <a:r>
-              <a:rPr lang="en-US" sz="2400" dirty="0">
-                <a:latin typeface="Montserrat" panose="00000500000000000000" pitchFamily="2" charset="-52"/>
-              </a:rPr>
-              <a:t>MVP</a:t>
-            </a:r>
-          </a:p>
-        </p:txBody>
-      </p:sp>
-      <p:sp>
-        <p:nvSpPr>
-          <p:cNvPr id="26" name="TextBox 25">
-            <a:extLst>
-              <a:ext uri="{FF2B5EF4-FFF2-40B4-BE49-F238E27FC236}">
-                <a16:creationId xmlns:a16="http://schemas.microsoft.com/office/drawing/2014/main" id="{1515E6D9-8C1A-4E21-95F3-5C25504246A9}"/>
-              </a:ext>
-            </a:extLst>
-          </p:cNvPr>
-          <p:cNvSpPr txBox="1"/>
-          <p:nvPr/>
-        </p:nvSpPr>
-        <p:spPr>
-          <a:xfrm>
-            <a:off x="6324408" y="4160312"/>
-            <a:ext cx="2467061" cy="1137876"/>
-          </a:xfrm>
-          <a:prstGeom prst="rect">
-            <a:avLst/>
-          </a:prstGeom>
-          <a:noFill/>
-        </p:spPr>
-        <p:txBody>
-          <a:bodyPr wrap="square">
-            <a:spAutoFit/>
-          </a:bodyPr>
-          <a:lstStyle/>
-          <a:p>
-            <a:pPr algn="ctr">
-              <a:lnSpc>
-                <a:spcPct val="150000"/>
-              </a:lnSpc>
-            </a:pPr>
-            <a:r>
-              <a:rPr lang="ru-RU" sz="2400" dirty="0">
-                <a:latin typeface="Montserrat" panose="00000500000000000000" pitchFamily="2" charset="-52"/>
-              </a:rPr>
-              <a:t>Внутреннее тестирование</a:t>
-            </a:r>
-            <a:endParaRPr lang="en-US" sz="2400" dirty="0">
-              <a:latin typeface="Montserrat" panose="00000500000000000000" pitchFamily="2" charset="-52"/>
-            </a:endParaRPr>
-          </a:p>
-        </p:txBody>
-      </p:sp>
-      <p:sp>
-        <p:nvSpPr>
-          <p:cNvPr id="27" name="TextBox 26">
-            <a:extLst>
-              <a:ext uri="{FF2B5EF4-FFF2-40B4-BE49-F238E27FC236}">
-                <a16:creationId xmlns:a16="http://schemas.microsoft.com/office/drawing/2014/main" id="{1C050639-4CBD-4891-9C3C-795C13A3FCD3}"/>
-              </a:ext>
-            </a:extLst>
-          </p:cNvPr>
-          <p:cNvSpPr txBox="1"/>
-          <p:nvPr/>
-        </p:nvSpPr>
-        <p:spPr>
-          <a:xfrm>
-            <a:off x="9198187" y="4160312"/>
-            <a:ext cx="2743199" cy="1691873"/>
-          </a:xfrm>
-          <a:prstGeom prst="rect">
-            <a:avLst/>
-          </a:prstGeom>
-          <a:noFill/>
-        </p:spPr>
-        <p:txBody>
-          <a:bodyPr wrap="square">
-            <a:spAutoFit/>
-          </a:bodyPr>
-          <a:lstStyle/>
-          <a:p>
-            <a:pPr algn="ctr">
-              <a:lnSpc>
-                <a:spcPct val="150000"/>
-              </a:lnSpc>
-            </a:pPr>
-            <a:r>
-              <a:rPr lang="ru-RU" sz="2400" dirty="0">
-                <a:latin typeface="Montserrat" panose="00000500000000000000" pitchFamily="2" charset="-52"/>
-              </a:rPr>
-              <a:t>Запуск полной версии и маркетинг</a:t>
-            </a:r>
-            <a:endParaRPr lang="en-US" sz="2400" dirty="0">
-              <a:latin typeface="Montserrat" panose="00000500000000000000" pitchFamily="2" charset="-52"/>
-            </a:endParaRPr>
-          </a:p>
-        </p:txBody>
-      </p:sp>
+        </p:spPr>
+      </p:pic>
     </p:spTree>
     <p:extLst>
       <p:ext uri="{BB962C8B-B14F-4D97-AF65-F5344CB8AC3E}">
-        <p14:creationId xmlns:p14="http://schemas.microsoft.com/office/powerpoint/2010/main" val="2541287777"/>
+        <p14:creationId xmlns:p14="http://schemas.microsoft.com/office/powerpoint/2010/main" val="1671263044"/>
       </p:ext>
     </p:extLst>
   </p:cSld>
@@ -8412,7 +7964,7 @@
         </p:nvSpPr>
         <p:spPr>
           <a:xfrm>
-            <a:off x="401534" y="-385012"/>
+            <a:off x="401534" y="-320843"/>
             <a:ext cx="11388932" cy="1420029"/>
           </a:xfrm>
         </p:spPr>
@@ -8428,17 +7980,17 @@
                 </a:solidFill>
                 <a:latin typeface="Montserrat" panose="00000500000000000000" pitchFamily="2" charset="-52"/>
               </a:rPr>
-              <a:t>Долгосрочные перспективы</a:t>
+              <a:t>Краткосрочные перспективы</a:t>
             </a:r>
           </a:p>
         </p:txBody>
       </p:sp>
       <p:sp>
         <p:nvSpPr>
-          <p:cNvPr id="3" name="Номер слайда 7">
-            <a:extLst>
-              <a:ext uri="{FF2B5EF4-FFF2-40B4-BE49-F238E27FC236}">
-                <a16:creationId xmlns:a16="http://schemas.microsoft.com/office/drawing/2014/main" id="{71F43C7C-5117-445F-AE46-9F1EE23AFB85}"/>
+          <p:cNvPr id="5" name="Номер слайда 7">
+            <a:extLst>
+              <a:ext uri="{FF2B5EF4-FFF2-40B4-BE49-F238E27FC236}">
+                <a16:creationId xmlns:a16="http://schemas.microsoft.com/office/drawing/2014/main" id="{76492456-849A-40D6-85E2-A37A64CB9BA1}"/>
               </a:ext>
             </a:extLst>
           </p:cNvPr>
@@ -8449,7 +8001,7 @@
         </p:nvSpPr>
         <p:spPr>
           <a:xfrm>
-            <a:off x="11515583" y="6265418"/>
+            <a:off x="11534633" y="6227318"/>
             <a:ext cx="2743200" cy="365125"/>
           </a:xfrm>
           <a:prstGeom prst="rect">
@@ -8567,12 +8119,211 @@
           </a:p>
         </p:txBody>
       </p:sp>
+      <p:cxnSp>
+        <p:nvCxnSpPr>
+          <p:cNvPr id="7" name="Прямая соединительная линия 6">
+            <a:extLst>
+              <a:ext uri="{FF2B5EF4-FFF2-40B4-BE49-F238E27FC236}">
+                <a16:creationId xmlns:a16="http://schemas.microsoft.com/office/drawing/2014/main" id="{AF657E02-3CD5-4269-91C2-016730A04F73}"/>
+              </a:ext>
+            </a:extLst>
+          </p:cNvPr>
+          <p:cNvCxnSpPr>
+            <a:cxnSpLocks/>
+          </p:cNvCxnSpPr>
+          <p:nvPr/>
+        </p:nvCxnSpPr>
+        <p:spPr>
+          <a:xfrm>
+            <a:off x="642344" y="3710762"/>
+            <a:ext cx="10907312" cy="0"/>
+          </a:xfrm>
+          <a:prstGeom prst="line">
+            <a:avLst/>
+          </a:prstGeom>
+          <a:ln w="57150">
+            <a:solidFill>
+              <a:schemeClr val="tx1"/>
+            </a:solidFill>
+          </a:ln>
+        </p:spPr>
+        <p:style>
+          <a:lnRef idx="1">
+            <a:schemeClr val="dk1"/>
+          </a:lnRef>
+          <a:fillRef idx="0">
+            <a:schemeClr val="dk1"/>
+          </a:fillRef>
+          <a:effectRef idx="0">
+            <a:schemeClr val="dk1"/>
+          </a:effectRef>
+          <a:fontRef idx="minor">
+            <a:schemeClr val="tx1"/>
+          </a:fontRef>
+        </p:style>
+      </p:cxnSp>
+      <p:cxnSp>
+        <p:nvCxnSpPr>
+          <p:cNvPr id="13" name="Прямая соединительная линия 12">
+            <a:extLst>
+              <a:ext uri="{FF2B5EF4-FFF2-40B4-BE49-F238E27FC236}">
+                <a16:creationId xmlns:a16="http://schemas.microsoft.com/office/drawing/2014/main" id="{BA797696-EEEB-4603-9A4D-BAB46C790A60}"/>
+              </a:ext>
+            </a:extLst>
+          </p:cNvPr>
+          <p:cNvCxnSpPr>
+            <a:cxnSpLocks/>
+          </p:cNvCxnSpPr>
+          <p:nvPr/>
+        </p:nvCxnSpPr>
+        <p:spPr>
+          <a:xfrm>
+            <a:off x="1461051" y="3306723"/>
+            <a:ext cx="0" cy="808075"/>
+          </a:xfrm>
+          <a:prstGeom prst="line">
+            <a:avLst/>
+          </a:prstGeom>
+          <a:ln w="57150"/>
+        </p:spPr>
+        <p:style>
+          <a:lnRef idx="1">
+            <a:schemeClr val="dk1"/>
+          </a:lnRef>
+          <a:fillRef idx="0">
+            <a:schemeClr val="dk1"/>
+          </a:fillRef>
+          <a:effectRef idx="0">
+            <a:schemeClr val="dk1"/>
+          </a:effectRef>
+          <a:fontRef idx="minor">
+            <a:schemeClr val="tx1"/>
+          </a:fontRef>
+        </p:style>
+      </p:cxnSp>
+      <p:cxnSp>
+        <p:nvCxnSpPr>
+          <p:cNvPr id="15" name="Прямая соединительная линия 14">
+            <a:extLst>
+              <a:ext uri="{FF2B5EF4-FFF2-40B4-BE49-F238E27FC236}">
+                <a16:creationId xmlns:a16="http://schemas.microsoft.com/office/drawing/2014/main" id="{ADC9EF18-D587-4355-B7A4-141E167F62B4}"/>
+              </a:ext>
+            </a:extLst>
+          </p:cNvPr>
+          <p:cNvCxnSpPr>
+            <a:cxnSpLocks/>
+          </p:cNvCxnSpPr>
+          <p:nvPr/>
+        </p:nvCxnSpPr>
+        <p:spPr>
+          <a:xfrm>
+            <a:off x="4516140" y="3306724"/>
+            <a:ext cx="0" cy="808075"/>
+          </a:xfrm>
+          <a:prstGeom prst="line">
+            <a:avLst/>
+          </a:prstGeom>
+          <a:ln w="57150"/>
+        </p:spPr>
+        <p:style>
+          <a:lnRef idx="1">
+            <a:schemeClr val="dk1"/>
+          </a:lnRef>
+          <a:fillRef idx="0">
+            <a:schemeClr val="dk1"/>
+          </a:fillRef>
+          <a:effectRef idx="0">
+            <a:schemeClr val="dk1"/>
+          </a:effectRef>
+          <a:fontRef idx="minor">
+            <a:schemeClr val="tx1"/>
+          </a:fontRef>
+        </p:style>
+      </p:cxnSp>
+      <p:cxnSp>
+        <p:nvCxnSpPr>
+          <p:cNvPr id="16" name="Прямая соединительная линия 15">
+            <a:extLst>
+              <a:ext uri="{FF2B5EF4-FFF2-40B4-BE49-F238E27FC236}">
+                <a16:creationId xmlns:a16="http://schemas.microsoft.com/office/drawing/2014/main" id="{00D98DBE-E323-4260-B79A-1EE594790410}"/>
+              </a:ext>
+            </a:extLst>
+          </p:cNvPr>
+          <p:cNvCxnSpPr>
+            <a:cxnSpLocks/>
+          </p:cNvCxnSpPr>
+          <p:nvPr/>
+        </p:nvCxnSpPr>
+        <p:spPr>
+          <a:xfrm>
+            <a:off x="7557939" y="3306722"/>
+            <a:ext cx="0" cy="808075"/>
+          </a:xfrm>
+          <a:prstGeom prst="line">
+            <a:avLst/>
+          </a:prstGeom>
+          <a:ln w="57150"/>
+        </p:spPr>
+        <p:style>
+          <a:lnRef idx="1">
+            <a:schemeClr val="dk1"/>
+          </a:lnRef>
+          <a:fillRef idx="0">
+            <a:schemeClr val="dk1"/>
+          </a:fillRef>
+          <a:effectRef idx="0">
+            <a:schemeClr val="dk1"/>
+          </a:effectRef>
+          <a:fontRef idx="minor">
+            <a:schemeClr val="tx1"/>
+          </a:fontRef>
+        </p:style>
+      </p:cxnSp>
+      <p:cxnSp>
+        <p:nvCxnSpPr>
+          <p:cNvPr id="17" name="Прямая соединительная линия 16">
+            <a:extLst>
+              <a:ext uri="{FF2B5EF4-FFF2-40B4-BE49-F238E27FC236}">
+                <a16:creationId xmlns:a16="http://schemas.microsoft.com/office/drawing/2014/main" id="{071ED5BD-4A55-4C52-BA23-D0BE4BA43556}"/>
+              </a:ext>
+            </a:extLst>
+          </p:cNvPr>
+          <p:cNvCxnSpPr>
+            <a:cxnSpLocks/>
+          </p:cNvCxnSpPr>
+          <p:nvPr/>
+        </p:nvCxnSpPr>
+        <p:spPr>
+          <a:xfrm>
+            <a:off x="10569611" y="3306722"/>
+            <a:ext cx="0" cy="808075"/>
+          </a:xfrm>
+          <a:prstGeom prst="line">
+            <a:avLst/>
+          </a:prstGeom>
+          <a:ln w="57150"/>
+        </p:spPr>
+        <p:style>
+          <a:lnRef idx="1">
+            <a:schemeClr val="dk1"/>
+          </a:lnRef>
+          <a:fillRef idx="0">
+            <a:schemeClr val="dk1"/>
+          </a:fillRef>
+          <a:effectRef idx="0">
+            <a:schemeClr val="dk1"/>
+          </a:effectRef>
+          <a:fontRef idx="minor">
+            <a:schemeClr val="tx1"/>
+          </a:fontRef>
+        </p:style>
+      </p:cxnSp>
       <p:sp>
         <p:nvSpPr>
-          <p:cNvPr id="4" name="TextBox 3">
-            <a:extLst>
-              <a:ext uri="{FF2B5EF4-FFF2-40B4-BE49-F238E27FC236}">
-                <a16:creationId xmlns:a16="http://schemas.microsoft.com/office/drawing/2014/main" id="{C84B2B97-B308-4783-A3DB-E6D86E7F3155}"/>
+          <p:cNvPr id="20" name="TextBox 19">
+            <a:extLst>
+              <a:ext uri="{FF2B5EF4-FFF2-40B4-BE49-F238E27FC236}">
+                <a16:creationId xmlns:a16="http://schemas.microsoft.com/office/drawing/2014/main" id="{2279FC96-C932-47BE-8CC3-7857D587377F}"/>
               </a:ext>
             </a:extLst>
           </p:cNvPr>
@@ -8581,8 +8332,8 @@
         </p:nvSpPr>
         <p:spPr>
           <a:xfrm>
-            <a:off x="581266" y="1832022"/>
-            <a:ext cx="10146986" cy="2604816"/>
+            <a:off x="270560" y="2168847"/>
+            <a:ext cx="2640064" cy="1137876"/>
           </a:xfrm>
           <a:prstGeom prst="rect">
             <a:avLst/>
@@ -8595,71 +8346,400 @@
           </a:bodyPr>
           <a:lstStyle/>
           <a:p>
-            <a:pPr marL="457200" indent="-457200">
+            <a:pPr algn="ctr">
               <a:lnSpc>
                 <a:spcPct val="150000"/>
               </a:lnSpc>
-              <a:buFont typeface="Arial" panose="020B0604020202020204" pitchFamily="34" charset="0"/>
-              <a:buChar char="•"/>
             </a:pPr>
             <a:r>
-              <a:rPr lang="ru-RU" sz="2800" dirty="0">
+              <a:rPr lang="ru-RU" sz="2400" dirty="0">
                 <a:latin typeface="Montserrat" panose="00000500000000000000" pitchFamily="2" charset="-52"/>
               </a:rPr>
-              <a:t>Улучшение рекомендательной системы</a:t>
-            </a:r>
-          </a:p>
-          <a:p>
-            <a:pPr marL="457200" indent="-457200">
+              <a:t>Февраль-Март</a:t>
+            </a:r>
+          </a:p>
+          <a:p>
+            <a:pPr algn="ctr">
               <a:lnSpc>
                 <a:spcPct val="150000"/>
               </a:lnSpc>
-              <a:buFont typeface="Arial" panose="020B0604020202020204" pitchFamily="34" charset="0"/>
-              <a:buChar char="•"/>
             </a:pPr>
             <a:r>
-              <a:rPr lang="ru-RU" sz="2800" dirty="0">
+              <a:rPr lang="ru-RU" sz="2400" dirty="0">
                 <a:latin typeface="Montserrat" panose="00000500000000000000" pitchFamily="2" charset="-52"/>
               </a:rPr>
-              <a:t>Монетизация путем продажи платной подписки</a:t>
-            </a:r>
-          </a:p>
-          <a:p>
-            <a:pPr marL="457200" indent="-457200">
+              <a:t>2025</a:t>
+            </a:r>
+            <a:endParaRPr lang="en-US" sz="2400" dirty="0">
+              <a:latin typeface="Montserrat" panose="00000500000000000000" pitchFamily="2" charset="-52"/>
+            </a:endParaRPr>
+          </a:p>
+        </p:txBody>
+      </p:sp>
+      <p:sp>
+        <p:nvSpPr>
+          <p:cNvPr id="21" name="TextBox 20">
+            <a:extLst>
+              <a:ext uri="{FF2B5EF4-FFF2-40B4-BE49-F238E27FC236}">
+                <a16:creationId xmlns:a16="http://schemas.microsoft.com/office/drawing/2014/main" id="{9E795943-81D0-497A-BDFC-06DCD27393D6}"/>
+              </a:ext>
+            </a:extLst>
+          </p:cNvPr>
+          <p:cNvSpPr txBox="1"/>
+          <p:nvPr/>
+        </p:nvSpPr>
+        <p:spPr>
+          <a:xfrm>
+            <a:off x="3626992" y="2168847"/>
+            <a:ext cx="1778295" cy="1137876"/>
+          </a:xfrm>
+          <a:prstGeom prst="rect">
+            <a:avLst/>
+          </a:prstGeom>
+          <a:noFill/>
+        </p:spPr>
+        <p:txBody>
+          <a:bodyPr wrap="square">
+            <a:spAutoFit/>
+          </a:bodyPr>
+          <a:lstStyle/>
+          <a:p>
+            <a:pPr algn="ctr">
               <a:lnSpc>
                 <a:spcPct val="150000"/>
               </a:lnSpc>
-              <a:buFont typeface="Arial" panose="020B0604020202020204" pitchFamily="34" charset="0"/>
-              <a:buChar char="•"/>
             </a:pPr>
             <a:r>
-              <a:rPr lang="ru-RU" sz="2800" dirty="0">
+              <a:rPr lang="ru-RU" sz="2400" dirty="0">
                 <a:latin typeface="Montserrat" panose="00000500000000000000" pitchFamily="2" charset="-52"/>
               </a:rPr>
-              <a:t>Интеграция с кафе и ресторанами</a:t>
-            </a:r>
-          </a:p>
-          <a:p>
-            <a:pPr marL="457200" indent="-457200">
+              <a:t>Апрель</a:t>
+            </a:r>
+            <a:br>
+              <a:rPr lang="ru-RU" sz="2400" dirty="0">
+                <a:latin typeface="Montserrat" panose="00000500000000000000" pitchFamily="2" charset="-52"/>
+              </a:rPr>
+            </a:br>
+            <a:r>
+              <a:rPr lang="ru-RU" sz="2400" dirty="0">
+                <a:latin typeface="Montserrat" panose="00000500000000000000" pitchFamily="2" charset="-52"/>
+              </a:rPr>
+              <a:t>2025</a:t>
+            </a:r>
+            <a:endParaRPr lang="en-US" sz="2400" dirty="0">
+              <a:latin typeface="Montserrat" panose="00000500000000000000" pitchFamily="2" charset="-52"/>
+            </a:endParaRPr>
+          </a:p>
+        </p:txBody>
+      </p:sp>
+      <p:sp>
+        <p:nvSpPr>
+          <p:cNvPr id="22" name="TextBox 21">
+            <a:extLst>
+              <a:ext uri="{FF2B5EF4-FFF2-40B4-BE49-F238E27FC236}">
+                <a16:creationId xmlns:a16="http://schemas.microsoft.com/office/drawing/2014/main" id="{09007054-AE41-419E-9946-0D9831C340AB}"/>
+              </a:ext>
+            </a:extLst>
+          </p:cNvPr>
+          <p:cNvSpPr txBox="1"/>
+          <p:nvPr/>
+        </p:nvSpPr>
+        <p:spPr>
+          <a:xfrm>
+            <a:off x="7098785" y="2168847"/>
+            <a:ext cx="918308" cy="1137876"/>
+          </a:xfrm>
+          <a:prstGeom prst="rect">
+            <a:avLst/>
+          </a:prstGeom>
+          <a:noFill/>
+        </p:spPr>
+        <p:txBody>
+          <a:bodyPr wrap="square">
+            <a:spAutoFit/>
+          </a:bodyPr>
+          <a:lstStyle/>
+          <a:p>
+            <a:pPr>
               <a:lnSpc>
                 <a:spcPct val="150000"/>
               </a:lnSpc>
-              <a:buFont typeface="Arial" panose="020B0604020202020204" pitchFamily="34" charset="0"/>
-              <a:buChar char="•"/>
             </a:pPr>
             <a:r>
-              <a:rPr lang="ru-RU" sz="2800" dirty="0">
+              <a:rPr lang="ru-RU" sz="2400" dirty="0">
                 <a:latin typeface="Montserrat" panose="00000500000000000000" pitchFamily="2" charset="-52"/>
               </a:rPr>
-              <a:t>Выход на новые рынки</a:t>
-            </a:r>
+              <a:t>Май</a:t>
+            </a:r>
+          </a:p>
+          <a:p>
+            <a:pPr>
+              <a:lnSpc>
+                <a:spcPct val="150000"/>
+              </a:lnSpc>
+            </a:pPr>
+            <a:r>
+              <a:rPr lang="ru-RU" sz="2400" dirty="0">
+                <a:latin typeface="Montserrat" panose="00000500000000000000" pitchFamily="2" charset="-52"/>
+              </a:rPr>
+              <a:t>2025</a:t>
+            </a:r>
+            <a:endParaRPr lang="en-US" sz="2400" dirty="0">
+              <a:latin typeface="Montserrat" panose="00000500000000000000" pitchFamily="2" charset="-52"/>
+            </a:endParaRPr>
+          </a:p>
+        </p:txBody>
+      </p:sp>
+      <p:sp>
+        <p:nvSpPr>
+          <p:cNvPr id="23" name="TextBox 22">
+            <a:extLst>
+              <a:ext uri="{FF2B5EF4-FFF2-40B4-BE49-F238E27FC236}">
+                <a16:creationId xmlns:a16="http://schemas.microsoft.com/office/drawing/2014/main" id="{7159F200-00E1-469B-A4A2-4AA3115DE8B3}"/>
+              </a:ext>
+            </a:extLst>
+          </p:cNvPr>
+          <p:cNvSpPr txBox="1"/>
+          <p:nvPr/>
+        </p:nvSpPr>
+        <p:spPr>
+          <a:xfrm>
+            <a:off x="9920577" y="2168847"/>
+            <a:ext cx="1290978" cy="1137876"/>
+          </a:xfrm>
+          <a:prstGeom prst="rect">
+            <a:avLst/>
+          </a:prstGeom>
+          <a:noFill/>
+        </p:spPr>
+        <p:txBody>
+          <a:bodyPr wrap="square">
+            <a:spAutoFit/>
+          </a:bodyPr>
+          <a:lstStyle/>
+          <a:p>
+            <a:pPr algn="ctr">
+              <a:lnSpc>
+                <a:spcPct val="150000"/>
+              </a:lnSpc>
+            </a:pPr>
+            <a:r>
+              <a:rPr lang="ru-RU" sz="2400" dirty="0">
+                <a:latin typeface="Montserrat" panose="00000500000000000000" pitchFamily="2" charset="-52"/>
+              </a:rPr>
+              <a:t>Июнь</a:t>
+            </a:r>
+          </a:p>
+          <a:p>
+            <a:pPr algn="ctr">
+              <a:lnSpc>
+                <a:spcPct val="150000"/>
+              </a:lnSpc>
+            </a:pPr>
+            <a:r>
+              <a:rPr lang="ru-RU" sz="2400" dirty="0">
+                <a:latin typeface="Montserrat" panose="00000500000000000000" pitchFamily="2" charset="-52"/>
+              </a:rPr>
+              <a:t>2025</a:t>
+            </a:r>
+            <a:endParaRPr lang="en-US" sz="2400" dirty="0">
+              <a:latin typeface="Montserrat" panose="00000500000000000000" pitchFamily="2" charset="-52"/>
+            </a:endParaRPr>
+          </a:p>
+        </p:txBody>
+      </p:sp>
+      <p:sp>
+        <p:nvSpPr>
+          <p:cNvPr id="24" name="TextBox 23">
+            <a:extLst>
+              <a:ext uri="{FF2B5EF4-FFF2-40B4-BE49-F238E27FC236}">
+                <a16:creationId xmlns:a16="http://schemas.microsoft.com/office/drawing/2014/main" id="{C2C998BE-7FFA-40A1-811D-5E977BF431B9}"/>
+              </a:ext>
+            </a:extLst>
+          </p:cNvPr>
+          <p:cNvSpPr txBox="1"/>
+          <p:nvPr/>
+        </p:nvSpPr>
+        <p:spPr>
+          <a:xfrm>
+            <a:off x="280660" y="4160312"/>
+            <a:ext cx="2360782" cy="1691873"/>
+          </a:xfrm>
+          <a:prstGeom prst="rect">
+            <a:avLst/>
+          </a:prstGeom>
+          <a:noFill/>
+        </p:spPr>
+        <p:txBody>
+          <a:bodyPr wrap="square">
+            <a:spAutoFit/>
+          </a:bodyPr>
+          <a:lstStyle/>
+          <a:p>
+            <a:pPr algn="ctr">
+              <a:lnSpc>
+                <a:spcPct val="150000"/>
+              </a:lnSpc>
+            </a:pPr>
+            <a:r>
+              <a:rPr lang="ru-RU" sz="2400" dirty="0">
+                <a:latin typeface="Montserrat" panose="00000500000000000000" pitchFamily="2" charset="-52"/>
+              </a:rPr>
+              <a:t>Сбор информации и анализ</a:t>
+            </a:r>
+            <a:endParaRPr lang="en-US" sz="2400" dirty="0">
+              <a:latin typeface="Montserrat" panose="00000500000000000000" pitchFamily="2" charset="-52"/>
+            </a:endParaRPr>
+          </a:p>
+        </p:txBody>
+      </p:sp>
+      <p:sp>
+        <p:nvSpPr>
+          <p:cNvPr id="25" name="TextBox 24">
+            <a:extLst>
+              <a:ext uri="{FF2B5EF4-FFF2-40B4-BE49-F238E27FC236}">
+                <a16:creationId xmlns:a16="http://schemas.microsoft.com/office/drawing/2014/main" id="{4DA82351-486C-421C-A44E-5236C947D3D4}"/>
+              </a:ext>
+            </a:extLst>
+          </p:cNvPr>
+          <p:cNvSpPr txBox="1"/>
+          <p:nvPr/>
+        </p:nvSpPr>
+        <p:spPr>
+          <a:xfrm>
+            <a:off x="3486062" y="4211484"/>
+            <a:ext cx="2072202" cy="1137876"/>
+          </a:xfrm>
+          <a:prstGeom prst="rect">
+            <a:avLst/>
+          </a:prstGeom>
+          <a:noFill/>
+        </p:spPr>
+        <p:txBody>
+          <a:bodyPr wrap="square">
+            <a:spAutoFit/>
+          </a:bodyPr>
+          <a:lstStyle/>
+          <a:p>
+            <a:pPr algn="ctr">
+              <a:lnSpc>
+                <a:spcPct val="150000"/>
+              </a:lnSpc>
+            </a:pPr>
+            <a:r>
+              <a:rPr lang="ru-RU" sz="2400" dirty="0">
+                <a:latin typeface="Montserrat" panose="00000500000000000000" pitchFamily="2" charset="-52"/>
+              </a:rPr>
+              <a:t>Разработка</a:t>
+            </a:r>
+            <a:br>
+              <a:rPr lang="ru-RU" sz="2400" dirty="0">
+                <a:latin typeface="Montserrat" panose="00000500000000000000" pitchFamily="2" charset="-52"/>
+              </a:rPr>
+            </a:br>
+            <a:r>
+              <a:rPr lang="en-US" sz="2400" dirty="0">
+                <a:latin typeface="Montserrat" panose="00000500000000000000" pitchFamily="2" charset="-52"/>
+              </a:rPr>
+              <a:t>MVP</a:t>
+            </a:r>
+          </a:p>
+        </p:txBody>
+      </p:sp>
+      <p:sp>
+        <p:nvSpPr>
+          <p:cNvPr id="26" name="TextBox 25">
+            <a:extLst>
+              <a:ext uri="{FF2B5EF4-FFF2-40B4-BE49-F238E27FC236}">
+                <a16:creationId xmlns:a16="http://schemas.microsoft.com/office/drawing/2014/main" id="{1515E6D9-8C1A-4E21-95F3-5C25504246A9}"/>
+              </a:ext>
+            </a:extLst>
+          </p:cNvPr>
+          <p:cNvSpPr txBox="1"/>
+          <p:nvPr/>
+        </p:nvSpPr>
+        <p:spPr>
+          <a:xfrm>
+            <a:off x="6324408" y="4160312"/>
+            <a:ext cx="2467061" cy="1137876"/>
+          </a:xfrm>
+          <a:prstGeom prst="rect">
+            <a:avLst/>
+          </a:prstGeom>
+          <a:noFill/>
+        </p:spPr>
+        <p:txBody>
+          <a:bodyPr wrap="square">
+            <a:spAutoFit/>
+          </a:bodyPr>
+          <a:lstStyle/>
+          <a:p>
+            <a:pPr algn="ctr">
+              <a:lnSpc>
+                <a:spcPct val="150000"/>
+              </a:lnSpc>
+            </a:pPr>
+            <a:r>
+              <a:rPr lang="ru-RU" sz="2400" dirty="0">
+                <a:latin typeface="Montserrat" panose="00000500000000000000" pitchFamily="2" charset="-52"/>
+              </a:rPr>
+              <a:t>Внутреннее тестирование</a:t>
+            </a:r>
+            <a:endParaRPr lang="en-US" sz="2400" dirty="0">
+              <a:latin typeface="Montserrat" panose="00000500000000000000" pitchFamily="2" charset="-52"/>
+            </a:endParaRPr>
+          </a:p>
+        </p:txBody>
+      </p:sp>
+      <p:sp>
+        <p:nvSpPr>
+          <p:cNvPr id="27" name="TextBox 26">
+            <a:extLst>
+              <a:ext uri="{FF2B5EF4-FFF2-40B4-BE49-F238E27FC236}">
+                <a16:creationId xmlns:a16="http://schemas.microsoft.com/office/drawing/2014/main" id="{1C050639-4CBD-4891-9C3C-795C13A3FCD3}"/>
+              </a:ext>
+            </a:extLst>
+          </p:cNvPr>
+          <p:cNvSpPr txBox="1"/>
+          <p:nvPr/>
+        </p:nvSpPr>
+        <p:spPr>
+          <a:xfrm>
+            <a:off x="9198187" y="4160312"/>
+            <a:ext cx="2743199" cy="1691873"/>
+          </a:xfrm>
+          <a:prstGeom prst="rect">
+            <a:avLst/>
+          </a:prstGeom>
+          <a:noFill/>
+        </p:spPr>
+        <p:txBody>
+          <a:bodyPr wrap="square">
+            <a:spAutoFit/>
+          </a:bodyPr>
+          <a:lstStyle/>
+          <a:p>
+            <a:pPr algn="ctr">
+              <a:lnSpc>
+                <a:spcPct val="150000"/>
+              </a:lnSpc>
+            </a:pPr>
+            <a:r>
+              <a:rPr lang="ru-RU" sz="2400" dirty="0">
+                <a:latin typeface="Montserrat" panose="00000500000000000000" pitchFamily="2" charset="-52"/>
+              </a:rPr>
+              <a:t>Запуск полной версии и маркетинг</a:t>
+            </a:r>
+            <a:endParaRPr lang="en-US" sz="2400" dirty="0">
+              <a:latin typeface="Montserrat" panose="00000500000000000000" pitchFamily="2" charset="-52"/>
+            </a:endParaRPr>
           </a:p>
         </p:txBody>
       </p:sp>
     </p:spTree>
     <p:extLst>
       <p:ext uri="{BB962C8B-B14F-4D97-AF65-F5344CB8AC3E}">
-        <p14:creationId xmlns:p14="http://schemas.microsoft.com/office/powerpoint/2010/main" val="3890126033"/>
+        <p14:creationId xmlns:p14="http://schemas.microsoft.com/office/powerpoint/2010/main" val="2541287777"/>
       </p:ext>
     </p:extLst>
   </p:cSld>
@@ -8691,7 +8771,7 @@
           <p:cNvPr id="2" name="Заголовок 1">
             <a:extLst>
               <a:ext uri="{FF2B5EF4-FFF2-40B4-BE49-F238E27FC236}">
-                <a16:creationId xmlns:a16="http://schemas.microsoft.com/office/drawing/2014/main" id="{F67320D5-2B89-4982-99E7-B33AE85C7E4F}"/>
+                <a16:creationId xmlns:a16="http://schemas.microsoft.com/office/drawing/2014/main" id="{07A11B5E-CA7B-4433-B5C4-AF086956FBF0}"/>
               </a:ext>
             </a:extLst>
           </p:cNvPr>
@@ -8704,571 +8784,33 @@
         </p:nvSpPr>
         <p:spPr>
           <a:xfrm>
-            <a:off x="865632" y="122925"/>
-            <a:ext cx="10460736" cy="1045143"/>
+            <a:off x="401534" y="-385012"/>
+            <a:ext cx="11388932" cy="1420029"/>
           </a:xfrm>
         </p:spPr>
         <p:txBody>
           <a:bodyPr/>
           <a:lstStyle/>
           <a:p>
-            <a:r>
-              <a:rPr lang="ru-RU" sz="5400" b="1" dirty="0">
-                <a:solidFill>
-                  <a:schemeClr val="tx1"/>
-                </a:solidFill>
-                <a:latin typeface="Montserrat" pitchFamily="2" charset="-52"/>
+            <a:pPr algn="ctr"/>
+            <a:r>
+              <a:rPr lang="ru-RU" sz="5400" dirty="0">
+                <a:solidFill>
+                  <a:schemeClr val="tx1"/>
+                </a:solidFill>
+                <a:latin typeface="Montserrat" panose="00000500000000000000" pitchFamily="2" charset="-52"/>
               </a:rPr>
-              <a:t>Команда разработчиков</a:t>
-            </a:r>
-            <a:endParaRPr lang="ru-RU" sz="5400" dirty="0">
-              <a:solidFill>
-                <a:schemeClr val="tx1"/>
-              </a:solidFill>
-            </a:endParaRPr>
+              <a:t>Долгосрочные перспективы</a:t>
+            </a:r>
           </a:p>
         </p:txBody>
       </p:sp>
       <p:sp>
         <p:nvSpPr>
-          <p:cNvPr id="6" name="TextBox 5">
-            <a:extLst>
-              <a:ext uri="{FF2B5EF4-FFF2-40B4-BE49-F238E27FC236}">
-                <a16:creationId xmlns:a16="http://schemas.microsoft.com/office/drawing/2014/main" id="{C0151FEE-41D7-4774-B071-7855364A92DF}"/>
-              </a:ext>
-            </a:extLst>
-          </p:cNvPr>
-          <p:cNvSpPr txBox="1"/>
-          <p:nvPr/>
-        </p:nvSpPr>
-        <p:spPr>
-          <a:xfrm>
-            <a:off x="560911" y="1625894"/>
-            <a:ext cx="5661579" cy="1384995"/>
-          </a:xfrm>
-          <a:prstGeom prst="rect">
-            <a:avLst/>
-          </a:prstGeom>
-          <a:noFill/>
-        </p:spPr>
-        <p:txBody>
-          <a:bodyPr wrap="square">
-            <a:spAutoFit/>
-          </a:bodyPr>
-          <a:lstStyle/>
-          <a:p>
-            <a:pPr algn="l"/>
-            <a:r>
-              <a:rPr lang="ru-RU" sz="2800" dirty="0">
-                <a:latin typeface="Montserrat" pitchFamily="2" charset="-52"/>
-              </a:rPr>
-              <a:t>Лобцов Дмитрий </a:t>
-            </a:r>
-          </a:p>
-          <a:p>
-            <a:pPr algn="l"/>
-            <a:r>
-              <a:rPr lang="en-US" sz="2800" dirty="0">
-                <a:latin typeface="Montserrat" pitchFamily="2" charset="-52"/>
-              </a:rPr>
-              <a:t>Team lead &amp; Project Manager</a:t>
-            </a:r>
-          </a:p>
-          <a:p>
-            <a:pPr algn="l"/>
-            <a:r>
-              <a:rPr lang="en-US" sz="2800" dirty="0">
-                <a:latin typeface="Montserrat" pitchFamily="2" charset="-52"/>
-              </a:rPr>
-              <a:t>    @shelf08</a:t>
-            </a:r>
-            <a:endParaRPr lang="ru-RU" sz="2800" dirty="0">
-              <a:latin typeface="Montserrat" pitchFamily="2" charset="-52"/>
-            </a:endParaRPr>
-          </a:p>
-        </p:txBody>
-      </p:sp>
-      <p:sp>
-        <p:nvSpPr>
-          <p:cNvPr id="7" name="TextBox 6">
-            <a:extLst>
-              <a:ext uri="{FF2B5EF4-FFF2-40B4-BE49-F238E27FC236}">
-                <a16:creationId xmlns:a16="http://schemas.microsoft.com/office/drawing/2014/main" id="{C4CE6985-61D7-46BD-BAE4-87AB3A3F5617}"/>
-              </a:ext>
-            </a:extLst>
-          </p:cNvPr>
-          <p:cNvSpPr txBox="1"/>
-          <p:nvPr/>
-        </p:nvSpPr>
-        <p:spPr>
-          <a:xfrm>
-            <a:off x="6222490" y="1596552"/>
-            <a:ext cx="5777001" cy="1384995"/>
-          </a:xfrm>
-          <a:prstGeom prst="rect">
-            <a:avLst/>
-          </a:prstGeom>
-          <a:noFill/>
-        </p:spPr>
-        <p:txBody>
-          <a:bodyPr wrap="square">
-            <a:spAutoFit/>
-          </a:bodyPr>
-          <a:lstStyle/>
-          <a:p>
-            <a:pPr algn="l"/>
-            <a:r>
-              <a:rPr lang="ru-RU" sz="2800" dirty="0">
-                <a:latin typeface="Montserrat" pitchFamily="2" charset="-52"/>
-              </a:rPr>
-              <a:t>Акельева Ульяна </a:t>
-            </a:r>
-          </a:p>
-          <a:p>
-            <a:pPr algn="l"/>
-            <a:r>
-              <a:rPr lang="en-US" sz="2800" dirty="0">
-                <a:latin typeface="Montserrat" pitchFamily="2" charset="-52"/>
-              </a:rPr>
-              <a:t>Designer</a:t>
-            </a:r>
-            <a:r>
-              <a:rPr lang="ru-RU" sz="2800" dirty="0">
-                <a:latin typeface="Montserrat" pitchFamily="2" charset="-52"/>
-              </a:rPr>
-              <a:t> </a:t>
-            </a:r>
-            <a:r>
-              <a:rPr lang="en-US" sz="2800" dirty="0">
-                <a:latin typeface="Montserrat" pitchFamily="2" charset="-52"/>
-              </a:rPr>
-              <a:t>&amp; Frontend developer</a:t>
-            </a:r>
-          </a:p>
-          <a:p>
-            <a:pPr algn="l"/>
-            <a:r>
-              <a:rPr lang="en-US" sz="2800">
-                <a:latin typeface="Montserrat" pitchFamily="2" charset="-52"/>
-              </a:rPr>
-              <a:t>    @akulich</a:t>
-            </a:r>
-            <a:endParaRPr lang="ru-RU" sz="2800" dirty="0">
-              <a:latin typeface="Montserrat" pitchFamily="2" charset="-52"/>
-            </a:endParaRPr>
-          </a:p>
-        </p:txBody>
-      </p:sp>
-      <p:sp>
-        <p:nvSpPr>
-          <p:cNvPr id="9" name="TextBox 8">
-            <a:extLst>
-              <a:ext uri="{FF2B5EF4-FFF2-40B4-BE49-F238E27FC236}">
-                <a16:creationId xmlns:a16="http://schemas.microsoft.com/office/drawing/2014/main" id="{E1026687-E395-4843-9226-FA6247641DEF}"/>
-              </a:ext>
-            </a:extLst>
-          </p:cNvPr>
-          <p:cNvSpPr txBox="1"/>
-          <p:nvPr/>
-        </p:nvSpPr>
-        <p:spPr>
-          <a:xfrm>
-            <a:off x="6222490" y="3237078"/>
-            <a:ext cx="4346688" cy="1384995"/>
-          </a:xfrm>
-          <a:prstGeom prst="rect">
-            <a:avLst/>
-          </a:prstGeom>
-          <a:noFill/>
-        </p:spPr>
-        <p:txBody>
-          <a:bodyPr wrap="square">
-            <a:spAutoFit/>
-          </a:bodyPr>
-          <a:lstStyle/>
-          <a:p>
-            <a:pPr algn="l"/>
-            <a:r>
-              <a:rPr lang="ru-RU" sz="2800" dirty="0">
-                <a:latin typeface="Montserrat" pitchFamily="2" charset="-52"/>
-              </a:rPr>
-              <a:t>Нагорный Арсений</a:t>
-            </a:r>
-          </a:p>
-          <a:p>
-            <a:pPr algn="l"/>
-            <a:r>
-              <a:rPr lang="en-US" sz="2800" dirty="0">
-                <a:latin typeface="Montserrat" pitchFamily="2" charset="-52"/>
-              </a:rPr>
-              <a:t>DevOps developer</a:t>
-            </a:r>
-          </a:p>
-          <a:p>
-            <a:pPr algn="l"/>
-            <a:r>
-              <a:rPr lang="en-US" sz="2800" dirty="0">
-                <a:latin typeface="Montserrat" pitchFamily="2" charset="-52"/>
-              </a:rPr>
-              <a:t>    @qudest</a:t>
-            </a:r>
-          </a:p>
-        </p:txBody>
-      </p:sp>
-      <p:sp>
-        <p:nvSpPr>
-          <p:cNvPr id="11" name="TextBox 10">
-            <a:extLst>
-              <a:ext uri="{FF2B5EF4-FFF2-40B4-BE49-F238E27FC236}">
-                <a16:creationId xmlns:a16="http://schemas.microsoft.com/office/drawing/2014/main" id="{052CB9B8-292A-49F9-97C2-838F1900B3CC}"/>
-              </a:ext>
-            </a:extLst>
-          </p:cNvPr>
-          <p:cNvSpPr txBox="1"/>
-          <p:nvPr/>
-        </p:nvSpPr>
-        <p:spPr>
-          <a:xfrm>
-            <a:off x="560912" y="3257216"/>
-            <a:ext cx="5164273" cy="1384995"/>
-          </a:xfrm>
-          <a:prstGeom prst="rect">
-            <a:avLst/>
-          </a:prstGeom>
-          <a:noFill/>
-        </p:spPr>
-        <p:txBody>
-          <a:bodyPr wrap="square">
-            <a:spAutoFit/>
-          </a:bodyPr>
-          <a:lstStyle/>
-          <a:p>
-            <a:pPr algn="l"/>
-            <a:r>
-              <a:rPr lang="ru-RU" sz="2800" dirty="0">
-                <a:latin typeface="Montserrat" pitchFamily="2" charset="-52"/>
-              </a:rPr>
-              <a:t>Киселев Антон </a:t>
-            </a:r>
-          </a:p>
-          <a:p>
-            <a:pPr algn="l"/>
-            <a:r>
-              <a:rPr lang="en-US" sz="2800" dirty="0">
-                <a:latin typeface="Montserrat" pitchFamily="2" charset="-52"/>
-              </a:rPr>
-              <a:t>Backend developer</a:t>
-            </a:r>
-          </a:p>
-          <a:p>
-            <a:pPr algn="l"/>
-            <a:r>
-              <a:rPr lang="en-US" sz="2800" dirty="0">
-                <a:latin typeface="Montserrat" pitchFamily="2" charset="-52"/>
-              </a:rPr>
-              <a:t>    @Smertex</a:t>
-            </a:r>
-          </a:p>
-        </p:txBody>
-      </p:sp>
-      <p:sp>
-        <p:nvSpPr>
-          <p:cNvPr id="13" name="TextBox 12">
-            <a:extLst>
-              <a:ext uri="{FF2B5EF4-FFF2-40B4-BE49-F238E27FC236}">
-                <a16:creationId xmlns:a16="http://schemas.microsoft.com/office/drawing/2014/main" id="{C79812F1-B0F2-4AAD-A555-EAFC1BAE9327}"/>
-              </a:ext>
-            </a:extLst>
-          </p:cNvPr>
-          <p:cNvSpPr txBox="1"/>
-          <p:nvPr/>
-        </p:nvSpPr>
-        <p:spPr>
-          <a:xfrm>
-            <a:off x="560912" y="5041976"/>
-            <a:ext cx="4394252" cy="1384995"/>
-          </a:xfrm>
-          <a:prstGeom prst="rect">
-            <a:avLst/>
-          </a:prstGeom>
-          <a:noFill/>
-        </p:spPr>
-        <p:txBody>
-          <a:bodyPr wrap="square">
-            <a:spAutoFit/>
-          </a:bodyPr>
-          <a:lstStyle/>
-          <a:p>
-            <a:pPr algn="l"/>
-            <a:r>
-              <a:rPr lang="ru-RU" sz="2800" dirty="0">
-                <a:latin typeface="Montserrat" pitchFamily="2" charset="-52"/>
-              </a:rPr>
-              <a:t>Мосалов Артем </a:t>
-            </a:r>
-          </a:p>
-          <a:p>
-            <a:pPr algn="l"/>
-            <a:r>
-              <a:rPr lang="en-US" sz="2800" dirty="0">
-                <a:latin typeface="Montserrat" pitchFamily="2" charset="-52"/>
-              </a:rPr>
-              <a:t>Analytic</a:t>
-            </a:r>
-          </a:p>
-          <a:p>
-            <a:pPr algn="l"/>
-            <a:r>
-              <a:rPr lang="en-US" sz="2800" dirty="0">
-                <a:latin typeface="Montserrat" pitchFamily="2" charset="-52"/>
-              </a:rPr>
-              <a:t>    @art0mos</a:t>
-            </a:r>
-          </a:p>
-        </p:txBody>
-      </p:sp>
-      <p:sp>
-        <p:nvSpPr>
-          <p:cNvPr id="15" name="TextBox 14">
-            <a:extLst>
-              <a:ext uri="{FF2B5EF4-FFF2-40B4-BE49-F238E27FC236}">
-                <a16:creationId xmlns:a16="http://schemas.microsoft.com/office/drawing/2014/main" id="{EE85BF39-D08F-46FC-A1F1-1B7506266EDA}"/>
-              </a:ext>
-            </a:extLst>
-          </p:cNvPr>
-          <p:cNvSpPr txBox="1"/>
-          <p:nvPr/>
-        </p:nvSpPr>
-        <p:spPr>
-          <a:xfrm>
-            <a:off x="6222490" y="5017323"/>
-            <a:ext cx="4186266" cy="1384995"/>
-          </a:xfrm>
-          <a:prstGeom prst="rect">
-            <a:avLst/>
-          </a:prstGeom>
-          <a:noFill/>
-        </p:spPr>
-        <p:txBody>
-          <a:bodyPr wrap="square">
-            <a:spAutoFit/>
-          </a:bodyPr>
-          <a:lstStyle/>
-          <a:p>
-            <a:pPr algn="l"/>
-            <a:r>
-              <a:rPr lang="ru-RU" sz="2800" dirty="0">
-                <a:latin typeface="Montserrat" pitchFamily="2" charset="-52"/>
-              </a:rPr>
-              <a:t>Майкл Манассех </a:t>
-            </a:r>
-          </a:p>
-          <a:p>
-            <a:pPr algn="l"/>
-            <a:r>
-              <a:rPr lang="en-US" sz="2800" dirty="0">
-                <a:latin typeface="Montserrat" pitchFamily="2" charset="-52"/>
-              </a:rPr>
-              <a:t>QA</a:t>
-            </a:r>
-          </a:p>
-          <a:p>
-            <a:pPr algn="l"/>
-            <a:r>
-              <a:rPr lang="en-US" sz="2800" dirty="0">
-                <a:latin typeface="Montserrat" pitchFamily="2" charset="-52"/>
-              </a:rPr>
-              <a:t>    @Drillefx</a:t>
-            </a:r>
-          </a:p>
-        </p:txBody>
-      </p:sp>
-      <p:pic>
-        <p:nvPicPr>
-          <p:cNvPr id="17" name="Рисунок 16">
-            <a:extLst>
-              <a:ext uri="{FF2B5EF4-FFF2-40B4-BE49-F238E27FC236}">
-                <a16:creationId xmlns:a16="http://schemas.microsoft.com/office/drawing/2014/main" id="{00D2B1D3-B33A-46D1-A4B7-56CA360E40B1}"/>
-              </a:ext>
-            </a:extLst>
-          </p:cNvPr>
-          <p:cNvPicPr>
-            <a:picLocks noChangeAspect="1"/>
-          </p:cNvPicPr>
-          <p:nvPr/>
-        </p:nvPicPr>
-        <p:blipFill>
-          <a:blip r:embed="rId2"/>
-          <a:stretch>
-            <a:fillRect/>
-          </a:stretch>
-        </p:blipFill>
-        <p:spPr>
-          <a:xfrm>
-            <a:off x="560912" y="2562605"/>
-            <a:ext cx="418942" cy="418942"/>
-          </a:xfrm>
-          <a:prstGeom prst="rect">
-            <a:avLst/>
-          </a:prstGeom>
-        </p:spPr>
-      </p:pic>
-      <p:pic>
-        <p:nvPicPr>
-          <p:cNvPr id="18" name="Рисунок 17">
-            <a:extLst>
-              <a:ext uri="{FF2B5EF4-FFF2-40B4-BE49-F238E27FC236}">
-                <a16:creationId xmlns:a16="http://schemas.microsoft.com/office/drawing/2014/main" id="{7F724285-3604-4263-A1BA-7521B16B13BA}"/>
-              </a:ext>
-            </a:extLst>
-          </p:cNvPr>
-          <p:cNvPicPr>
-            <a:picLocks noChangeAspect="1"/>
-          </p:cNvPicPr>
-          <p:nvPr/>
-        </p:nvPicPr>
-        <p:blipFill>
-          <a:blip r:embed="rId2"/>
-          <a:stretch>
-            <a:fillRect/>
-          </a:stretch>
-        </p:blipFill>
-        <p:spPr>
-          <a:xfrm>
-            <a:off x="560912" y="4213681"/>
-            <a:ext cx="418942" cy="418942"/>
-          </a:xfrm>
-          <a:prstGeom prst="rect">
-            <a:avLst/>
-          </a:prstGeom>
-        </p:spPr>
-      </p:pic>
-      <p:pic>
-        <p:nvPicPr>
-          <p:cNvPr id="19" name="Рисунок 18">
-            <a:extLst>
-              <a:ext uri="{FF2B5EF4-FFF2-40B4-BE49-F238E27FC236}">
-                <a16:creationId xmlns:a16="http://schemas.microsoft.com/office/drawing/2014/main" id="{B95EE977-A624-495B-AA88-3072E79A2BCE}"/>
-              </a:ext>
-            </a:extLst>
-          </p:cNvPr>
-          <p:cNvPicPr>
-            <a:picLocks noChangeAspect="1"/>
-          </p:cNvPicPr>
-          <p:nvPr/>
-        </p:nvPicPr>
-        <p:blipFill>
-          <a:blip r:embed="rId2"/>
-          <a:stretch>
-            <a:fillRect/>
-          </a:stretch>
-        </p:blipFill>
-        <p:spPr>
-          <a:xfrm>
-            <a:off x="560912" y="5983376"/>
-            <a:ext cx="418942" cy="418942"/>
-          </a:xfrm>
-          <a:prstGeom prst="rect">
-            <a:avLst/>
-          </a:prstGeom>
-        </p:spPr>
-      </p:pic>
-      <p:pic>
-        <p:nvPicPr>
-          <p:cNvPr id="20" name="Рисунок 19">
-            <a:extLst>
-              <a:ext uri="{FF2B5EF4-FFF2-40B4-BE49-F238E27FC236}">
-                <a16:creationId xmlns:a16="http://schemas.microsoft.com/office/drawing/2014/main" id="{D9D36D1E-895A-43F1-AD28-9E77C449B7D1}"/>
-              </a:ext>
-            </a:extLst>
-          </p:cNvPr>
-          <p:cNvPicPr>
-            <a:picLocks noChangeAspect="1"/>
-          </p:cNvPicPr>
-          <p:nvPr/>
-        </p:nvPicPr>
-        <p:blipFill>
-          <a:blip r:embed="rId2"/>
-          <a:stretch>
-            <a:fillRect/>
-          </a:stretch>
-        </p:blipFill>
-        <p:spPr>
-          <a:xfrm>
-            <a:off x="6222491" y="2531080"/>
-            <a:ext cx="418942" cy="418942"/>
-          </a:xfrm>
-          <a:prstGeom prst="rect">
-            <a:avLst/>
-          </a:prstGeom>
-        </p:spPr>
-      </p:pic>
-      <p:pic>
-        <p:nvPicPr>
-          <p:cNvPr id="21" name="Рисунок 20">
-            <a:extLst>
-              <a:ext uri="{FF2B5EF4-FFF2-40B4-BE49-F238E27FC236}">
-                <a16:creationId xmlns:a16="http://schemas.microsoft.com/office/drawing/2014/main" id="{39CAEF1F-157E-4F17-BD26-FD78037604D3}"/>
-              </a:ext>
-            </a:extLst>
-          </p:cNvPr>
-          <p:cNvPicPr>
-            <a:picLocks noChangeAspect="1"/>
-          </p:cNvPicPr>
-          <p:nvPr/>
-        </p:nvPicPr>
-        <p:blipFill>
-          <a:blip r:embed="rId2"/>
-          <a:stretch>
-            <a:fillRect/>
-          </a:stretch>
-        </p:blipFill>
-        <p:spPr>
-          <a:xfrm>
-            <a:off x="6228878" y="4213681"/>
-            <a:ext cx="418942" cy="418942"/>
-          </a:xfrm>
-          <a:prstGeom prst="rect">
-            <a:avLst/>
-          </a:prstGeom>
-        </p:spPr>
-      </p:pic>
-      <p:pic>
-        <p:nvPicPr>
-          <p:cNvPr id="22" name="Рисунок 21">
-            <a:extLst>
-              <a:ext uri="{FF2B5EF4-FFF2-40B4-BE49-F238E27FC236}">
-                <a16:creationId xmlns:a16="http://schemas.microsoft.com/office/drawing/2014/main" id="{7E8E3D5A-B4F8-4B11-B139-B707E3BDE0E1}"/>
-              </a:ext>
-            </a:extLst>
-          </p:cNvPr>
-          <p:cNvPicPr>
-            <a:picLocks noChangeAspect="1"/>
-          </p:cNvPicPr>
-          <p:nvPr/>
-        </p:nvPicPr>
-        <p:blipFill>
-          <a:blip r:embed="rId2"/>
-          <a:stretch>
-            <a:fillRect/>
-          </a:stretch>
-        </p:blipFill>
-        <p:spPr>
-          <a:xfrm>
-            <a:off x="6222491" y="5974599"/>
-            <a:ext cx="418942" cy="418942"/>
-          </a:xfrm>
-          <a:prstGeom prst="rect">
-            <a:avLst/>
-          </a:prstGeom>
-        </p:spPr>
-      </p:pic>
-      <p:sp>
-        <p:nvSpPr>
-          <p:cNvPr id="23" name="Номер слайда 7">
-            <a:extLst>
-              <a:ext uri="{FF2B5EF4-FFF2-40B4-BE49-F238E27FC236}">
-                <a16:creationId xmlns:a16="http://schemas.microsoft.com/office/drawing/2014/main" id="{081C7497-60D2-42EE-B48D-F9C81E185AFA}"/>
+          <p:cNvPr id="3" name="Номер слайда 7">
+            <a:extLst>
+              <a:ext uri="{FF2B5EF4-FFF2-40B4-BE49-F238E27FC236}">
+                <a16:creationId xmlns:a16="http://schemas.microsoft.com/office/drawing/2014/main" id="{71F43C7C-5117-445F-AE46-9F1EE23AFB85}"/>
               </a:ext>
             </a:extLst>
           </p:cNvPr>
@@ -9279,7 +8821,7 @@
         </p:nvSpPr>
         <p:spPr>
           <a:xfrm>
-            <a:off x="11523203" y="6305142"/>
+            <a:off x="11515583" y="6265418"/>
             <a:ext cx="2743200" cy="365125"/>
           </a:xfrm>
           <a:prstGeom prst="rect">
@@ -9397,10 +8939,99 @@
           </a:p>
         </p:txBody>
       </p:sp>
+      <p:sp>
+        <p:nvSpPr>
+          <p:cNvPr id="4" name="TextBox 3">
+            <a:extLst>
+              <a:ext uri="{FF2B5EF4-FFF2-40B4-BE49-F238E27FC236}">
+                <a16:creationId xmlns:a16="http://schemas.microsoft.com/office/drawing/2014/main" id="{C84B2B97-B308-4783-A3DB-E6D86E7F3155}"/>
+              </a:ext>
+            </a:extLst>
+          </p:cNvPr>
+          <p:cNvSpPr txBox="1"/>
+          <p:nvPr/>
+        </p:nvSpPr>
+        <p:spPr>
+          <a:xfrm>
+            <a:off x="581266" y="1832022"/>
+            <a:ext cx="10146986" cy="2604816"/>
+          </a:xfrm>
+          <a:prstGeom prst="rect">
+            <a:avLst/>
+          </a:prstGeom>
+          <a:noFill/>
+        </p:spPr>
+        <p:txBody>
+          <a:bodyPr wrap="square">
+            <a:spAutoFit/>
+          </a:bodyPr>
+          <a:lstStyle/>
+          <a:p>
+            <a:pPr marL="457200" indent="-457200">
+              <a:lnSpc>
+                <a:spcPct val="150000"/>
+              </a:lnSpc>
+              <a:buFont typeface="Arial" panose="020B0604020202020204" pitchFamily="34" charset="0"/>
+              <a:buChar char="•"/>
+            </a:pPr>
+            <a:r>
+              <a:rPr lang="ru-RU" sz="2800" dirty="0">
+                <a:latin typeface="Montserrat" panose="00000500000000000000" pitchFamily="2" charset="-52"/>
+              </a:rPr>
+              <a:t>Улучшение рекомендательной системы</a:t>
+            </a:r>
+          </a:p>
+          <a:p>
+            <a:pPr marL="457200" indent="-457200">
+              <a:lnSpc>
+                <a:spcPct val="150000"/>
+              </a:lnSpc>
+              <a:buFont typeface="Arial" panose="020B0604020202020204" pitchFamily="34" charset="0"/>
+              <a:buChar char="•"/>
+            </a:pPr>
+            <a:r>
+              <a:rPr lang="ru-RU" sz="2800" dirty="0">
+                <a:latin typeface="Montserrat" panose="00000500000000000000" pitchFamily="2" charset="-52"/>
+              </a:rPr>
+              <a:t>Монетизация путем продажи платной подписки</a:t>
+            </a:r>
+          </a:p>
+          <a:p>
+            <a:pPr marL="457200" indent="-457200">
+              <a:lnSpc>
+                <a:spcPct val="150000"/>
+              </a:lnSpc>
+              <a:buFont typeface="Arial" panose="020B0604020202020204" pitchFamily="34" charset="0"/>
+              <a:buChar char="•"/>
+            </a:pPr>
+            <a:r>
+              <a:rPr lang="ru-RU" sz="2800" dirty="0">
+                <a:latin typeface="Montserrat" panose="00000500000000000000" pitchFamily="2" charset="-52"/>
+              </a:rPr>
+              <a:t>Интеграция с кафе и ресторанами</a:t>
+            </a:r>
+          </a:p>
+          <a:p>
+            <a:pPr marL="457200" indent="-457200">
+              <a:lnSpc>
+                <a:spcPct val="150000"/>
+              </a:lnSpc>
+              <a:buFont typeface="Arial" panose="020B0604020202020204" pitchFamily="34" charset="0"/>
+              <a:buChar char="•"/>
+            </a:pPr>
+            <a:r>
+              <a:rPr lang="ru-RU" sz="2800" dirty="0">
+                <a:latin typeface="Montserrat" panose="00000500000000000000" pitchFamily="2" charset="-52"/>
+              </a:rPr>
+              <a:t>Выход на новые рынки</a:t>
+            </a:r>
+          </a:p>
+        </p:txBody>
+      </p:sp>
     </p:spTree>
     <p:extLst>
       <p:ext uri="{BB962C8B-B14F-4D97-AF65-F5344CB8AC3E}">
-        <p14:creationId xmlns:p14="http://schemas.microsoft.com/office/powerpoint/2010/main" val="3303895324"/>
+        <p14:creationId xmlns:p14="http://schemas.microsoft.com/office/powerpoint/2010/main" val="3890126033"/>
       </p:ext>
     </p:extLst>
   </p:cSld>
@@ -9432,7 +9063,7 @@
           <p:cNvPr id="2" name="Заголовок 1">
             <a:extLst>
               <a:ext uri="{FF2B5EF4-FFF2-40B4-BE49-F238E27FC236}">
-                <a16:creationId xmlns:a16="http://schemas.microsoft.com/office/drawing/2014/main" id="{07A11B5E-CA7B-4433-B5C4-AF086956FBF0}"/>
+                <a16:creationId xmlns:a16="http://schemas.microsoft.com/office/drawing/2014/main" id="{F67320D5-2B89-4982-99E7-B33AE85C7E4F}"/>
               </a:ext>
             </a:extLst>
           </p:cNvPr>
@@ -9445,57 +9076,574 @@
         </p:nvSpPr>
         <p:spPr>
           <a:xfrm>
-            <a:off x="401533" y="-285279"/>
-            <a:ext cx="11388932" cy="1420029"/>
+            <a:off x="865632" y="122925"/>
+            <a:ext cx="10460736" cy="1045143"/>
           </a:xfrm>
         </p:spPr>
         <p:txBody>
           <a:bodyPr/>
           <a:lstStyle/>
           <a:p>
-            <a:pPr algn="ctr"/>
-            <a:r>
-              <a:rPr lang="en-US" sz="5400" dirty="0" err="1">
-                <a:solidFill>
-                  <a:schemeClr val="tx1"/>
-                </a:solidFill>
-                <a:latin typeface="Montserrat" panose="00000500000000000000" pitchFamily="2" charset="-52"/>
+            <a:r>
+              <a:rPr lang="ru-RU" sz="5400" b="1" dirty="0">
+                <a:solidFill>
+                  <a:schemeClr val="tx1"/>
+                </a:solidFill>
+                <a:latin typeface="Montserrat" pitchFamily="2" charset="-52"/>
               </a:rPr>
-              <a:t>Github</a:t>
-            </a:r>
-            <a:r>
-              <a:rPr lang="ru-RU" sz="5400" dirty="0">
-                <a:solidFill>
-                  <a:schemeClr val="tx1"/>
-                </a:solidFill>
-                <a:latin typeface="Montserrat" panose="00000500000000000000" pitchFamily="2" charset="-52"/>
-              </a:rPr>
-              <a:t> </a:t>
-            </a:r>
-            <a:r>
-              <a:rPr lang="en-US" sz="5400" dirty="0">
-                <a:solidFill>
-                  <a:schemeClr val="tx1"/>
-                </a:solidFill>
-                <a:latin typeface="Montserrat" panose="00000500000000000000" pitchFamily="2" charset="-52"/>
-              </a:rPr>
-              <a:t>Repository</a:t>
+              <a:t>Команда разработчиков</a:t>
             </a:r>
             <a:endParaRPr lang="ru-RU" sz="5400" dirty="0">
               <a:solidFill>
                 <a:schemeClr val="tx1"/>
               </a:solidFill>
-              <a:latin typeface="Montserrat" panose="00000500000000000000" pitchFamily="2" charset="-52"/>
             </a:endParaRPr>
           </a:p>
         </p:txBody>
       </p:sp>
       <p:sp>
         <p:nvSpPr>
-          <p:cNvPr id="3" name="Номер слайда 7">
-            <a:extLst>
-              <a:ext uri="{FF2B5EF4-FFF2-40B4-BE49-F238E27FC236}">
-                <a16:creationId xmlns:a16="http://schemas.microsoft.com/office/drawing/2014/main" id="{A1CB0115-9F72-4C44-B0A3-1C5A2B966706}"/>
+          <p:cNvPr id="6" name="TextBox 5">
+            <a:extLst>
+              <a:ext uri="{FF2B5EF4-FFF2-40B4-BE49-F238E27FC236}">
+                <a16:creationId xmlns:a16="http://schemas.microsoft.com/office/drawing/2014/main" id="{C0151FEE-41D7-4774-B071-7855364A92DF}"/>
+              </a:ext>
+            </a:extLst>
+          </p:cNvPr>
+          <p:cNvSpPr txBox="1"/>
+          <p:nvPr/>
+        </p:nvSpPr>
+        <p:spPr>
+          <a:xfrm>
+            <a:off x="560911" y="1625894"/>
+            <a:ext cx="5661579" cy="1384995"/>
+          </a:xfrm>
+          <a:prstGeom prst="rect">
+            <a:avLst/>
+          </a:prstGeom>
+          <a:noFill/>
+        </p:spPr>
+        <p:txBody>
+          <a:bodyPr wrap="square">
+            <a:spAutoFit/>
+          </a:bodyPr>
+          <a:lstStyle/>
+          <a:p>
+            <a:pPr algn="l"/>
+            <a:r>
+              <a:rPr lang="ru-RU" sz="2800" dirty="0">
+                <a:latin typeface="Montserrat" pitchFamily="2" charset="-52"/>
+              </a:rPr>
+              <a:t>Лобцов Дмитрий </a:t>
+            </a:r>
+          </a:p>
+          <a:p>
+            <a:pPr algn="l"/>
+            <a:r>
+              <a:rPr lang="en-US" sz="2800" dirty="0">
+                <a:latin typeface="Montserrat" pitchFamily="2" charset="-52"/>
+              </a:rPr>
+              <a:t>Team lead &amp; Project Manager</a:t>
+            </a:r>
+          </a:p>
+          <a:p>
+            <a:pPr algn="l"/>
+            <a:r>
+              <a:rPr lang="en-US" sz="2800" dirty="0">
+                <a:latin typeface="Montserrat" pitchFamily="2" charset="-52"/>
+              </a:rPr>
+              <a:t>    @shelf08</a:t>
+            </a:r>
+            <a:endParaRPr lang="ru-RU" sz="2800" dirty="0">
+              <a:latin typeface="Montserrat" pitchFamily="2" charset="-52"/>
+            </a:endParaRPr>
+          </a:p>
+        </p:txBody>
+      </p:sp>
+      <p:sp>
+        <p:nvSpPr>
+          <p:cNvPr id="7" name="TextBox 6">
+            <a:extLst>
+              <a:ext uri="{FF2B5EF4-FFF2-40B4-BE49-F238E27FC236}">
+                <a16:creationId xmlns:a16="http://schemas.microsoft.com/office/drawing/2014/main" id="{C4CE6985-61D7-46BD-BAE4-87AB3A3F5617}"/>
+              </a:ext>
+            </a:extLst>
+          </p:cNvPr>
+          <p:cNvSpPr txBox="1"/>
+          <p:nvPr/>
+        </p:nvSpPr>
+        <p:spPr>
+          <a:xfrm>
+            <a:off x="6222490" y="1596552"/>
+            <a:ext cx="5777001" cy="1384995"/>
+          </a:xfrm>
+          <a:prstGeom prst="rect">
+            <a:avLst/>
+          </a:prstGeom>
+          <a:noFill/>
+        </p:spPr>
+        <p:txBody>
+          <a:bodyPr wrap="square">
+            <a:spAutoFit/>
+          </a:bodyPr>
+          <a:lstStyle/>
+          <a:p>
+            <a:pPr algn="l"/>
+            <a:r>
+              <a:rPr lang="ru-RU" sz="2800" dirty="0">
+                <a:latin typeface="Montserrat" pitchFamily="2" charset="-52"/>
+              </a:rPr>
+              <a:t>Акельева Ульяна </a:t>
+            </a:r>
+          </a:p>
+          <a:p>
+            <a:pPr algn="l"/>
+            <a:r>
+              <a:rPr lang="en-US" sz="2800" dirty="0">
+                <a:latin typeface="Montserrat" pitchFamily="2" charset="-52"/>
+              </a:rPr>
+              <a:t>Designer</a:t>
+            </a:r>
+            <a:r>
+              <a:rPr lang="ru-RU" sz="2800" dirty="0">
+                <a:latin typeface="Montserrat" pitchFamily="2" charset="-52"/>
+              </a:rPr>
+              <a:t> </a:t>
+            </a:r>
+            <a:r>
+              <a:rPr lang="en-US" sz="2800" dirty="0">
+                <a:latin typeface="Montserrat" pitchFamily="2" charset="-52"/>
+              </a:rPr>
+              <a:t>&amp; Frontend developer</a:t>
+            </a:r>
+          </a:p>
+          <a:p>
+            <a:pPr algn="l"/>
+            <a:r>
+              <a:rPr lang="en-US" sz="2800">
+                <a:latin typeface="Montserrat" pitchFamily="2" charset="-52"/>
+              </a:rPr>
+              <a:t>    @akulich</a:t>
+            </a:r>
+            <a:endParaRPr lang="ru-RU" sz="2800" dirty="0">
+              <a:latin typeface="Montserrat" pitchFamily="2" charset="-52"/>
+            </a:endParaRPr>
+          </a:p>
+        </p:txBody>
+      </p:sp>
+      <p:sp>
+        <p:nvSpPr>
+          <p:cNvPr id="9" name="TextBox 8">
+            <a:extLst>
+              <a:ext uri="{FF2B5EF4-FFF2-40B4-BE49-F238E27FC236}">
+                <a16:creationId xmlns:a16="http://schemas.microsoft.com/office/drawing/2014/main" id="{E1026687-E395-4843-9226-FA6247641DEF}"/>
+              </a:ext>
+            </a:extLst>
+          </p:cNvPr>
+          <p:cNvSpPr txBox="1"/>
+          <p:nvPr/>
+        </p:nvSpPr>
+        <p:spPr>
+          <a:xfrm>
+            <a:off x="6222490" y="3237078"/>
+            <a:ext cx="4346688" cy="1384995"/>
+          </a:xfrm>
+          <a:prstGeom prst="rect">
+            <a:avLst/>
+          </a:prstGeom>
+          <a:noFill/>
+        </p:spPr>
+        <p:txBody>
+          <a:bodyPr wrap="square">
+            <a:spAutoFit/>
+          </a:bodyPr>
+          <a:lstStyle/>
+          <a:p>
+            <a:pPr algn="l"/>
+            <a:r>
+              <a:rPr lang="ru-RU" sz="2800" dirty="0">
+                <a:latin typeface="Montserrat" pitchFamily="2" charset="-52"/>
+              </a:rPr>
+              <a:t>Нагорный Арсений</a:t>
+            </a:r>
+          </a:p>
+          <a:p>
+            <a:pPr algn="l"/>
+            <a:r>
+              <a:rPr lang="en-US" sz="2800" dirty="0">
+                <a:latin typeface="Montserrat" pitchFamily="2" charset="-52"/>
+              </a:rPr>
+              <a:t>DevOps engineer</a:t>
+            </a:r>
+          </a:p>
+          <a:p>
+            <a:pPr algn="l"/>
+            <a:r>
+              <a:rPr lang="en-US" sz="2800" dirty="0">
+                <a:latin typeface="Montserrat" pitchFamily="2" charset="-52"/>
+              </a:rPr>
+              <a:t>    @qudest</a:t>
+            </a:r>
+          </a:p>
+        </p:txBody>
+      </p:sp>
+      <p:sp>
+        <p:nvSpPr>
+          <p:cNvPr id="11" name="TextBox 10">
+            <a:extLst>
+              <a:ext uri="{FF2B5EF4-FFF2-40B4-BE49-F238E27FC236}">
+                <a16:creationId xmlns:a16="http://schemas.microsoft.com/office/drawing/2014/main" id="{052CB9B8-292A-49F9-97C2-838F1900B3CC}"/>
+              </a:ext>
+            </a:extLst>
+          </p:cNvPr>
+          <p:cNvSpPr txBox="1"/>
+          <p:nvPr/>
+        </p:nvSpPr>
+        <p:spPr>
+          <a:xfrm>
+            <a:off x="560912" y="3257216"/>
+            <a:ext cx="5164273" cy="1384995"/>
+          </a:xfrm>
+          <a:prstGeom prst="rect">
+            <a:avLst/>
+          </a:prstGeom>
+          <a:noFill/>
+        </p:spPr>
+        <p:txBody>
+          <a:bodyPr wrap="square">
+            <a:spAutoFit/>
+          </a:bodyPr>
+          <a:lstStyle/>
+          <a:p>
+            <a:pPr algn="l"/>
+            <a:r>
+              <a:rPr lang="ru-RU" sz="2800" dirty="0">
+                <a:latin typeface="Montserrat" pitchFamily="2" charset="-52"/>
+              </a:rPr>
+              <a:t>Киселев Антон </a:t>
+            </a:r>
+          </a:p>
+          <a:p>
+            <a:pPr algn="l"/>
+            <a:r>
+              <a:rPr lang="en-US" sz="2800" dirty="0">
+                <a:latin typeface="Montserrat" pitchFamily="2" charset="-52"/>
+              </a:rPr>
+              <a:t>Backend developer</a:t>
+            </a:r>
+          </a:p>
+          <a:p>
+            <a:pPr algn="l"/>
+            <a:r>
+              <a:rPr lang="en-US" sz="2800" dirty="0">
+                <a:latin typeface="Montserrat" pitchFamily="2" charset="-52"/>
+              </a:rPr>
+              <a:t>    @Smertex</a:t>
+            </a:r>
+          </a:p>
+        </p:txBody>
+      </p:sp>
+      <p:sp>
+        <p:nvSpPr>
+          <p:cNvPr id="13" name="TextBox 12">
+            <a:extLst>
+              <a:ext uri="{FF2B5EF4-FFF2-40B4-BE49-F238E27FC236}">
+                <a16:creationId xmlns:a16="http://schemas.microsoft.com/office/drawing/2014/main" id="{C79812F1-B0F2-4AAD-A555-EAFC1BAE9327}"/>
+              </a:ext>
+            </a:extLst>
+          </p:cNvPr>
+          <p:cNvSpPr txBox="1"/>
+          <p:nvPr/>
+        </p:nvSpPr>
+        <p:spPr>
+          <a:xfrm>
+            <a:off x="560912" y="5041976"/>
+            <a:ext cx="4394252" cy="1384995"/>
+          </a:xfrm>
+          <a:prstGeom prst="rect">
+            <a:avLst/>
+          </a:prstGeom>
+          <a:noFill/>
+        </p:spPr>
+        <p:txBody>
+          <a:bodyPr wrap="square">
+            <a:spAutoFit/>
+          </a:bodyPr>
+          <a:lstStyle/>
+          <a:p>
+            <a:pPr algn="l"/>
+            <a:r>
+              <a:rPr lang="ru-RU" sz="2800" dirty="0">
+                <a:latin typeface="Montserrat" pitchFamily="2" charset="-52"/>
+              </a:rPr>
+              <a:t>Мосалов Артем </a:t>
+            </a:r>
+          </a:p>
+          <a:p>
+            <a:pPr algn="l"/>
+            <a:r>
+              <a:rPr lang="en-US" sz="2800" dirty="0">
+                <a:latin typeface="Montserrat" pitchFamily="2" charset="-52"/>
+              </a:rPr>
+              <a:t>Analyst</a:t>
+            </a:r>
+            <a:endParaRPr lang="ru-RU" sz="2800" dirty="0">
+              <a:latin typeface="Montserrat" pitchFamily="2" charset="-52"/>
+            </a:endParaRPr>
+          </a:p>
+          <a:p>
+            <a:pPr algn="l"/>
+            <a:r>
+              <a:rPr lang="en-US" sz="2800" dirty="0">
+                <a:latin typeface="Montserrat" pitchFamily="2" charset="-52"/>
+              </a:rPr>
+              <a:t>    @art0mos</a:t>
+            </a:r>
+          </a:p>
+        </p:txBody>
+      </p:sp>
+      <p:sp>
+        <p:nvSpPr>
+          <p:cNvPr id="15" name="TextBox 14">
+            <a:extLst>
+              <a:ext uri="{FF2B5EF4-FFF2-40B4-BE49-F238E27FC236}">
+                <a16:creationId xmlns:a16="http://schemas.microsoft.com/office/drawing/2014/main" id="{EE85BF39-D08F-46FC-A1F1-1B7506266EDA}"/>
+              </a:ext>
+            </a:extLst>
+          </p:cNvPr>
+          <p:cNvSpPr txBox="1"/>
+          <p:nvPr/>
+        </p:nvSpPr>
+        <p:spPr>
+          <a:xfrm>
+            <a:off x="6228878" y="5017323"/>
+            <a:ext cx="4186266" cy="1384995"/>
+          </a:xfrm>
+          <a:prstGeom prst="rect">
+            <a:avLst/>
+          </a:prstGeom>
+          <a:noFill/>
+        </p:spPr>
+        <p:txBody>
+          <a:bodyPr wrap="square">
+            <a:spAutoFit/>
+          </a:bodyPr>
+          <a:lstStyle/>
+          <a:p>
+            <a:pPr algn="l"/>
+            <a:r>
+              <a:rPr lang="ru-RU" sz="2800" dirty="0">
+                <a:latin typeface="Montserrat" pitchFamily="2" charset="-52"/>
+              </a:rPr>
+              <a:t>Майкл Манассех </a:t>
+            </a:r>
+          </a:p>
+          <a:p>
+            <a:pPr algn="l"/>
+            <a:r>
+              <a:rPr lang="en-US" sz="2800" dirty="0">
+                <a:latin typeface="Montserrat" pitchFamily="2" charset="-52"/>
+              </a:rPr>
+              <a:t>QA</a:t>
+            </a:r>
+          </a:p>
+          <a:p>
+            <a:pPr algn="l"/>
+            <a:r>
+              <a:rPr lang="en-US" sz="2800" dirty="0">
+                <a:latin typeface="Montserrat" pitchFamily="2" charset="-52"/>
+              </a:rPr>
+              <a:t>    @Drillefx</a:t>
+            </a:r>
+          </a:p>
+        </p:txBody>
+      </p:sp>
+      <p:pic>
+        <p:nvPicPr>
+          <p:cNvPr id="17" name="Рисунок 16">
+            <a:extLst>
+              <a:ext uri="{FF2B5EF4-FFF2-40B4-BE49-F238E27FC236}">
+                <a16:creationId xmlns:a16="http://schemas.microsoft.com/office/drawing/2014/main" id="{00D2B1D3-B33A-46D1-A4B7-56CA360E40B1}"/>
+              </a:ext>
+            </a:extLst>
+          </p:cNvPr>
+          <p:cNvPicPr>
+            <a:picLocks noChangeAspect="1"/>
+          </p:cNvPicPr>
+          <p:nvPr/>
+        </p:nvPicPr>
+        <p:blipFill>
+          <a:blip r:embed="rId2"/>
+          <a:stretch>
+            <a:fillRect/>
+          </a:stretch>
+        </p:blipFill>
+        <p:spPr>
+          <a:xfrm>
+            <a:off x="560912" y="2562605"/>
+            <a:ext cx="418942" cy="418942"/>
+          </a:xfrm>
+          <a:prstGeom prst="rect">
+            <a:avLst/>
+          </a:prstGeom>
+        </p:spPr>
+      </p:pic>
+      <p:pic>
+        <p:nvPicPr>
+          <p:cNvPr id="18" name="Рисунок 17">
+            <a:extLst>
+              <a:ext uri="{FF2B5EF4-FFF2-40B4-BE49-F238E27FC236}">
+                <a16:creationId xmlns:a16="http://schemas.microsoft.com/office/drawing/2014/main" id="{7F724285-3604-4263-A1BA-7521B16B13BA}"/>
+              </a:ext>
+            </a:extLst>
+          </p:cNvPr>
+          <p:cNvPicPr>
+            <a:picLocks noChangeAspect="1"/>
+          </p:cNvPicPr>
+          <p:nvPr/>
+        </p:nvPicPr>
+        <p:blipFill>
+          <a:blip r:embed="rId2"/>
+          <a:stretch>
+            <a:fillRect/>
+          </a:stretch>
+        </p:blipFill>
+        <p:spPr>
+          <a:xfrm>
+            <a:off x="560912" y="4213681"/>
+            <a:ext cx="418942" cy="418942"/>
+          </a:xfrm>
+          <a:prstGeom prst="rect">
+            <a:avLst/>
+          </a:prstGeom>
+        </p:spPr>
+      </p:pic>
+      <p:pic>
+        <p:nvPicPr>
+          <p:cNvPr id="19" name="Рисунок 18">
+            <a:extLst>
+              <a:ext uri="{FF2B5EF4-FFF2-40B4-BE49-F238E27FC236}">
+                <a16:creationId xmlns:a16="http://schemas.microsoft.com/office/drawing/2014/main" id="{B95EE977-A624-495B-AA88-3072E79A2BCE}"/>
+              </a:ext>
+            </a:extLst>
+          </p:cNvPr>
+          <p:cNvPicPr>
+            <a:picLocks noChangeAspect="1"/>
+          </p:cNvPicPr>
+          <p:nvPr/>
+        </p:nvPicPr>
+        <p:blipFill>
+          <a:blip r:embed="rId2"/>
+          <a:stretch>
+            <a:fillRect/>
+          </a:stretch>
+        </p:blipFill>
+        <p:spPr>
+          <a:xfrm>
+            <a:off x="560912" y="5983376"/>
+            <a:ext cx="418942" cy="418942"/>
+          </a:xfrm>
+          <a:prstGeom prst="rect">
+            <a:avLst/>
+          </a:prstGeom>
+        </p:spPr>
+      </p:pic>
+      <p:pic>
+        <p:nvPicPr>
+          <p:cNvPr id="20" name="Рисунок 19">
+            <a:extLst>
+              <a:ext uri="{FF2B5EF4-FFF2-40B4-BE49-F238E27FC236}">
+                <a16:creationId xmlns:a16="http://schemas.microsoft.com/office/drawing/2014/main" id="{D9D36D1E-895A-43F1-AD28-9E77C449B7D1}"/>
+              </a:ext>
+            </a:extLst>
+          </p:cNvPr>
+          <p:cNvPicPr>
+            <a:picLocks noChangeAspect="1"/>
+          </p:cNvPicPr>
+          <p:nvPr/>
+        </p:nvPicPr>
+        <p:blipFill>
+          <a:blip r:embed="rId2"/>
+          <a:stretch>
+            <a:fillRect/>
+          </a:stretch>
+        </p:blipFill>
+        <p:spPr>
+          <a:xfrm>
+            <a:off x="6222491" y="2531080"/>
+            <a:ext cx="418942" cy="418942"/>
+          </a:xfrm>
+          <a:prstGeom prst="rect">
+            <a:avLst/>
+          </a:prstGeom>
+        </p:spPr>
+      </p:pic>
+      <p:pic>
+        <p:nvPicPr>
+          <p:cNvPr id="21" name="Рисунок 20">
+            <a:extLst>
+              <a:ext uri="{FF2B5EF4-FFF2-40B4-BE49-F238E27FC236}">
+                <a16:creationId xmlns:a16="http://schemas.microsoft.com/office/drawing/2014/main" id="{39CAEF1F-157E-4F17-BD26-FD78037604D3}"/>
+              </a:ext>
+            </a:extLst>
+          </p:cNvPr>
+          <p:cNvPicPr>
+            <a:picLocks noChangeAspect="1"/>
+          </p:cNvPicPr>
+          <p:nvPr/>
+        </p:nvPicPr>
+        <p:blipFill>
+          <a:blip r:embed="rId2"/>
+          <a:stretch>
+            <a:fillRect/>
+          </a:stretch>
+        </p:blipFill>
+        <p:spPr>
+          <a:xfrm>
+            <a:off x="6228878" y="4213681"/>
+            <a:ext cx="418942" cy="418942"/>
+          </a:xfrm>
+          <a:prstGeom prst="rect">
+            <a:avLst/>
+          </a:prstGeom>
+        </p:spPr>
+      </p:pic>
+      <p:pic>
+        <p:nvPicPr>
+          <p:cNvPr id="22" name="Рисунок 21">
+            <a:extLst>
+              <a:ext uri="{FF2B5EF4-FFF2-40B4-BE49-F238E27FC236}">
+                <a16:creationId xmlns:a16="http://schemas.microsoft.com/office/drawing/2014/main" id="{7E8E3D5A-B4F8-4B11-B139-B707E3BDE0E1}"/>
+              </a:ext>
+            </a:extLst>
+          </p:cNvPr>
+          <p:cNvPicPr>
+            <a:picLocks noChangeAspect="1"/>
+          </p:cNvPicPr>
+          <p:nvPr/>
+        </p:nvPicPr>
+        <p:blipFill>
+          <a:blip r:embed="rId2"/>
+          <a:stretch>
+            <a:fillRect/>
+          </a:stretch>
+        </p:blipFill>
+        <p:spPr>
+          <a:xfrm>
+            <a:off x="6222491" y="5974599"/>
+            <a:ext cx="418942" cy="418942"/>
+          </a:xfrm>
+          <a:prstGeom prst="rect">
+            <a:avLst/>
+          </a:prstGeom>
+        </p:spPr>
+      </p:pic>
+      <p:sp>
+        <p:nvSpPr>
+          <p:cNvPr id="23" name="Номер слайда 7">
+            <a:extLst>
+              <a:ext uri="{FF2B5EF4-FFF2-40B4-BE49-F238E27FC236}">
+                <a16:creationId xmlns:a16="http://schemas.microsoft.com/office/drawing/2014/main" id="{081C7497-60D2-42EE-B48D-F9C81E185AFA}"/>
               </a:ext>
             </a:extLst>
           </p:cNvPr>
@@ -9506,7 +9654,7 @@
         </p:nvSpPr>
         <p:spPr>
           <a:xfrm>
-            <a:off x="11555496" y="6298983"/>
+            <a:off x="11523203" y="6305142"/>
             <a:ext cx="2743200" cy="365125"/>
           </a:xfrm>
           <a:prstGeom prst="rect">
@@ -9617,6 +9765,233 @@
               </a:rPr>
               <a:pPr/>
               <a:t>16</a:t>
+            </a:fld>
+            <a:endParaRPr lang="ru-RU" sz="2800" dirty="0">
+              <a:latin typeface="Montserrat" panose="00000500000000000000" pitchFamily="2" charset="-52"/>
+            </a:endParaRPr>
+          </a:p>
+        </p:txBody>
+      </p:sp>
+    </p:spTree>
+    <p:extLst>
+      <p:ext uri="{BB962C8B-B14F-4D97-AF65-F5344CB8AC3E}">
+        <p14:creationId xmlns:p14="http://schemas.microsoft.com/office/powerpoint/2010/main" val="3303895324"/>
+      </p:ext>
+    </p:extLst>
+  </p:cSld>
+  <p:clrMapOvr>
+    <a:masterClrMapping/>
+  </p:clrMapOvr>
+</p:sld>
+</file>
+
+<file path=ppt/slides/slide17.xml><?xml version="1.0" encoding="utf-8"?>
+<p:sld xmlns:a="http://schemas.openxmlformats.org/drawingml/2006/main" xmlns:r="http://schemas.openxmlformats.org/officeDocument/2006/relationships" xmlns:p="http://schemas.openxmlformats.org/presentationml/2006/main">
+  <p:cSld>
+    <p:spTree>
+      <p:nvGrpSpPr>
+        <p:cNvPr id="1" name=""/>
+        <p:cNvGrpSpPr/>
+        <p:nvPr/>
+      </p:nvGrpSpPr>
+      <p:grpSpPr>
+        <a:xfrm>
+          <a:off x="0" y="0"/>
+          <a:ext cx="0" cy="0"/>
+          <a:chOff x="0" y="0"/>
+          <a:chExt cx="0" cy="0"/>
+        </a:xfrm>
+      </p:grpSpPr>
+      <p:sp>
+        <p:nvSpPr>
+          <p:cNvPr id="2" name="Заголовок 1">
+            <a:extLst>
+              <a:ext uri="{FF2B5EF4-FFF2-40B4-BE49-F238E27FC236}">
+                <a16:creationId xmlns:a16="http://schemas.microsoft.com/office/drawing/2014/main" id="{07A11B5E-CA7B-4433-B5C4-AF086956FBF0}"/>
+              </a:ext>
+            </a:extLst>
+          </p:cNvPr>
+          <p:cNvSpPr>
+            <a:spLocks noGrp="1"/>
+          </p:cNvSpPr>
+          <p:nvPr>
+            <p:ph type="ctrTitle"/>
+          </p:nvPr>
+        </p:nvSpPr>
+        <p:spPr>
+          <a:xfrm>
+            <a:off x="401533" y="-285279"/>
+            <a:ext cx="11388932" cy="1420029"/>
+          </a:xfrm>
+        </p:spPr>
+        <p:txBody>
+          <a:bodyPr/>
+          <a:lstStyle/>
+          <a:p>
+            <a:pPr algn="ctr"/>
+            <a:r>
+              <a:rPr lang="en-US" sz="5400" dirty="0" err="1">
+                <a:solidFill>
+                  <a:schemeClr val="tx1"/>
+                </a:solidFill>
+                <a:latin typeface="Montserrat" panose="00000500000000000000" pitchFamily="2" charset="-52"/>
+              </a:rPr>
+              <a:t>Github</a:t>
+            </a:r>
+            <a:r>
+              <a:rPr lang="ru-RU" sz="5400" dirty="0">
+                <a:solidFill>
+                  <a:schemeClr val="tx1"/>
+                </a:solidFill>
+                <a:latin typeface="Montserrat" panose="00000500000000000000" pitchFamily="2" charset="-52"/>
+              </a:rPr>
+              <a:t> </a:t>
+            </a:r>
+            <a:r>
+              <a:rPr lang="en-US" sz="5400" dirty="0">
+                <a:solidFill>
+                  <a:schemeClr val="tx1"/>
+                </a:solidFill>
+                <a:latin typeface="Montserrat" panose="00000500000000000000" pitchFamily="2" charset="-52"/>
+              </a:rPr>
+              <a:t>Repository</a:t>
+            </a:r>
+            <a:endParaRPr lang="ru-RU" sz="5400" dirty="0">
+              <a:solidFill>
+                <a:schemeClr val="tx1"/>
+              </a:solidFill>
+              <a:latin typeface="Montserrat" panose="00000500000000000000" pitchFamily="2" charset="-52"/>
+            </a:endParaRPr>
+          </a:p>
+        </p:txBody>
+      </p:sp>
+      <p:sp>
+        <p:nvSpPr>
+          <p:cNvPr id="3" name="Номер слайда 7">
+            <a:extLst>
+              <a:ext uri="{FF2B5EF4-FFF2-40B4-BE49-F238E27FC236}">
+                <a16:creationId xmlns:a16="http://schemas.microsoft.com/office/drawing/2014/main" id="{A1CB0115-9F72-4C44-B0A3-1C5A2B966706}"/>
+              </a:ext>
+            </a:extLst>
+          </p:cNvPr>
+          <p:cNvSpPr txBox="1">
+            <a:spLocks/>
+          </p:cNvSpPr>
+          <p:nvPr/>
+        </p:nvSpPr>
+        <p:spPr>
+          <a:xfrm>
+            <a:off x="11555496" y="6298983"/>
+            <a:ext cx="2743200" cy="365125"/>
+          </a:xfrm>
+          <a:prstGeom prst="rect">
+            <a:avLst/>
+          </a:prstGeom>
+        </p:spPr>
+        <p:txBody>
+          <a:bodyPr/>
+          <a:lstStyle>
+            <a:defPPr>
+              <a:defRPr lang="ru-RU"/>
+            </a:defPPr>
+            <a:lvl1pPr marL="0" algn="l" defTabSz="914400" rtl="0" eaLnBrk="1" latinLnBrk="0" hangingPunct="1">
+              <a:defRPr sz="1800" kern="1200">
+                <a:solidFill>
+                  <a:schemeClr val="tx1"/>
+                </a:solidFill>
+                <a:latin typeface="+mn-lt"/>
+                <a:ea typeface="+mn-ea"/>
+                <a:cs typeface="+mn-cs"/>
+              </a:defRPr>
+            </a:lvl1pPr>
+            <a:lvl2pPr marL="457200" algn="l" defTabSz="914400" rtl="0" eaLnBrk="1" latinLnBrk="0" hangingPunct="1">
+              <a:defRPr sz="1800" kern="1200">
+                <a:solidFill>
+                  <a:schemeClr val="tx1"/>
+                </a:solidFill>
+                <a:latin typeface="+mn-lt"/>
+                <a:ea typeface="+mn-ea"/>
+                <a:cs typeface="+mn-cs"/>
+              </a:defRPr>
+            </a:lvl2pPr>
+            <a:lvl3pPr marL="914400" algn="l" defTabSz="914400" rtl="0" eaLnBrk="1" latinLnBrk="0" hangingPunct="1">
+              <a:defRPr sz="1800" kern="1200">
+                <a:solidFill>
+                  <a:schemeClr val="tx1"/>
+                </a:solidFill>
+                <a:latin typeface="+mn-lt"/>
+                <a:ea typeface="+mn-ea"/>
+                <a:cs typeface="+mn-cs"/>
+              </a:defRPr>
+            </a:lvl3pPr>
+            <a:lvl4pPr marL="1371600" algn="l" defTabSz="914400" rtl="0" eaLnBrk="1" latinLnBrk="0" hangingPunct="1">
+              <a:defRPr sz="1800" kern="1200">
+                <a:solidFill>
+                  <a:schemeClr val="tx1"/>
+                </a:solidFill>
+                <a:latin typeface="+mn-lt"/>
+                <a:ea typeface="+mn-ea"/>
+                <a:cs typeface="+mn-cs"/>
+              </a:defRPr>
+            </a:lvl4pPr>
+            <a:lvl5pPr marL="1828800" algn="l" defTabSz="914400" rtl="0" eaLnBrk="1" latinLnBrk="0" hangingPunct="1">
+              <a:defRPr sz="1800" kern="1200">
+                <a:solidFill>
+                  <a:schemeClr val="tx1"/>
+                </a:solidFill>
+                <a:latin typeface="+mn-lt"/>
+                <a:ea typeface="+mn-ea"/>
+                <a:cs typeface="+mn-cs"/>
+              </a:defRPr>
+            </a:lvl5pPr>
+            <a:lvl6pPr marL="2286000" algn="l" defTabSz="914400" rtl="0" eaLnBrk="1" latinLnBrk="0" hangingPunct="1">
+              <a:defRPr sz="1800" kern="1200">
+                <a:solidFill>
+                  <a:schemeClr val="tx1"/>
+                </a:solidFill>
+                <a:latin typeface="+mn-lt"/>
+                <a:ea typeface="+mn-ea"/>
+                <a:cs typeface="+mn-cs"/>
+              </a:defRPr>
+            </a:lvl6pPr>
+            <a:lvl7pPr marL="2743200" algn="l" defTabSz="914400" rtl="0" eaLnBrk="1" latinLnBrk="0" hangingPunct="1">
+              <a:defRPr sz="1800" kern="1200">
+                <a:solidFill>
+                  <a:schemeClr val="tx1"/>
+                </a:solidFill>
+                <a:latin typeface="+mn-lt"/>
+                <a:ea typeface="+mn-ea"/>
+                <a:cs typeface="+mn-cs"/>
+              </a:defRPr>
+            </a:lvl7pPr>
+            <a:lvl8pPr marL="3200400" algn="l" defTabSz="914400" rtl="0" eaLnBrk="1" latinLnBrk="0" hangingPunct="1">
+              <a:defRPr sz="1800" kern="1200">
+                <a:solidFill>
+                  <a:schemeClr val="tx1"/>
+                </a:solidFill>
+                <a:latin typeface="+mn-lt"/>
+                <a:ea typeface="+mn-ea"/>
+                <a:cs typeface="+mn-cs"/>
+              </a:defRPr>
+            </a:lvl8pPr>
+            <a:lvl9pPr marL="3657600" algn="l" defTabSz="914400" rtl="0" eaLnBrk="1" latinLnBrk="0" hangingPunct="1">
+              <a:defRPr sz="1800" kern="1200">
+                <a:solidFill>
+                  <a:schemeClr val="tx1"/>
+                </a:solidFill>
+                <a:latin typeface="+mn-lt"/>
+                <a:ea typeface="+mn-ea"/>
+                <a:cs typeface="+mn-cs"/>
+              </a:defRPr>
+            </a:lvl9pPr>
+          </a:lstStyle>
+          <a:p>
+            <a:fld id="{38BE9570-077B-40E6-8DEE-322A83FB2631}" type="slidenum">
+              <a:rPr lang="ru-RU" sz="2800" smtClean="0">
+                <a:latin typeface="Montserrat" panose="00000500000000000000" pitchFamily="2" charset="-52"/>
+              </a:rPr>
+              <a:pPr/>
+              <a:t>17</a:t>
             </a:fld>
             <a:endParaRPr lang="ru-RU" sz="2800" dirty="0">
               <a:latin typeface="Montserrat" panose="00000500000000000000" pitchFamily="2" charset="-52"/>
@@ -9850,7 +10225,7 @@
               <a:rPr lang="en-US" sz="2800" dirty="0">
                 <a:latin typeface="Montserrat" pitchFamily="2" charset="-52"/>
               </a:rPr>
-              <a:t>– DevOps developer</a:t>
+              <a:t>– DevOps engineer</a:t>
             </a:r>
           </a:p>
           <a:p>
@@ -9928,8 +10303,11 @@
               <a:rPr lang="en-US" sz="2800" dirty="0">
                 <a:latin typeface="Montserrat" pitchFamily="2" charset="-52"/>
               </a:rPr>
-              <a:t>Analytic</a:t>
-            </a:r>
+              <a:t>Analyst</a:t>
+            </a:r>
+            <a:endParaRPr lang="ru-RU" sz="2800" dirty="0">
+              <a:latin typeface="Montserrat" pitchFamily="2" charset="-52"/>
+            </a:endParaRPr>
           </a:p>
           <a:p>
             <a:pPr marL="342900" indent="-342900" algn="l">
@@ -10309,7 +10687,7 @@
           <p:nvPr>
             <p:extLst>
               <p:ext uri="{D42A27DB-BD31-4B8C-83A1-F6EECF244321}">
-                <p14:modId xmlns:p14="http://schemas.microsoft.com/office/powerpoint/2010/main" val="3253439278"/>
+                <p14:modId xmlns:p14="http://schemas.microsoft.com/office/powerpoint/2010/main" val="117099908"/>
               </p:ext>
             </p:extLst>
           </p:nvPr>
@@ -10540,8 +10918,8 @@
         </p:nvSpPr>
         <p:spPr>
           <a:xfrm>
-            <a:off x="254262" y="1920510"/>
-            <a:ext cx="11683476" cy="2604816"/>
+            <a:off x="327501" y="1936552"/>
+            <a:ext cx="11864499" cy="1958485"/>
           </a:xfrm>
           <a:prstGeom prst="rect">
             <a:avLst/>
@@ -10565,7 +10943,7 @@
               <a:rPr lang="ru-RU" sz="2800" dirty="0">
                 <a:latin typeface="Montserrat" pitchFamily="2" charset="-52"/>
               </a:rPr>
-              <a:t>   Планирование оптимальных маршрутов</a:t>
+              <a:t>Затрудненный доступ к достопримечательностям на карте   </a:t>
             </a:r>
           </a:p>
           <a:p>
@@ -10580,7 +10958,7 @@
               <a:rPr lang="ru-RU" sz="2800" dirty="0">
                 <a:latin typeface="Montserrat" pitchFamily="2" charset="-52"/>
               </a:rPr>
-              <a:t>   Рекомендация маршрутов исходя из личных     предпочтений</a:t>
+              <a:t>Неоптимальные созданные маршруты</a:t>
             </a:r>
           </a:p>
           <a:p>
@@ -10595,7 +10973,7 @@
               <a:rPr lang="ru-RU" sz="2800" dirty="0">
                 <a:latin typeface="Montserrat" pitchFamily="2" charset="-52"/>
               </a:rPr>
-              <a:t>   Возможность просмотра близлежащих к маршруту кафе</a:t>
+              <a:t>Отсутствие готовых пеших маршрутов </a:t>
             </a:r>
             <a:endParaRPr lang="en-US" sz="2800" dirty="0">
               <a:latin typeface="Montserrat" pitchFamily="2" charset="-52"/>
@@ -10606,7 +10984,7 @@
     </p:spTree>
     <p:extLst>
       <p:ext uri="{BB962C8B-B14F-4D97-AF65-F5344CB8AC3E}">
-        <p14:creationId xmlns:p14="http://schemas.microsoft.com/office/powerpoint/2010/main" val="2294283918"/>
+        <p14:creationId xmlns:p14="http://schemas.microsoft.com/office/powerpoint/2010/main" val="4239239528"/>
       </p:ext>
     </p:extLst>
   </p:cSld>
@@ -10895,8 +11273,8 @@
         </p:nvSpPr>
         <p:spPr>
           <a:xfrm>
-            <a:off x="2686732" y="-1412420"/>
-            <a:ext cx="6818536" cy="2390273"/>
+            <a:off x="946164" y="-401054"/>
+            <a:ext cx="10299672" cy="1507959"/>
           </a:xfrm>
         </p:spPr>
         <p:txBody>
@@ -10910,7 +11288,7 @@
                 </a:solidFill>
                 <a:latin typeface="Montserrat" panose="00000500000000000000" pitchFamily="2" charset="-52"/>
               </a:rPr>
-              <a:t>Обзор аналогов</a:t>
+              <a:t>Предлагаемое решение</a:t>
             </a:r>
           </a:p>
         </p:txBody>
@@ -10920,7 +11298,7 @@
           <p:cNvPr id="4" name="Номер слайда 7">
             <a:extLst>
               <a:ext uri="{FF2B5EF4-FFF2-40B4-BE49-F238E27FC236}">
-                <a16:creationId xmlns:a16="http://schemas.microsoft.com/office/drawing/2014/main" id="{8D84A98C-C59C-42B3-99DF-C2262510B2DD}"/>
+                <a16:creationId xmlns:a16="http://schemas.microsoft.com/office/drawing/2014/main" id="{F5F8C147-8CFA-43D2-8646-AC13EDDAD177}"/>
               </a:ext>
             </a:extLst>
           </p:cNvPr>
@@ -10931,7 +11309,7 @@
         </p:nvSpPr>
         <p:spPr>
           <a:xfrm>
-            <a:off x="11629883" y="6227318"/>
+            <a:off x="11591783" y="6227318"/>
             <a:ext cx="2743200" cy="365125"/>
           </a:xfrm>
           <a:prstGeom prst="rect">
@@ -11049,38 +11427,87 @@
           </a:p>
         </p:txBody>
       </p:sp>
-      <p:graphicFrame>
-        <p:nvGraphicFramePr>
-          <p:cNvPr id="6" name="Диаграмма 5">
-            <a:extLst>
-              <a:ext uri="{FF2B5EF4-FFF2-40B4-BE49-F238E27FC236}">
-                <a16:creationId xmlns:a16="http://schemas.microsoft.com/office/drawing/2014/main" id="{F6B3CFDD-39BB-4DE9-870E-B1CE6DE02B27}"/>
-              </a:ext>
-            </a:extLst>
-          </p:cNvPr>
-          <p:cNvGraphicFramePr/>
-          <p:nvPr>
-            <p:extLst>
-              <p:ext uri="{D42A27DB-BD31-4B8C-83A1-F6EECF244321}">
-                <p14:modId xmlns:p14="http://schemas.microsoft.com/office/powerpoint/2010/main" val="3710644632"/>
-              </p:ext>
-            </p:extLst>
-          </p:nvPr>
-        </p:nvGraphicFramePr>
-        <p:xfrm>
-          <a:off x="2971993" y="1161056"/>
-          <a:ext cx="6248014" cy="4784896"/>
-        </p:xfrm>
-        <a:graphic>
-          <a:graphicData uri="http://schemas.openxmlformats.org/drawingml/2006/chart">
-            <c:chart xmlns:c="http://schemas.openxmlformats.org/drawingml/2006/chart" xmlns:r="http://schemas.openxmlformats.org/officeDocument/2006/relationships" r:id="rId2"/>
-          </a:graphicData>
-        </a:graphic>
-      </p:graphicFrame>
+      <p:sp>
+        <p:nvSpPr>
+          <p:cNvPr id="9" name="TextBox 8">
+            <a:extLst>
+              <a:ext uri="{FF2B5EF4-FFF2-40B4-BE49-F238E27FC236}">
+                <a16:creationId xmlns:a16="http://schemas.microsoft.com/office/drawing/2014/main" id="{104FA028-CA41-495E-B5A9-2C03F7F4ECA1}"/>
+              </a:ext>
+            </a:extLst>
+          </p:cNvPr>
+          <p:cNvSpPr txBox="1"/>
+          <p:nvPr/>
+        </p:nvSpPr>
+        <p:spPr>
+          <a:xfrm>
+            <a:off x="254262" y="1631752"/>
+            <a:ext cx="11683476" cy="3251146"/>
+          </a:xfrm>
+          <a:prstGeom prst="rect">
+            <a:avLst/>
+          </a:prstGeom>
+          <a:noFill/>
+        </p:spPr>
+        <p:txBody>
+          <a:bodyPr wrap="square">
+            <a:spAutoFit/>
+          </a:bodyPr>
+          <a:lstStyle/>
+          <a:p>
+            <a:pPr marL="457200" indent="-457200" algn="l">
+              <a:lnSpc>
+                <a:spcPct val="150000"/>
+              </a:lnSpc>
+              <a:buFont typeface="Arial" panose="020B0604020202020204" pitchFamily="34" charset="0"/>
+              <a:buChar char="•"/>
+            </a:pPr>
+            <a:r>
+              <a:rPr lang="ru-RU" sz="2800" dirty="0">
+                <a:latin typeface="Montserrat" pitchFamily="2" charset="-52"/>
+              </a:rPr>
+              <a:t>   Оптимальное планирование пеших маршрутов по достопримечательностям</a:t>
+            </a:r>
+          </a:p>
+          <a:p>
+            <a:pPr marL="457200" indent="-457200" algn="l">
+              <a:lnSpc>
+                <a:spcPct val="150000"/>
+              </a:lnSpc>
+              <a:buFont typeface="Arial" panose="020B0604020202020204" pitchFamily="34" charset="0"/>
+              <a:buChar char="•"/>
+            </a:pPr>
+            <a:r>
+              <a:rPr lang="ru-RU" sz="2800" dirty="0">
+                <a:latin typeface="Montserrat" pitchFamily="2" charset="-52"/>
+              </a:rPr>
+              <a:t>   Рекомендация маршрутов исходя из личных     предпочтений</a:t>
+            </a:r>
+          </a:p>
+          <a:p>
+            <a:pPr marL="457200" indent="-457200" algn="l">
+              <a:lnSpc>
+                <a:spcPct val="150000"/>
+              </a:lnSpc>
+              <a:buFont typeface="Arial" panose="020B0604020202020204" pitchFamily="34" charset="0"/>
+              <a:buChar char="•"/>
+            </a:pPr>
+            <a:r>
+              <a:rPr lang="ru-RU" sz="2800" dirty="0">
+                <a:latin typeface="Montserrat" pitchFamily="2" charset="-52"/>
+              </a:rPr>
+              <a:t>   Возможность просмотра близлежащих к маршруту кафе</a:t>
+            </a:r>
+            <a:endParaRPr lang="en-US" sz="2800" dirty="0">
+              <a:latin typeface="Montserrat" pitchFamily="2" charset="-52"/>
+            </a:endParaRPr>
+          </a:p>
+        </p:txBody>
+      </p:sp>
     </p:spTree>
     <p:extLst>
       <p:ext uri="{BB962C8B-B14F-4D97-AF65-F5344CB8AC3E}">
-        <p14:creationId xmlns:p14="http://schemas.microsoft.com/office/powerpoint/2010/main" val="2662021203"/>
+        <p14:creationId xmlns:p14="http://schemas.microsoft.com/office/powerpoint/2010/main" val="2294283918"/>
       </p:ext>
     </p:extLst>
   </p:cSld>
@@ -11112,7 +11539,7 @@
           <p:cNvPr id="2" name="Заголовок 1">
             <a:extLst>
               <a:ext uri="{FF2B5EF4-FFF2-40B4-BE49-F238E27FC236}">
-                <a16:creationId xmlns:a16="http://schemas.microsoft.com/office/drawing/2014/main" id="{CE939D99-9DBA-4570-B1F7-4A5FE58AA2CF}"/>
+                <a16:creationId xmlns:a16="http://schemas.microsoft.com/office/drawing/2014/main" id="{66ED7CFB-A1A6-4C1A-AB6C-CF9994F7C368}"/>
               </a:ext>
             </a:extLst>
           </p:cNvPr>
@@ -11125,8 +11552,8 @@
         </p:nvSpPr>
         <p:spPr>
           <a:xfrm>
-            <a:off x="-123324" y="-593558"/>
-            <a:ext cx="12438647" cy="1684580"/>
+            <a:off x="2686732" y="-1412420"/>
+            <a:ext cx="6818536" cy="2390273"/>
           </a:xfrm>
         </p:spPr>
         <p:txBody>
@@ -11140,17 +11567,17 @@
                 </a:solidFill>
                 <a:latin typeface="Montserrat" panose="00000500000000000000" pitchFamily="2" charset="-52"/>
               </a:rPr>
-              <a:t>Конкурентное преимущество</a:t>
+              <a:t>Обзор аналогов</a:t>
             </a:r>
           </a:p>
         </p:txBody>
       </p:sp>
       <p:sp>
         <p:nvSpPr>
-          <p:cNvPr id="3" name="Номер слайда 7">
-            <a:extLst>
-              <a:ext uri="{FF2B5EF4-FFF2-40B4-BE49-F238E27FC236}">
-                <a16:creationId xmlns:a16="http://schemas.microsoft.com/office/drawing/2014/main" id="{BBA5FE48-99C5-4F2B-A2B1-B6B591F36FDD}"/>
+          <p:cNvPr id="4" name="Номер слайда 7">
+            <a:extLst>
+              <a:ext uri="{FF2B5EF4-FFF2-40B4-BE49-F238E27FC236}">
+                <a16:creationId xmlns:a16="http://schemas.microsoft.com/office/drawing/2014/main" id="{8D84A98C-C59C-42B3-99DF-C2262510B2DD}"/>
               </a:ext>
             </a:extLst>
           </p:cNvPr>
@@ -11279,946 +11706,38 @@
           </a:p>
         </p:txBody>
       </p:sp>
-      <p:pic>
-        <p:nvPicPr>
-          <p:cNvPr id="12" name="Рисунок 11">
-            <a:extLst>
-              <a:ext uri="{FF2B5EF4-FFF2-40B4-BE49-F238E27FC236}">
-                <a16:creationId xmlns:a16="http://schemas.microsoft.com/office/drawing/2014/main" id="{28465D31-17D8-432F-BF72-53314CD26CBF}"/>
-              </a:ext>
-            </a:extLst>
-          </p:cNvPr>
-          <p:cNvPicPr>
-            <a:picLocks noChangeAspect="1"/>
-          </p:cNvPicPr>
-          <p:nvPr/>
-        </p:nvPicPr>
-        <p:blipFill>
-          <a:blip r:embed="rId2">
-            <a:extLst>
-              <a:ext uri="{28A0092B-C50C-407E-A947-70E740481C1C}">
-                <a14:useLocalDpi xmlns:a14="http://schemas.microsoft.com/office/drawing/2010/main" val="0"/>
-              </a:ext>
-            </a:extLst>
-          </a:blip>
-          <a:stretch>
-            <a:fillRect/>
-          </a:stretch>
-        </p:blipFill>
-        <p:spPr>
-          <a:xfrm>
-            <a:off x="133349" y="1311257"/>
-            <a:ext cx="11925300" cy="4695825"/>
-          </a:xfrm>
-          <a:prstGeom prst="rect">
-            <a:avLst/>
-          </a:prstGeom>
-        </p:spPr>
-      </p:pic>
-      <p:pic>
-        <p:nvPicPr>
-          <p:cNvPr id="14" name="Рисунок 13">
-            <a:extLst>
-              <a:ext uri="{FF2B5EF4-FFF2-40B4-BE49-F238E27FC236}">
-                <a16:creationId xmlns:a16="http://schemas.microsoft.com/office/drawing/2014/main" id="{1696D0CD-718F-420C-BFF8-971BA4076121}"/>
-              </a:ext>
-            </a:extLst>
-          </p:cNvPr>
-          <p:cNvPicPr>
-            <a:picLocks noChangeAspect="1"/>
-          </p:cNvPicPr>
-          <p:nvPr/>
-        </p:nvPicPr>
-        <p:blipFill>
-          <a:blip r:embed="rId3"/>
-          <a:stretch>
-            <a:fillRect/>
-          </a:stretch>
-        </p:blipFill>
-        <p:spPr>
-          <a:xfrm>
-            <a:off x="2940346" y="1825698"/>
-            <a:ext cx="323849" cy="323849"/>
-          </a:xfrm>
-          <a:prstGeom prst="rect">
-            <a:avLst/>
-          </a:prstGeom>
-        </p:spPr>
-      </p:pic>
-      <p:pic>
-        <p:nvPicPr>
-          <p:cNvPr id="18" name="Рисунок 17">
-            <a:extLst>
-              <a:ext uri="{FF2B5EF4-FFF2-40B4-BE49-F238E27FC236}">
-                <a16:creationId xmlns:a16="http://schemas.microsoft.com/office/drawing/2014/main" id="{86F486B7-E542-4A9A-987D-B3DA2511A8B0}"/>
-              </a:ext>
-            </a:extLst>
-          </p:cNvPr>
-          <p:cNvPicPr>
-            <a:picLocks noChangeAspect="1"/>
-          </p:cNvPicPr>
-          <p:nvPr/>
-        </p:nvPicPr>
-        <p:blipFill>
-          <a:blip r:embed="rId3"/>
-          <a:stretch>
-            <a:fillRect/>
-          </a:stretch>
-        </p:blipFill>
-        <p:spPr>
-          <a:xfrm>
-            <a:off x="4932179" y="1825697"/>
-            <a:ext cx="323849" cy="323849"/>
-          </a:xfrm>
-          <a:prstGeom prst="rect">
-            <a:avLst/>
-          </a:prstGeom>
-        </p:spPr>
-      </p:pic>
-      <p:pic>
-        <p:nvPicPr>
-          <p:cNvPr id="19" name="Рисунок 18">
-            <a:extLst>
-              <a:ext uri="{FF2B5EF4-FFF2-40B4-BE49-F238E27FC236}">
-                <a16:creationId xmlns:a16="http://schemas.microsoft.com/office/drawing/2014/main" id="{451FB53C-3BCB-4DFD-B185-DAA02EAC7536}"/>
-              </a:ext>
-            </a:extLst>
-          </p:cNvPr>
-          <p:cNvPicPr>
-            <a:picLocks noChangeAspect="1"/>
-          </p:cNvPicPr>
-          <p:nvPr/>
-        </p:nvPicPr>
-        <p:blipFill>
-          <a:blip r:embed="rId3"/>
-          <a:stretch>
-            <a:fillRect/>
-          </a:stretch>
-        </p:blipFill>
-        <p:spPr>
-          <a:xfrm>
-            <a:off x="6923659" y="1825696"/>
-            <a:ext cx="323849" cy="323849"/>
-          </a:xfrm>
-          <a:prstGeom prst="rect">
-            <a:avLst/>
-          </a:prstGeom>
-        </p:spPr>
-      </p:pic>
-      <p:pic>
-        <p:nvPicPr>
-          <p:cNvPr id="20" name="Рисунок 19">
-            <a:extLst>
-              <a:ext uri="{FF2B5EF4-FFF2-40B4-BE49-F238E27FC236}">
-                <a16:creationId xmlns:a16="http://schemas.microsoft.com/office/drawing/2014/main" id="{37EFEB9D-7E50-406D-8A59-65A78BFAA7FC}"/>
-              </a:ext>
-            </a:extLst>
-          </p:cNvPr>
-          <p:cNvPicPr>
-            <a:picLocks noChangeAspect="1"/>
-          </p:cNvPicPr>
-          <p:nvPr/>
-        </p:nvPicPr>
-        <p:blipFill>
-          <a:blip r:embed="rId3"/>
-          <a:stretch>
-            <a:fillRect/>
-          </a:stretch>
-        </p:blipFill>
-        <p:spPr>
-          <a:xfrm>
-            <a:off x="8927805" y="1825696"/>
-            <a:ext cx="323849" cy="323849"/>
-          </a:xfrm>
-          <a:prstGeom prst="rect">
-            <a:avLst/>
-          </a:prstGeom>
-        </p:spPr>
-      </p:pic>
-      <p:pic>
-        <p:nvPicPr>
-          <p:cNvPr id="21" name="Рисунок 20">
-            <a:extLst>
-              <a:ext uri="{FF2B5EF4-FFF2-40B4-BE49-F238E27FC236}">
-                <a16:creationId xmlns:a16="http://schemas.microsoft.com/office/drawing/2014/main" id="{02D33125-B4CD-4ED7-ADE0-EBF9946F163F}"/>
-              </a:ext>
-            </a:extLst>
-          </p:cNvPr>
-          <p:cNvPicPr>
-            <a:picLocks noChangeAspect="1"/>
-          </p:cNvPicPr>
-          <p:nvPr/>
-        </p:nvPicPr>
-        <p:blipFill>
-          <a:blip r:embed="rId3"/>
-          <a:stretch>
-            <a:fillRect/>
-          </a:stretch>
-        </p:blipFill>
-        <p:spPr>
-          <a:xfrm>
-            <a:off x="2940346" y="2546417"/>
-            <a:ext cx="323849" cy="323849"/>
-          </a:xfrm>
-          <a:prstGeom prst="rect">
-            <a:avLst/>
-          </a:prstGeom>
-        </p:spPr>
-      </p:pic>
-      <p:pic>
-        <p:nvPicPr>
-          <p:cNvPr id="22" name="Рисунок 21">
-            <a:extLst>
-              <a:ext uri="{FF2B5EF4-FFF2-40B4-BE49-F238E27FC236}">
-                <a16:creationId xmlns:a16="http://schemas.microsoft.com/office/drawing/2014/main" id="{9DABBED7-940D-4D69-9EF7-F742D29AC1CF}"/>
-              </a:ext>
-            </a:extLst>
-          </p:cNvPr>
-          <p:cNvPicPr>
-            <a:picLocks noChangeAspect="1"/>
-          </p:cNvPicPr>
-          <p:nvPr/>
-        </p:nvPicPr>
-        <p:blipFill>
-          <a:blip r:embed="rId3"/>
-          <a:stretch>
-            <a:fillRect/>
-          </a:stretch>
-        </p:blipFill>
-        <p:spPr>
-          <a:xfrm>
-            <a:off x="4932179" y="2548185"/>
-            <a:ext cx="323849" cy="323849"/>
-          </a:xfrm>
-          <a:prstGeom prst="rect">
-            <a:avLst/>
-          </a:prstGeom>
-        </p:spPr>
-      </p:pic>
-      <p:pic>
-        <p:nvPicPr>
-          <p:cNvPr id="23" name="Рисунок 22">
-            <a:extLst>
-              <a:ext uri="{FF2B5EF4-FFF2-40B4-BE49-F238E27FC236}">
-                <a16:creationId xmlns:a16="http://schemas.microsoft.com/office/drawing/2014/main" id="{19D6856E-CB7C-4A67-92DB-18820F84B18F}"/>
-              </a:ext>
-            </a:extLst>
-          </p:cNvPr>
-          <p:cNvPicPr>
-            <a:picLocks noChangeAspect="1"/>
-          </p:cNvPicPr>
-          <p:nvPr/>
-        </p:nvPicPr>
-        <p:blipFill>
-          <a:blip r:embed="rId3"/>
-          <a:stretch>
-            <a:fillRect/>
-          </a:stretch>
-        </p:blipFill>
-        <p:spPr>
-          <a:xfrm>
-            <a:off x="6924012" y="2546417"/>
-            <a:ext cx="323849" cy="323849"/>
-          </a:xfrm>
-          <a:prstGeom prst="rect">
-            <a:avLst/>
-          </a:prstGeom>
-        </p:spPr>
-      </p:pic>
-      <p:pic>
-        <p:nvPicPr>
-          <p:cNvPr id="24" name="Рисунок 23">
-            <a:extLst>
-              <a:ext uri="{FF2B5EF4-FFF2-40B4-BE49-F238E27FC236}">
-                <a16:creationId xmlns:a16="http://schemas.microsoft.com/office/drawing/2014/main" id="{459C63CC-A6F9-4AE6-802D-F1E17F45CE95}"/>
-              </a:ext>
-            </a:extLst>
-          </p:cNvPr>
-          <p:cNvPicPr>
-            <a:picLocks noChangeAspect="1"/>
-          </p:cNvPicPr>
-          <p:nvPr/>
-        </p:nvPicPr>
-        <p:blipFill>
-          <a:blip r:embed="rId3"/>
-          <a:stretch>
-            <a:fillRect/>
-          </a:stretch>
-        </p:blipFill>
-        <p:spPr>
-          <a:xfrm>
-            <a:off x="10907678" y="2546417"/>
-            <a:ext cx="323849" cy="323849"/>
-          </a:xfrm>
-          <a:prstGeom prst="rect">
-            <a:avLst/>
-          </a:prstGeom>
-        </p:spPr>
-      </p:pic>
-      <p:pic>
-        <p:nvPicPr>
-          <p:cNvPr id="25" name="Рисунок 24">
-            <a:extLst>
-              <a:ext uri="{FF2B5EF4-FFF2-40B4-BE49-F238E27FC236}">
-                <a16:creationId xmlns:a16="http://schemas.microsoft.com/office/drawing/2014/main" id="{949D28E0-607A-4AF0-AD57-EDFF47C2FFA4}"/>
-              </a:ext>
-            </a:extLst>
-          </p:cNvPr>
-          <p:cNvPicPr>
-            <a:picLocks noChangeAspect="1"/>
-          </p:cNvPicPr>
-          <p:nvPr/>
-        </p:nvPicPr>
-        <p:blipFill>
-          <a:blip r:embed="rId3"/>
-          <a:stretch>
-            <a:fillRect/>
-          </a:stretch>
-        </p:blipFill>
-        <p:spPr>
-          <a:xfrm>
-            <a:off x="2940346" y="3267075"/>
-            <a:ext cx="323849" cy="323849"/>
-          </a:xfrm>
-          <a:prstGeom prst="rect">
-            <a:avLst/>
-          </a:prstGeom>
-        </p:spPr>
-      </p:pic>
-      <p:pic>
-        <p:nvPicPr>
-          <p:cNvPr id="26" name="Рисунок 25">
-            <a:extLst>
-              <a:ext uri="{FF2B5EF4-FFF2-40B4-BE49-F238E27FC236}">
-                <a16:creationId xmlns:a16="http://schemas.microsoft.com/office/drawing/2014/main" id="{E3955919-C466-444C-96D6-AC5AC7735F59}"/>
-              </a:ext>
-            </a:extLst>
-          </p:cNvPr>
-          <p:cNvPicPr>
-            <a:picLocks noChangeAspect="1"/>
-          </p:cNvPicPr>
-          <p:nvPr/>
-        </p:nvPicPr>
-        <p:blipFill>
-          <a:blip r:embed="rId3"/>
-          <a:stretch>
-            <a:fillRect/>
-          </a:stretch>
-        </p:blipFill>
-        <p:spPr>
-          <a:xfrm>
-            <a:off x="4932179" y="3267107"/>
-            <a:ext cx="323849" cy="323849"/>
-          </a:xfrm>
-          <a:prstGeom prst="rect">
-            <a:avLst/>
-          </a:prstGeom>
-        </p:spPr>
-      </p:pic>
-      <p:pic>
-        <p:nvPicPr>
-          <p:cNvPr id="27" name="Рисунок 26">
-            <a:extLst>
-              <a:ext uri="{FF2B5EF4-FFF2-40B4-BE49-F238E27FC236}">
-                <a16:creationId xmlns:a16="http://schemas.microsoft.com/office/drawing/2014/main" id="{745924FA-463E-4180-9538-4FCE12B64C4D}"/>
-              </a:ext>
-            </a:extLst>
-          </p:cNvPr>
-          <p:cNvPicPr>
-            <a:picLocks noChangeAspect="1"/>
-          </p:cNvPicPr>
-          <p:nvPr/>
-        </p:nvPicPr>
-        <p:blipFill>
-          <a:blip r:embed="rId3"/>
-          <a:stretch>
-            <a:fillRect/>
-          </a:stretch>
-        </p:blipFill>
-        <p:spPr>
-          <a:xfrm>
-            <a:off x="6924011" y="3270202"/>
-            <a:ext cx="323849" cy="323849"/>
-          </a:xfrm>
-          <a:prstGeom prst="rect">
-            <a:avLst/>
-          </a:prstGeom>
-        </p:spPr>
-      </p:pic>
-      <p:pic>
-        <p:nvPicPr>
-          <p:cNvPr id="28" name="Рисунок 27">
-            <a:extLst>
-              <a:ext uri="{FF2B5EF4-FFF2-40B4-BE49-F238E27FC236}">
-                <a16:creationId xmlns:a16="http://schemas.microsoft.com/office/drawing/2014/main" id="{DAA63FB0-F9CA-4E21-B764-F297065F2C6D}"/>
-              </a:ext>
-            </a:extLst>
-          </p:cNvPr>
-          <p:cNvPicPr>
-            <a:picLocks noChangeAspect="1"/>
-          </p:cNvPicPr>
-          <p:nvPr/>
-        </p:nvPicPr>
-        <p:blipFill>
-          <a:blip r:embed="rId3"/>
-          <a:stretch>
-            <a:fillRect/>
-          </a:stretch>
-        </p:blipFill>
-        <p:spPr>
-          <a:xfrm>
-            <a:off x="10907676" y="3317182"/>
-            <a:ext cx="323849" cy="323849"/>
-          </a:xfrm>
-          <a:prstGeom prst="rect">
-            <a:avLst/>
-          </a:prstGeom>
-        </p:spPr>
-      </p:pic>
-      <p:pic>
-        <p:nvPicPr>
-          <p:cNvPr id="29" name="Рисунок 28">
-            <a:extLst>
-              <a:ext uri="{FF2B5EF4-FFF2-40B4-BE49-F238E27FC236}">
-                <a16:creationId xmlns:a16="http://schemas.microsoft.com/office/drawing/2014/main" id="{BF9FC7D2-0D09-4C25-B186-BD77937C4686}"/>
-              </a:ext>
-            </a:extLst>
-          </p:cNvPr>
-          <p:cNvPicPr>
-            <a:picLocks noChangeAspect="1"/>
-          </p:cNvPicPr>
-          <p:nvPr/>
-        </p:nvPicPr>
-        <p:blipFill>
-          <a:blip r:embed="rId3"/>
-          <a:stretch>
-            <a:fillRect/>
-          </a:stretch>
-        </p:blipFill>
-        <p:spPr>
-          <a:xfrm>
-            <a:off x="10907676" y="3891367"/>
-            <a:ext cx="323849" cy="323849"/>
-          </a:xfrm>
-          <a:prstGeom prst="rect">
-            <a:avLst/>
-          </a:prstGeom>
-        </p:spPr>
-      </p:pic>
-      <p:pic>
-        <p:nvPicPr>
-          <p:cNvPr id="30" name="Рисунок 29">
-            <a:extLst>
-              <a:ext uri="{FF2B5EF4-FFF2-40B4-BE49-F238E27FC236}">
-                <a16:creationId xmlns:a16="http://schemas.microsoft.com/office/drawing/2014/main" id="{B6268BF4-AA9F-4CA5-8207-F7194CBF2D83}"/>
-              </a:ext>
-            </a:extLst>
-          </p:cNvPr>
-          <p:cNvPicPr>
-            <a:picLocks noChangeAspect="1"/>
-          </p:cNvPicPr>
-          <p:nvPr/>
-        </p:nvPicPr>
-        <p:blipFill>
-          <a:blip r:embed="rId3"/>
-          <a:stretch>
-            <a:fillRect/>
-          </a:stretch>
-        </p:blipFill>
-        <p:spPr>
-          <a:xfrm>
-            <a:off x="8927805" y="3891367"/>
-            <a:ext cx="323849" cy="323849"/>
-          </a:xfrm>
-          <a:prstGeom prst="rect">
-            <a:avLst/>
-          </a:prstGeom>
-        </p:spPr>
-      </p:pic>
-      <p:pic>
-        <p:nvPicPr>
-          <p:cNvPr id="31" name="Рисунок 30">
-            <a:extLst>
-              <a:ext uri="{FF2B5EF4-FFF2-40B4-BE49-F238E27FC236}">
-                <a16:creationId xmlns:a16="http://schemas.microsoft.com/office/drawing/2014/main" id="{FB0B3F9A-FB6C-4FA1-BD6D-CA30DADBC369}"/>
-              </a:ext>
-            </a:extLst>
-          </p:cNvPr>
-          <p:cNvPicPr>
-            <a:picLocks noChangeAspect="1"/>
-          </p:cNvPicPr>
-          <p:nvPr/>
-        </p:nvPicPr>
-        <p:blipFill>
-          <a:blip r:embed="rId3"/>
-          <a:stretch>
-            <a:fillRect/>
-          </a:stretch>
-        </p:blipFill>
-        <p:spPr>
-          <a:xfrm>
-            <a:off x="10907676" y="4552342"/>
-            <a:ext cx="323849" cy="323849"/>
-          </a:xfrm>
-          <a:prstGeom prst="rect">
-            <a:avLst/>
-          </a:prstGeom>
-        </p:spPr>
-      </p:pic>
-      <p:pic>
-        <p:nvPicPr>
-          <p:cNvPr id="32" name="Рисунок 31">
-            <a:extLst>
-              <a:ext uri="{FF2B5EF4-FFF2-40B4-BE49-F238E27FC236}">
-                <a16:creationId xmlns:a16="http://schemas.microsoft.com/office/drawing/2014/main" id="{98AB8CA1-053D-46F7-B40F-C07FE217930E}"/>
-              </a:ext>
-            </a:extLst>
-          </p:cNvPr>
-          <p:cNvPicPr>
-            <a:picLocks noChangeAspect="1"/>
-          </p:cNvPicPr>
-          <p:nvPr/>
-        </p:nvPicPr>
-        <p:blipFill>
-          <a:blip r:embed="rId3"/>
-          <a:stretch>
-            <a:fillRect/>
-          </a:stretch>
-        </p:blipFill>
-        <p:spPr>
-          <a:xfrm>
-            <a:off x="10907676" y="5324875"/>
-            <a:ext cx="323849" cy="323849"/>
-          </a:xfrm>
-          <a:prstGeom prst="rect">
-            <a:avLst/>
-          </a:prstGeom>
-        </p:spPr>
-      </p:pic>
-      <p:pic>
-        <p:nvPicPr>
-          <p:cNvPr id="16" name="Рисунок 15">
-            <a:extLst>
-              <a:ext uri="{FF2B5EF4-FFF2-40B4-BE49-F238E27FC236}">
-                <a16:creationId xmlns:a16="http://schemas.microsoft.com/office/drawing/2014/main" id="{8088D87B-8A07-42D4-8F38-E0B3AE95FA00}"/>
-              </a:ext>
-            </a:extLst>
-          </p:cNvPr>
-          <p:cNvPicPr>
-            <a:picLocks noChangeAspect="1"/>
-          </p:cNvPicPr>
-          <p:nvPr/>
-        </p:nvPicPr>
-        <p:blipFill>
-          <a:blip r:embed="rId4"/>
-          <a:stretch>
-            <a:fillRect/>
-          </a:stretch>
-        </p:blipFill>
-        <p:spPr>
-          <a:xfrm>
-            <a:off x="2920087" y="3871108"/>
-            <a:ext cx="344108" cy="344108"/>
-          </a:xfrm>
-          <a:prstGeom prst="rect">
-            <a:avLst/>
-          </a:prstGeom>
-        </p:spPr>
-      </p:pic>
-      <p:pic>
-        <p:nvPicPr>
-          <p:cNvPr id="36" name="Рисунок 35">
-            <a:extLst>
-              <a:ext uri="{FF2B5EF4-FFF2-40B4-BE49-F238E27FC236}">
-                <a16:creationId xmlns:a16="http://schemas.microsoft.com/office/drawing/2014/main" id="{B3954F2E-4E73-4A31-B756-1AD758D2E362}"/>
-              </a:ext>
-            </a:extLst>
-          </p:cNvPr>
-          <p:cNvPicPr>
-            <a:picLocks noChangeAspect="1"/>
-          </p:cNvPicPr>
-          <p:nvPr/>
-        </p:nvPicPr>
-        <p:blipFill>
-          <a:blip r:embed="rId4"/>
-          <a:stretch>
-            <a:fillRect/>
-          </a:stretch>
-        </p:blipFill>
-        <p:spPr>
-          <a:xfrm>
-            <a:off x="4911920" y="3867958"/>
-            <a:ext cx="344108" cy="344108"/>
-          </a:xfrm>
-          <a:prstGeom prst="rect">
-            <a:avLst/>
-          </a:prstGeom>
-        </p:spPr>
-      </p:pic>
-      <p:pic>
-        <p:nvPicPr>
-          <p:cNvPr id="37" name="Рисунок 36">
-            <a:extLst>
-              <a:ext uri="{FF2B5EF4-FFF2-40B4-BE49-F238E27FC236}">
-                <a16:creationId xmlns:a16="http://schemas.microsoft.com/office/drawing/2014/main" id="{8FFC6610-E1A3-45A8-85D0-F2C2C9168C4A}"/>
-              </a:ext>
-            </a:extLst>
-          </p:cNvPr>
-          <p:cNvPicPr>
-            <a:picLocks noChangeAspect="1"/>
-          </p:cNvPicPr>
-          <p:nvPr/>
-        </p:nvPicPr>
-        <p:blipFill>
-          <a:blip r:embed="rId4"/>
-          <a:stretch>
-            <a:fillRect/>
-          </a:stretch>
-        </p:blipFill>
-        <p:spPr>
-          <a:xfrm>
-            <a:off x="2920087" y="4532083"/>
-            <a:ext cx="344108" cy="344108"/>
-          </a:xfrm>
-          <a:prstGeom prst="rect">
-            <a:avLst/>
-          </a:prstGeom>
-        </p:spPr>
-      </p:pic>
-      <p:pic>
-        <p:nvPicPr>
-          <p:cNvPr id="38" name="Рисунок 37">
-            <a:extLst>
-              <a:ext uri="{FF2B5EF4-FFF2-40B4-BE49-F238E27FC236}">
-                <a16:creationId xmlns:a16="http://schemas.microsoft.com/office/drawing/2014/main" id="{4F47C28A-BD98-4A83-8D1F-E11043AA1654}"/>
-              </a:ext>
-            </a:extLst>
-          </p:cNvPr>
-          <p:cNvPicPr>
-            <a:picLocks noChangeAspect="1"/>
-          </p:cNvPicPr>
-          <p:nvPr/>
-        </p:nvPicPr>
-        <p:blipFill>
-          <a:blip r:embed="rId4"/>
-          <a:stretch>
-            <a:fillRect/>
-          </a:stretch>
-        </p:blipFill>
-        <p:spPr>
-          <a:xfrm>
-            <a:off x="2920087" y="5304616"/>
-            <a:ext cx="344108" cy="344108"/>
-          </a:xfrm>
-          <a:prstGeom prst="rect">
-            <a:avLst/>
-          </a:prstGeom>
-        </p:spPr>
-      </p:pic>
-      <p:pic>
-        <p:nvPicPr>
-          <p:cNvPr id="39" name="Рисунок 38">
-            <a:extLst>
-              <a:ext uri="{FF2B5EF4-FFF2-40B4-BE49-F238E27FC236}">
-                <a16:creationId xmlns:a16="http://schemas.microsoft.com/office/drawing/2014/main" id="{53B8F603-56AC-4BDC-8E9F-AEACAA289638}"/>
-              </a:ext>
-            </a:extLst>
-          </p:cNvPr>
-          <p:cNvPicPr>
-            <a:picLocks noChangeAspect="1"/>
-          </p:cNvPicPr>
-          <p:nvPr/>
-        </p:nvPicPr>
-        <p:blipFill>
-          <a:blip r:embed="rId4"/>
-          <a:stretch>
-            <a:fillRect/>
-          </a:stretch>
-        </p:blipFill>
-        <p:spPr>
-          <a:xfrm>
-            <a:off x="4922049" y="4530048"/>
-            <a:ext cx="344108" cy="344108"/>
-          </a:xfrm>
-          <a:prstGeom prst="rect">
-            <a:avLst/>
-          </a:prstGeom>
-        </p:spPr>
-      </p:pic>
-      <p:pic>
-        <p:nvPicPr>
-          <p:cNvPr id="40" name="Рисунок 39">
-            <a:extLst>
-              <a:ext uri="{FF2B5EF4-FFF2-40B4-BE49-F238E27FC236}">
-                <a16:creationId xmlns:a16="http://schemas.microsoft.com/office/drawing/2014/main" id="{19743ED9-56FE-4829-BD05-E91BFACA935C}"/>
-              </a:ext>
-            </a:extLst>
-          </p:cNvPr>
-          <p:cNvPicPr>
-            <a:picLocks noChangeAspect="1"/>
-          </p:cNvPicPr>
-          <p:nvPr/>
-        </p:nvPicPr>
-        <p:blipFill>
-          <a:blip r:embed="rId4"/>
-          <a:stretch>
-            <a:fillRect/>
-          </a:stretch>
-        </p:blipFill>
-        <p:spPr>
-          <a:xfrm>
-            <a:off x="4922049" y="5258910"/>
-            <a:ext cx="344108" cy="344108"/>
-          </a:xfrm>
-          <a:prstGeom prst="rect">
-            <a:avLst/>
-          </a:prstGeom>
-        </p:spPr>
-      </p:pic>
-      <p:pic>
-        <p:nvPicPr>
-          <p:cNvPr id="41" name="Рисунок 40">
-            <a:extLst>
-              <a:ext uri="{FF2B5EF4-FFF2-40B4-BE49-F238E27FC236}">
-                <a16:creationId xmlns:a16="http://schemas.microsoft.com/office/drawing/2014/main" id="{06D69F72-3C7E-41ED-987C-5CB4781F3FA6}"/>
-              </a:ext>
-            </a:extLst>
-          </p:cNvPr>
-          <p:cNvPicPr>
-            <a:picLocks noChangeAspect="1"/>
-          </p:cNvPicPr>
-          <p:nvPr/>
-        </p:nvPicPr>
-        <p:blipFill>
-          <a:blip r:embed="rId4"/>
-          <a:stretch>
-            <a:fillRect/>
-          </a:stretch>
-        </p:blipFill>
-        <p:spPr>
-          <a:xfrm>
-            <a:off x="8905715" y="2536287"/>
-            <a:ext cx="344108" cy="344108"/>
-          </a:xfrm>
-          <a:prstGeom prst="rect">
-            <a:avLst/>
-          </a:prstGeom>
-        </p:spPr>
-      </p:pic>
-      <p:pic>
-        <p:nvPicPr>
-          <p:cNvPr id="42" name="Рисунок 41">
-            <a:extLst>
-              <a:ext uri="{FF2B5EF4-FFF2-40B4-BE49-F238E27FC236}">
-                <a16:creationId xmlns:a16="http://schemas.microsoft.com/office/drawing/2014/main" id="{6C91ADDC-5C76-4A3D-A4DF-B4054C6C9766}"/>
-              </a:ext>
-            </a:extLst>
-          </p:cNvPr>
-          <p:cNvPicPr>
-            <a:picLocks noChangeAspect="1"/>
-          </p:cNvPicPr>
-          <p:nvPr/>
-        </p:nvPicPr>
-        <p:blipFill>
-          <a:blip r:embed="rId4"/>
-          <a:stretch>
-            <a:fillRect/>
-          </a:stretch>
-        </p:blipFill>
-        <p:spPr>
-          <a:xfrm>
-            <a:off x="8927805" y="3260166"/>
-            <a:ext cx="344108" cy="344108"/>
-          </a:xfrm>
-          <a:prstGeom prst="rect">
-            <a:avLst/>
-          </a:prstGeom>
-        </p:spPr>
-      </p:pic>
-      <p:pic>
-        <p:nvPicPr>
-          <p:cNvPr id="43" name="Рисунок 42">
-            <a:extLst>
-              <a:ext uri="{FF2B5EF4-FFF2-40B4-BE49-F238E27FC236}">
-                <a16:creationId xmlns:a16="http://schemas.microsoft.com/office/drawing/2014/main" id="{B29EED49-E83B-493E-8936-55C6149F4DC0}"/>
-              </a:ext>
-            </a:extLst>
-          </p:cNvPr>
-          <p:cNvPicPr>
-            <a:picLocks noChangeAspect="1"/>
-          </p:cNvPicPr>
-          <p:nvPr/>
-        </p:nvPicPr>
-        <p:blipFill>
-          <a:blip r:embed="rId4"/>
-          <a:stretch>
-            <a:fillRect/>
-          </a:stretch>
-        </p:blipFill>
-        <p:spPr>
-          <a:xfrm>
-            <a:off x="6913530" y="3867958"/>
-            <a:ext cx="344108" cy="344108"/>
-          </a:xfrm>
-          <a:prstGeom prst="rect">
-            <a:avLst/>
-          </a:prstGeom>
-        </p:spPr>
-      </p:pic>
-      <p:pic>
-        <p:nvPicPr>
-          <p:cNvPr id="44" name="Рисунок 43">
-            <a:extLst>
-              <a:ext uri="{FF2B5EF4-FFF2-40B4-BE49-F238E27FC236}">
-                <a16:creationId xmlns:a16="http://schemas.microsoft.com/office/drawing/2014/main" id="{E743BAA9-A2AC-4611-83B4-9744EDF70DA7}"/>
-              </a:ext>
-            </a:extLst>
-          </p:cNvPr>
-          <p:cNvPicPr>
-            <a:picLocks noChangeAspect="1"/>
-          </p:cNvPicPr>
-          <p:nvPr/>
-        </p:nvPicPr>
-        <p:blipFill>
-          <a:blip r:embed="rId4"/>
-          <a:stretch>
-            <a:fillRect/>
-          </a:stretch>
-        </p:blipFill>
-        <p:spPr>
-          <a:xfrm>
-            <a:off x="6924011" y="4528013"/>
-            <a:ext cx="344108" cy="344108"/>
-          </a:xfrm>
-          <a:prstGeom prst="rect">
-            <a:avLst/>
-          </a:prstGeom>
-        </p:spPr>
-      </p:pic>
-      <p:pic>
-        <p:nvPicPr>
-          <p:cNvPr id="45" name="Рисунок 44">
-            <a:extLst>
-              <a:ext uri="{FF2B5EF4-FFF2-40B4-BE49-F238E27FC236}">
-                <a16:creationId xmlns:a16="http://schemas.microsoft.com/office/drawing/2014/main" id="{5E3F2F58-62BA-4A3E-A2AB-E1EBEE063EE7}"/>
-              </a:ext>
-            </a:extLst>
-          </p:cNvPr>
-          <p:cNvPicPr>
-            <a:picLocks noChangeAspect="1"/>
-          </p:cNvPicPr>
-          <p:nvPr/>
-        </p:nvPicPr>
-        <p:blipFill>
-          <a:blip r:embed="rId4"/>
-          <a:stretch>
-            <a:fillRect/>
-          </a:stretch>
-        </p:blipFill>
-        <p:spPr>
-          <a:xfrm>
-            <a:off x="6922245" y="5304616"/>
-            <a:ext cx="344108" cy="344108"/>
-          </a:xfrm>
-          <a:prstGeom prst="rect">
-            <a:avLst/>
-          </a:prstGeom>
-        </p:spPr>
-      </p:pic>
-      <p:pic>
-        <p:nvPicPr>
-          <p:cNvPr id="46" name="Рисунок 45">
-            <a:extLst>
-              <a:ext uri="{FF2B5EF4-FFF2-40B4-BE49-F238E27FC236}">
-                <a16:creationId xmlns:a16="http://schemas.microsoft.com/office/drawing/2014/main" id="{BB320EB5-618B-440F-AD8C-33EDA8CEB4A1}"/>
-              </a:ext>
-            </a:extLst>
-          </p:cNvPr>
-          <p:cNvPicPr>
-            <a:picLocks noChangeAspect="1"/>
-          </p:cNvPicPr>
-          <p:nvPr/>
-        </p:nvPicPr>
-        <p:blipFill>
-          <a:blip r:embed="rId4"/>
-          <a:stretch>
-            <a:fillRect/>
-          </a:stretch>
-        </p:blipFill>
-        <p:spPr>
-          <a:xfrm>
-            <a:off x="8927805" y="5314745"/>
-            <a:ext cx="344108" cy="344108"/>
-          </a:xfrm>
-          <a:prstGeom prst="rect">
-            <a:avLst/>
-          </a:prstGeom>
-        </p:spPr>
-      </p:pic>
-      <p:pic>
-        <p:nvPicPr>
-          <p:cNvPr id="47" name="Рисунок 46">
-            <a:extLst>
-              <a:ext uri="{FF2B5EF4-FFF2-40B4-BE49-F238E27FC236}">
-                <a16:creationId xmlns:a16="http://schemas.microsoft.com/office/drawing/2014/main" id="{AD2875C0-CC42-42C9-8316-3C59FB4F5E27}"/>
-              </a:ext>
-            </a:extLst>
-          </p:cNvPr>
-          <p:cNvPicPr>
-            <a:picLocks noChangeAspect="1"/>
-          </p:cNvPicPr>
-          <p:nvPr/>
-        </p:nvPicPr>
-        <p:blipFill>
-          <a:blip r:embed="rId4"/>
-          <a:stretch>
-            <a:fillRect/>
-          </a:stretch>
-        </p:blipFill>
-        <p:spPr>
-          <a:xfrm>
-            <a:off x="8925973" y="4502309"/>
-            <a:ext cx="344108" cy="344108"/>
-          </a:xfrm>
-          <a:prstGeom prst="rect">
-            <a:avLst/>
-          </a:prstGeom>
-        </p:spPr>
-      </p:pic>
-      <p:pic>
-        <p:nvPicPr>
-          <p:cNvPr id="48" name="Рисунок 47">
-            <a:extLst>
-              <a:ext uri="{FF2B5EF4-FFF2-40B4-BE49-F238E27FC236}">
-                <a16:creationId xmlns:a16="http://schemas.microsoft.com/office/drawing/2014/main" id="{083C57C1-7CE2-422F-AB85-C97EA3F0FF1F}"/>
-              </a:ext>
-            </a:extLst>
-          </p:cNvPr>
-          <p:cNvPicPr>
-            <a:picLocks noChangeAspect="1"/>
-          </p:cNvPicPr>
-          <p:nvPr/>
-        </p:nvPicPr>
-        <p:blipFill>
-          <a:blip r:embed="rId4"/>
-          <a:stretch>
-            <a:fillRect/>
-          </a:stretch>
-        </p:blipFill>
-        <p:spPr>
-          <a:xfrm>
-            <a:off x="10887417" y="1825696"/>
-            <a:ext cx="344108" cy="344108"/>
-          </a:xfrm>
-          <a:prstGeom prst="rect">
-            <a:avLst/>
-          </a:prstGeom>
-        </p:spPr>
-      </p:pic>
+      <p:graphicFrame>
+        <p:nvGraphicFramePr>
+          <p:cNvPr id="6" name="Диаграмма 5">
+            <a:extLst>
+              <a:ext uri="{FF2B5EF4-FFF2-40B4-BE49-F238E27FC236}">
+                <a16:creationId xmlns:a16="http://schemas.microsoft.com/office/drawing/2014/main" id="{F6B3CFDD-39BB-4DE9-870E-B1CE6DE02B27}"/>
+              </a:ext>
+            </a:extLst>
+          </p:cNvPr>
+          <p:cNvGraphicFramePr/>
+          <p:nvPr>
+            <p:extLst>
+              <p:ext uri="{D42A27DB-BD31-4B8C-83A1-F6EECF244321}">
+                <p14:modId xmlns:p14="http://schemas.microsoft.com/office/powerpoint/2010/main" val="455810830"/>
+              </p:ext>
+            </p:extLst>
+          </p:nvPr>
+        </p:nvGraphicFramePr>
+        <p:xfrm>
+          <a:off x="1153475" y="866274"/>
+          <a:ext cx="9885050" cy="5529475"/>
+        </p:xfrm>
+        <a:graphic>
+          <a:graphicData uri="http://schemas.openxmlformats.org/drawingml/2006/chart">
+            <c:chart xmlns:c="http://schemas.openxmlformats.org/drawingml/2006/chart" xmlns:r="http://schemas.openxmlformats.org/officeDocument/2006/relationships" r:id="rId2"/>
+          </a:graphicData>
+        </a:graphic>
+      </p:graphicFrame>
     </p:spTree>
     <p:extLst>
       <p:ext uri="{BB962C8B-B14F-4D97-AF65-F5344CB8AC3E}">
-        <p14:creationId xmlns:p14="http://schemas.microsoft.com/office/powerpoint/2010/main" val="885246336"/>
+        <p14:creationId xmlns:p14="http://schemas.microsoft.com/office/powerpoint/2010/main" val="2662021203"/>
       </p:ext>
     </p:extLst>
   </p:cSld>
@@ -12263,8 +11782,8 @@
         </p:nvSpPr>
         <p:spPr>
           <a:xfrm>
-            <a:off x="130844" y="-545434"/>
-            <a:ext cx="11930312" cy="1684580"/>
+            <a:off x="-123324" y="-593558"/>
+            <a:ext cx="12438647" cy="1684580"/>
           </a:xfrm>
         </p:spPr>
         <p:txBody>
@@ -12278,7 +11797,7 @@
                 </a:solidFill>
                 <a:latin typeface="Montserrat" panose="00000500000000000000" pitchFamily="2" charset="-52"/>
               </a:rPr>
-              <a:t>Используемые технологии</a:t>
+              <a:t>Конкурентное преимущество</a:t>
             </a:r>
           </a:p>
         </p:txBody>
@@ -12288,7 +11807,7 @@
           <p:cNvPr id="3" name="Номер слайда 7">
             <a:extLst>
               <a:ext uri="{FF2B5EF4-FFF2-40B4-BE49-F238E27FC236}">
-                <a16:creationId xmlns:a16="http://schemas.microsoft.com/office/drawing/2014/main" id="{4C1D3915-BD64-4791-AC36-CAD321CE6D19}"/>
+                <a16:creationId xmlns:a16="http://schemas.microsoft.com/office/drawing/2014/main" id="{BBA5FE48-99C5-4F2B-A2B1-B6B591F36FDD}"/>
               </a:ext>
             </a:extLst>
           </p:cNvPr>
@@ -12299,7 +11818,7 @@
         </p:nvSpPr>
         <p:spPr>
           <a:xfrm>
-            <a:off x="11648933" y="6246368"/>
+            <a:off x="11629883" y="6227318"/>
             <a:ext cx="2743200" cy="365125"/>
           </a:xfrm>
           <a:prstGeom prst="rect">
@@ -12419,15 +11938,15 @@
       </p:sp>
       <p:pic>
         <p:nvPicPr>
-          <p:cNvPr id="1026" name="Picture 2" descr="Picture background">
-            <a:extLst>
-              <a:ext uri="{FF2B5EF4-FFF2-40B4-BE49-F238E27FC236}">
-                <a16:creationId xmlns:a16="http://schemas.microsoft.com/office/drawing/2014/main" id="{CA7DF774-E218-4211-9FE6-A456BE1FA0F4}"/>
+          <p:cNvPr id="12" name="Рисунок 11">
+            <a:extLst>
+              <a:ext uri="{FF2B5EF4-FFF2-40B4-BE49-F238E27FC236}">
+                <a16:creationId xmlns:a16="http://schemas.microsoft.com/office/drawing/2014/main" id="{28465D31-17D8-432F-BF72-53314CD26CBF}"/>
               </a:ext>
             </a:extLst>
           </p:cNvPr>
           <p:cNvPicPr>
-            <a:picLocks noChangeAspect="1" noChangeArrowheads="1"/>
+            <a:picLocks noChangeAspect="1"/>
           </p:cNvPicPr>
           <p:nvPr/>
         </p:nvPicPr>
@@ -12439,223 +11958,924 @@
               </a:ext>
             </a:extLst>
           </a:blip>
-          <a:srcRect/>
           <a:stretch>
             <a:fillRect/>
           </a:stretch>
         </p:blipFill>
-        <p:spPr bwMode="auto">
-          <a:xfrm>
-            <a:off x="-18128" y="1656783"/>
-            <a:ext cx="3508649" cy="1973615"/>
+        <p:spPr>
+          <a:xfrm>
+            <a:off x="133349" y="1311257"/>
+            <a:ext cx="11925300" cy="4695825"/>
           </a:xfrm>
           <a:prstGeom prst="rect">
             <a:avLst/>
           </a:prstGeom>
-          <a:noFill/>
-          <a:extLst>
-            <a:ext uri="{909E8E84-426E-40DD-AFC4-6F175D3DCCD1}">
-              <a14:hiddenFill xmlns:a14="http://schemas.microsoft.com/office/drawing/2010/main">
-                <a:solidFill>
-                  <a:srgbClr val="FFFFFF"/>
-                </a:solidFill>
-              </a14:hiddenFill>
-            </a:ext>
-          </a:extLst>
         </p:spPr>
       </p:pic>
       <p:pic>
         <p:nvPicPr>
-          <p:cNvPr id="1030" name="Picture 6" descr="Picture background">
-            <a:extLst>
-              <a:ext uri="{FF2B5EF4-FFF2-40B4-BE49-F238E27FC236}">
-                <a16:creationId xmlns:a16="http://schemas.microsoft.com/office/drawing/2014/main" id="{F6718C5E-E2D3-4E43-95F9-5B0D000A7A9D}"/>
+          <p:cNvPr id="14" name="Рисунок 13">
+            <a:extLst>
+              <a:ext uri="{FF2B5EF4-FFF2-40B4-BE49-F238E27FC236}">
+                <a16:creationId xmlns:a16="http://schemas.microsoft.com/office/drawing/2014/main" id="{1696D0CD-718F-420C-BFF8-971BA4076121}"/>
               </a:ext>
             </a:extLst>
           </p:cNvPr>
           <p:cNvPicPr>
-            <a:picLocks noChangeAspect="1" noChangeArrowheads="1"/>
+            <a:picLocks noChangeAspect="1"/>
           </p:cNvPicPr>
           <p:nvPr/>
         </p:nvPicPr>
         <p:blipFill>
-          <a:blip r:embed="rId3">
-            <a:extLst>
-              <a:ext uri="{28A0092B-C50C-407E-A947-70E740481C1C}">
-                <a14:useLocalDpi xmlns:a14="http://schemas.microsoft.com/office/drawing/2010/main" val="0"/>
-              </a:ext>
-            </a:extLst>
-          </a:blip>
-          <a:srcRect/>
+          <a:blip r:embed="rId3"/>
           <a:stretch>
             <a:fillRect/>
           </a:stretch>
         </p:blipFill>
-        <p:spPr bwMode="auto">
-          <a:xfrm>
-            <a:off x="9065996" y="1479427"/>
-            <a:ext cx="2384378" cy="2328326"/>
+        <p:spPr>
+          <a:xfrm>
+            <a:off x="2940346" y="1825698"/>
+            <a:ext cx="323849" cy="323849"/>
           </a:xfrm>
           <a:prstGeom prst="rect">
             <a:avLst/>
           </a:prstGeom>
-          <a:noFill/>
-          <a:extLst>
-            <a:ext uri="{909E8E84-426E-40DD-AFC4-6F175D3DCCD1}">
-              <a14:hiddenFill xmlns:a14="http://schemas.microsoft.com/office/drawing/2010/main">
-                <a:solidFill>
-                  <a:srgbClr val="FFFFFF"/>
-                </a:solidFill>
-              </a14:hiddenFill>
-            </a:ext>
-          </a:extLst>
         </p:spPr>
       </p:pic>
       <p:pic>
         <p:nvPicPr>
-          <p:cNvPr id="1032" name="Picture 8" descr="Picture background">
-            <a:extLst>
-              <a:ext uri="{FF2B5EF4-FFF2-40B4-BE49-F238E27FC236}">
-                <a16:creationId xmlns:a16="http://schemas.microsoft.com/office/drawing/2014/main" id="{5975483C-B045-4A5F-B203-639A10CDB92D}"/>
+          <p:cNvPr id="18" name="Рисунок 17">
+            <a:extLst>
+              <a:ext uri="{FF2B5EF4-FFF2-40B4-BE49-F238E27FC236}">
+                <a16:creationId xmlns:a16="http://schemas.microsoft.com/office/drawing/2014/main" id="{86F486B7-E542-4A9A-987D-B3DA2511A8B0}"/>
               </a:ext>
             </a:extLst>
           </p:cNvPr>
           <p:cNvPicPr>
-            <a:picLocks noChangeAspect="1" noChangeArrowheads="1"/>
+            <a:picLocks noChangeAspect="1"/>
           </p:cNvPicPr>
           <p:nvPr/>
         </p:nvPicPr>
         <p:blipFill>
-          <a:blip r:embed="rId4">
-            <a:extLst>
-              <a:ext uri="{28A0092B-C50C-407E-A947-70E740481C1C}">
-                <a14:useLocalDpi xmlns:a14="http://schemas.microsoft.com/office/drawing/2010/main" val="0"/>
-              </a:ext>
-            </a:extLst>
-          </a:blip>
-          <a:srcRect/>
+          <a:blip r:embed="rId3"/>
           <a:stretch>
             <a:fillRect/>
           </a:stretch>
         </p:blipFill>
-        <p:spPr bwMode="auto">
-          <a:xfrm>
-            <a:off x="4535755" y="1333675"/>
-            <a:ext cx="2726339" cy="3064736"/>
+        <p:spPr>
+          <a:xfrm>
+            <a:off x="4932179" y="1825697"/>
+            <a:ext cx="323849" cy="323849"/>
           </a:xfrm>
           <a:prstGeom prst="rect">
             <a:avLst/>
           </a:prstGeom>
-          <a:noFill/>
-          <a:extLst>
-            <a:ext uri="{909E8E84-426E-40DD-AFC4-6F175D3DCCD1}">
-              <a14:hiddenFill xmlns:a14="http://schemas.microsoft.com/office/drawing/2010/main">
-                <a:solidFill>
-                  <a:srgbClr val="FFFFFF"/>
-                </a:solidFill>
-              </a14:hiddenFill>
-            </a:ext>
-          </a:extLst>
         </p:spPr>
       </p:pic>
       <p:pic>
         <p:nvPicPr>
-          <p:cNvPr id="1034" name="Picture 10" descr="Picture background">
-            <a:extLst>
-              <a:ext uri="{FF2B5EF4-FFF2-40B4-BE49-F238E27FC236}">
-                <a16:creationId xmlns:a16="http://schemas.microsoft.com/office/drawing/2014/main" id="{9E8B274A-97F2-4BC8-B4DD-63F92C792309}"/>
+          <p:cNvPr id="19" name="Рисунок 18">
+            <a:extLst>
+              <a:ext uri="{FF2B5EF4-FFF2-40B4-BE49-F238E27FC236}">
+                <a16:creationId xmlns:a16="http://schemas.microsoft.com/office/drawing/2014/main" id="{451FB53C-3BCB-4DFD-B185-DAA02EAC7536}"/>
               </a:ext>
             </a:extLst>
           </p:cNvPr>
           <p:cNvPicPr>
-            <a:picLocks noChangeAspect="1" noChangeArrowheads="1"/>
+            <a:picLocks noChangeAspect="1"/>
           </p:cNvPicPr>
           <p:nvPr/>
         </p:nvPicPr>
         <p:blipFill>
-          <a:blip r:embed="rId5">
-            <a:extLst>
-              <a:ext uri="{28A0092B-C50C-407E-A947-70E740481C1C}">
-                <a14:useLocalDpi xmlns:a14="http://schemas.microsoft.com/office/drawing/2010/main" val="0"/>
-              </a:ext>
-            </a:extLst>
-          </a:blip>
-          <a:srcRect/>
+          <a:blip r:embed="rId3"/>
           <a:stretch>
             <a:fillRect/>
           </a:stretch>
         </p:blipFill>
-        <p:spPr bwMode="auto">
-          <a:xfrm>
-            <a:off x="432713" y="4621905"/>
-            <a:ext cx="6115616" cy="1158623"/>
+        <p:spPr>
+          <a:xfrm>
+            <a:off x="6923659" y="1825696"/>
+            <a:ext cx="323849" cy="323849"/>
           </a:xfrm>
           <a:prstGeom prst="rect">
             <a:avLst/>
           </a:prstGeom>
-          <a:noFill/>
-          <a:extLst>
-            <a:ext uri="{909E8E84-426E-40DD-AFC4-6F175D3DCCD1}">
-              <a14:hiddenFill xmlns:a14="http://schemas.microsoft.com/office/drawing/2010/main">
-                <a:solidFill>
-                  <a:srgbClr val="FFFFFF"/>
-                </a:solidFill>
-              </a14:hiddenFill>
-            </a:ext>
-          </a:extLst>
         </p:spPr>
       </p:pic>
       <p:pic>
         <p:nvPicPr>
-          <p:cNvPr id="1036" name="Picture 12" descr="Picture background">
-            <a:extLst>
-              <a:ext uri="{FF2B5EF4-FFF2-40B4-BE49-F238E27FC236}">
-                <a16:creationId xmlns:a16="http://schemas.microsoft.com/office/drawing/2014/main" id="{BC109745-4A0A-44D0-9151-431A744D75A1}"/>
+          <p:cNvPr id="20" name="Рисунок 19">
+            <a:extLst>
+              <a:ext uri="{FF2B5EF4-FFF2-40B4-BE49-F238E27FC236}">
+                <a16:creationId xmlns:a16="http://schemas.microsoft.com/office/drawing/2014/main" id="{37EFEB9D-7E50-406D-8A59-65A78BFAA7FC}"/>
               </a:ext>
             </a:extLst>
           </p:cNvPr>
           <p:cNvPicPr>
-            <a:picLocks noChangeAspect="1" noChangeArrowheads="1"/>
+            <a:picLocks noChangeAspect="1"/>
           </p:cNvPicPr>
           <p:nvPr/>
         </p:nvPicPr>
         <p:blipFill>
-          <a:blip r:embed="rId6">
-            <a:extLst>
-              <a:ext uri="{28A0092B-C50C-407E-A947-70E740481C1C}">
-                <a14:useLocalDpi xmlns:a14="http://schemas.microsoft.com/office/drawing/2010/main" val="0"/>
-              </a:ext>
-            </a:extLst>
-          </a:blip>
-          <a:srcRect/>
+          <a:blip r:embed="rId3"/>
           <a:stretch>
             <a:fillRect/>
           </a:stretch>
         </p:blipFill>
-        <p:spPr bwMode="auto">
-          <a:xfrm>
-            <a:off x="7262094" y="4254741"/>
-            <a:ext cx="3607805" cy="1892950"/>
+        <p:spPr>
+          <a:xfrm>
+            <a:off x="8927805" y="1825696"/>
+            <a:ext cx="323849" cy="323849"/>
           </a:xfrm>
           <a:prstGeom prst="rect">
             <a:avLst/>
           </a:prstGeom>
-          <a:noFill/>
-          <a:extLst>
-            <a:ext uri="{909E8E84-426E-40DD-AFC4-6F175D3DCCD1}">
-              <a14:hiddenFill xmlns:a14="http://schemas.microsoft.com/office/drawing/2010/main">
-                <a:solidFill>
-                  <a:srgbClr val="FFFFFF"/>
-                </a:solidFill>
-              </a14:hiddenFill>
-            </a:ext>
-          </a:extLst>
+        </p:spPr>
+      </p:pic>
+      <p:pic>
+        <p:nvPicPr>
+          <p:cNvPr id="21" name="Рисунок 20">
+            <a:extLst>
+              <a:ext uri="{FF2B5EF4-FFF2-40B4-BE49-F238E27FC236}">
+                <a16:creationId xmlns:a16="http://schemas.microsoft.com/office/drawing/2014/main" id="{02D33125-B4CD-4ED7-ADE0-EBF9946F163F}"/>
+              </a:ext>
+            </a:extLst>
+          </p:cNvPr>
+          <p:cNvPicPr>
+            <a:picLocks noChangeAspect="1"/>
+          </p:cNvPicPr>
+          <p:nvPr/>
+        </p:nvPicPr>
+        <p:blipFill>
+          <a:blip r:embed="rId3"/>
+          <a:stretch>
+            <a:fillRect/>
+          </a:stretch>
+        </p:blipFill>
+        <p:spPr>
+          <a:xfrm>
+            <a:off x="2940346" y="2546417"/>
+            <a:ext cx="323849" cy="323849"/>
+          </a:xfrm>
+          <a:prstGeom prst="rect">
+            <a:avLst/>
+          </a:prstGeom>
+        </p:spPr>
+      </p:pic>
+      <p:pic>
+        <p:nvPicPr>
+          <p:cNvPr id="22" name="Рисунок 21">
+            <a:extLst>
+              <a:ext uri="{FF2B5EF4-FFF2-40B4-BE49-F238E27FC236}">
+                <a16:creationId xmlns:a16="http://schemas.microsoft.com/office/drawing/2014/main" id="{9DABBED7-940D-4D69-9EF7-F742D29AC1CF}"/>
+              </a:ext>
+            </a:extLst>
+          </p:cNvPr>
+          <p:cNvPicPr>
+            <a:picLocks noChangeAspect="1"/>
+          </p:cNvPicPr>
+          <p:nvPr/>
+        </p:nvPicPr>
+        <p:blipFill>
+          <a:blip r:embed="rId3"/>
+          <a:stretch>
+            <a:fillRect/>
+          </a:stretch>
+        </p:blipFill>
+        <p:spPr>
+          <a:xfrm>
+            <a:off x="4932179" y="2548185"/>
+            <a:ext cx="323849" cy="323849"/>
+          </a:xfrm>
+          <a:prstGeom prst="rect">
+            <a:avLst/>
+          </a:prstGeom>
+        </p:spPr>
+      </p:pic>
+      <p:pic>
+        <p:nvPicPr>
+          <p:cNvPr id="23" name="Рисунок 22">
+            <a:extLst>
+              <a:ext uri="{FF2B5EF4-FFF2-40B4-BE49-F238E27FC236}">
+                <a16:creationId xmlns:a16="http://schemas.microsoft.com/office/drawing/2014/main" id="{19D6856E-CB7C-4A67-92DB-18820F84B18F}"/>
+              </a:ext>
+            </a:extLst>
+          </p:cNvPr>
+          <p:cNvPicPr>
+            <a:picLocks noChangeAspect="1"/>
+          </p:cNvPicPr>
+          <p:nvPr/>
+        </p:nvPicPr>
+        <p:blipFill>
+          <a:blip r:embed="rId3"/>
+          <a:stretch>
+            <a:fillRect/>
+          </a:stretch>
+        </p:blipFill>
+        <p:spPr>
+          <a:xfrm>
+            <a:off x="6924012" y="2546417"/>
+            <a:ext cx="323849" cy="323849"/>
+          </a:xfrm>
+          <a:prstGeom prst="rect">
+            <a:avLst/>
+          </a:prstGeom>
+        </p:spPr>
+      </p:pic>
+      <p:pic>
+        <p:nvPicPr>
+          <p:cNvPr id="24" name="Рисунок 23">
+            <a:extLst>
+              <a:ext uri="{FF2B5EF4-FFF2-40B4-BE49-F238E27FC236}">
+                <a16:creationId xmlns:a16="http://schemas.microsoft.com/office/drawing/2014/main" id="{459C63CC-A6F9-4AE6-802D-F1E17F45CE95}"/>
+              </a:ext>
+            </a:extLst>
+          </p:cNvPr>
+          <p:cNvPicPr>
+            <a:picLocks noChangeAspect="1"/>
+          </p:cNvPicPr>
+          <p:nvPr/>
+        </p:nvPicPr>
+        <p:blipFill>
+          <a:blip r:embed="rId3"/>
+          <a:stretch>
+            <a:fillRect/>
+          </a:stretch>
+        </p:blipFill>
+        <p:spPr>
+          <a:xfrm>
+            <a:off x="10907678" y="2546417"/>
+            <a:ext cx="323849" cy="323849"/>
+          </a:xfrm>
+          <a:prstGeom prst="rect">
+            <a:avLst/>
+          </a:prstGeom>
+        </p:spPr>
+      </p:pic>
+      <p:pic>
+        <p:nvPicPr>
+          <p:cNvPr id="25" name="Рисунок 24">
+            <a:extLst>
+              <a:ext uri="{FF2B5EF4-FFF2-40B4-BE49-F238E27FC236}">
+                <a16:creationId xmlns:a16="http://schemas.microsoft.com/office/drawing/2014/main" id="{949D28E0-607A-4AF0-AD57-EDFF47C2FFA4}"/>
+              </a:ext>
+            </a:extLst>
+          </p:cNvPr>
+          <p:cNvPicPr>
+            <a:picLocks noChangeAspect="1"/>
+          </p:cNvPicPr>
+          <p:nvPr/>
+        </p:nvPicPr>
+        <p:blipFill>
+          <a:blip r:embed="rId3"/>
+          <a:stretch>
+            <a:fillRect/>
+          </a:stretch>
+        </p:blipFill>
+        <p:spPr>
+          <a:xfrm>
+            <a:off x="2940346" y="3267075"/>
+            <a:ext cx="323849" cy="323849"/>
+          </a:xfrm>
+          <a:prstGeom prst="rect">
+            <a:avLst/>
+          </a:prstGeom>
+        </p:spPr>
+      </p:pic>
+      <p:pic>
+        <p:nvPicPr>
+          <p:cNvPr id="26" name="Рисунок 25">
+            <a:extLst>
+              <a:ext uri="{FF2B5EF4-FFF2-40B4-BE49-F238E27FC236}">
+                <a16:creationId xmlns:a16="http://schemas.microsoft.com/office/drawing/2014/main" id="{E3955919-C466-444C-96D6-AC5AC7735F59}"/>
+              </a:ext>
+            </a:extLst>
+          </p:cNvPr>
+          <p:cNvPicPr>
+            <a:picLocks noChangeAspect="1"/>
+          </p:cNvPicPr>
+          <p:nvPr/>
+        </p:nvPicPr>
+        <p:blipFill>
+          <a:blip r:embed="rId3"/>
+          <a:stretch>
+            <a:fillRect/>
+          </a:stretch>
+        </p:blipFill>
+        <p:spPr>
+          <a:xfrm>
+            <a:off x="4932179" y="3267107"/>
+            <a:ext cx="323849" cy="323849"/>
+          </a:xfrm>
+          <a:prstGeom prst="rect">
+            <a:avLst/>
+          </a:prstGeom>
+        </p:spPr>
+      </p:pic>
+      <p:pic>
+        <p:nvPicPr>
+          <p:cNvPr id="27" name="Рисунок 26">
+            <a:extLst>
+              <a:ext uri="{FF2B5EF4-FFF2-40B4-BE49-F238E27FC236}">
+                <a16:creationId xmlns:a16="http://schemas.microsoft.com/office/drawing/2014/main" id="{745924FA-463E-4180-9538-4FCE12B64C4D}"/>
+              </a:ext>
+            </a:extLst>
+          </p:cNvPr>
+          <p:cNvPicPr>
+            <a:picLocks noChangeAspect="1"/>
+          </p:cNvPicPr>
+          <p:nvPr/>
+        </p:nvPicPr>
+        <p:blipFill>
+          <a:blip r:embed="rId3"/>
+          <a:stretch>
+            <a:fillRect/>
+          </a:stretch>
+        </p:blipFill>
+        <p:spPr>
+          <a:xfrm>
+            <a:off x="6924011" y="3270202"/>
+            <a:ext cx="323849" cy="323849"/>
+          </a:xfrm>
+          <a:prstGeom prst="rect">
+            <a:avLst/>
+          </a:prstGeom>
+        </p:spPr>
+      </p:pic>
+      <p:pic>
+        <p:nvPicPr>
+          <p:cNvPr id="28" name="Рисунок 27">
+            <a:extLst>
+              <a:ext uri="{FF2B5EF4-FFF2-40B4-BE49-F238E27FC236}">
+                <a16:creationId xmlns:a16="http://schemas.microsoft.com/office/drawing/2014/main" id="{DAA63FB0-F9CA-4E21-B764-F297065F2C6D}"/>
+              </a:ext>
+            </a:extLst>
+          </p:cNvPr>
+          <p:cNvPicPr>
+            <a:picLocks noChangeAspect="1"/>
+          </p:cNvPicPr>
+          <p:nvPr/>
+        </p:nvPicPr>
+        <p:blipFill>
+          <a:blip r:embed="rId3"/>
+          <a:stretch>
+            <a:fillRect/>
+          </a:stretch>
+        </p:blipFill>
+        <p:spPr>
+          <a:xfrm>
+            <a:off x="10907676" y="3317182"/>
+            <a:ext cx="323849" cy="323849"/>
+          </a:xfrm>
+          <a:prstGeom prst="rect">
+            <a:avLst/>
+          </a:prstGeom>
+        </p:spPr>
+      </p:pic>
+      <p:pic>
+        <p:nvPicPr>
+          <p:cNvPr id="29" name="Рисунок 28">
+            <a:extLst>
+              <a:ext uri="{FF2B5EF4-FFF2-40B4-BE49-F238E27FC236}">
+                <a16:creationId xmlns:a16="http://schemas.microsoft.com/office/drawing/2014/main" id="{BF9FC7D2-0D09-4C25-B186-BD77937C4686}"/>
+              </a:ext>
+            </a:extLst>
+          </p:cNvPr>
+          <p:cNvPicPr>
+            <a:picLocks noChangeAspect="1"/>
+          </p:cNvPicPr>
+          <p:nvPr/>
+        </p:nvPicPr>
+        <p:blipFill>
+          <a:blip r:embed="rId3"/>
+          <a:stretch>
+            <a:fillRect/>
+          </a:stretch>
+        </p:blipFill>
+        <p:spPr>
+          <a:xfrm>
+            <a:off x="10907676" y="3891367"/>
+            <a:ext cx="323849" cy="323849"/>
+          </a:xfrm>
+          <a:prstGeom prst="rect">
+            <a:avLst/>
+          </a:prstGeom>
+        </p:spPr>
+      </p:pic>
+      <p:pic>
+        <p:nvPicPr>
+          <p:cNvPr id="30" name="Рисунок 29">
+            <a:extLst>
+              <a:ext uri="{FF2B5EF4-FFF2-40B4-BE49-F238E27FC236}">
+                <a16:creationId xmlns:a16="http://schemas.microsoft.com/office/drawing/2014/main" id="{B6268BF4-AA9F-4CA5-8207-F7194CBF2D83}"/>
+              </a:ext>
+            </a:extLst>
+          </p:cNvPr>
+          <p:cNvPicPr>
+            <a:picLocks noChangeAspect="1"/>
+          </p:cNvPicPr>
+          <p:nvPr/>
+        </p:nvPicPr>
+        <p:blipFill>
+          <a:blip r:embed="rId3"/>
+          <a:stretch>
+            <a:fillRect/>
+          </a:stretch>
+        </p:blipFill>
+        <p:spPr>
+          <a:xfrm>
+            <a:off x="8927805" y="3891367"/>
+            <a:ext cx="323849" cy="323849"/>
+          </a:xfrm>
+          <a:prstGeom prst="rect">
+            <a:avLst/>
+          </a:prstGeom>
+        </p:spPr>
+      </p:pic>
+      <p:pic>
+        <p:nvPicPr>
+          <p:cNvPr id="31" name="Рисунок 30">
+            <a:extLst>
+              <a:ext uri="{FF2B5EF4-FFF2-40B4-BE49-F238E27FC236}">
+                <a16:creationId xmlns:a16="http://schemas.microsoft.com/office/drawing/2014/main" id="{FB0B3F9A-FB6C-4FA1-BD6D-CA30DADBC369}"/>
+              </a:ext>
+            </a:extLst>
+          </p:cNvPr>
+          <p:cNvPicPr>
+            <a:picLocks noChangeAspect="1"/>
+          </p:cNvPicPr>
+          <p:nvPr/>
+        </p:nvPicPr>
+        <p:blipFill>
+          <a:blip r:embed="rId3"/>
+          <a:stretch>
+            <a:fillRect/>
+          </a:stretch>
+        </p:blipFill>
+        <p:spPr>
+          <a:xfrm>
+            <a:off x="10907676" y="4552342"/>
+            <a:ext cx="323849" cy="323849"/>
+          </a:xfrm>
+          <a:prstGeom prst="rect">
+            <a:avLst/>
+          </a:prstGeom>
+        </p:spPr>
+      </p:pic>
+      <p:pic>
+        <p:nvPicPr>
+          <p:cNvPr id="32" name="Рисунок 31">
+            <a:extLst>
+              <a:ext uri="{FF2B5EF4-FFF2-40B4-BE49-F238E27FC236}">
+                <a16:creationId xmlns:a16="http://schemas.microsoft.com/office/drawing/2014/main" id="{98AB8CA1-053D-46F7-B40F-C07FE217930E}"/>
+              </a:ext>
+            </a:extLst>
+          </p:cNvPr>
+          <p:cNvPicPr>
+            <a:picLocks noChangeAspect="1"/>
+          </p:cNvPicPr>
+          <p:nvPr/>
+        </p:nvPicPr>
+        <p:blipFill>
+          <a:blip r:embed="rId3"/>
+          <a:stretch>
+            <a:fillRect/>
+          </a:stretch>
+        </p:blipFill>
+        <p:spPr>
+          <a:xfrm>
+            <a:off x="10907676" y="5324875"/>
+            <a:ext cx="323849" cy="323849"/>
+          </a:xfrm>
+          <a:prstGeom prst="rect">
+            <a:avLst/>
+          </a:prstGeom>
+        </p:spPr>
+      </p:pic>
+      <p:pic>
+        <p:nvPicPr>
+          <p:cNvPr id="16" name="Рисунок 15">
+            <a:extLst>
+              <a:ext uri="{FF2B5EF4-FFF2-40B4-BE49-F238E27FC236}">
+                <a16:creationId xmlns:a16="http://schemas.microsoft.com/office/drawing/2014/main" id="{8088D87B-8A07-42D4-8F38-E0B3AE95FA00}"/>
+              </a:ext>
+            </a:extLst>
+          </p:cNvPr>
+          <p:cNvPicPr>
+            <a:picLocks noChangeAspect="1"/>
+          </p:cNvPicPr>
+          <p:nvPr/>
+        </p:nvPicPr>
+        <p:blipFill>
+          <a:blip r:embed="rId4"/>
+          <a:stretch>
+            <a:fillRect/>
+          </a:stretch>
+        </p:blipFill>
+        <p:spPr>
+          <a:xfrm>
+            <a:off x="2920087" y="3871108"/>
+            <a:ext cx="344108" cy="344108"/>
+          </a:xfrm>
+          <a:prstGeom prst="rect">
+            <a:avLst/>
+          </a:prstGeom>
+        </p:spPr>
+      </p:pic>
+      <p:pic>
+        <p:nvPicPr>
+          <p:cNvPr id="36" name="Рисунок 35">
+            <a:extLst>
+              <a:ext uri="{FF2B5EF4-FFF2-40B4-BE49-F238E27FC236}">
+                <a16:creationId xmlns:a16="http://schemas.microsoft.com/office/drawing/2014/main" id="{B3954F2E-4E73-4A31-B756-1AD758D2E362}"/>
+              </a:ext>
+            </a:extLst>
+          </p:cNvPr>
+          <p:cNvPicPr>
+            <a:picLocks noChangeAspect="1"/>
+          </p:cNvPicPr>
+          <p:nvPr/>
+        </p:nvPicPr>
+        <p:blipFill>
+          <a:blip r:embed="rId4"/>
+          <a:stretch>
+            <a:fillRect/>
+          </a:stretch>
+        </p:blipFill>
+        <p:spPr>
+          <a:xfrm>
+            <a:off x="4911920" y="3867958"/>
+            <a:ext cx="344108" cy="344108"/>
+          </a:xfrm>
+          <a:prstGeom prst="rect">
+            <a:avLst/>
+          </a:prstGeom>
+        </p:spPr>
+      </p:pic>
+      <p:pic>
+        <p:nvPicPr>
+          <p:cNvPr id="37" name="Рисунок 36">
+            <a:extLst>
+              <a:ext uri="{FF2B5EF4-FFF2-40B4-BE49-F238E27FC236}">
+                <a16:creationId xmlns:a16="http://schemas.microsoft.com/office/drawing/2014/main" id="{8FFC6610-E1A3-45A8-85D0-F2C2C9168C4A}"/>
+              </a:ext>
+            </a:extLst>
+          </p:cNvPr>
+          <p:cNvPicPr>
+            <a:picLocks noChangeAspect="1"/>
+          </p:cNvPicPr>
+          <p:nvPr/>
+        </p:nvPicPr>
+        <p:blipFill>
+          <a:blip r:embed="rId4"/>
+          <a:stretch>
+            <a:fillRect/>
+          </a:stretch>
+        </p:blipFill>
+        <p:spPr>
+          <a:xfrm>
+            <a:off x="2920087" y="4532083"/>
+            <a:ext cx="344108" cy="344108"/>
+          </a:xfrm>
+          <a:prstGeom prst="rect">
+            <a:avLst/>
+          </a:prstGeom>
+        </p:spPr>
+      </p:pic>
+      <p:pic>
+        <p:nvPicPr>
+          <p:cNvPr id="38" name="Рисунок 37">
+            <a:extLst>
+              <a:ext uri="{FF2B5EF4-FFF2-40B4-BE49-F238E27FC236}">
+                <a16:creationId xmlns:a16="http://schemas.microsoft.com/office/drawing/2014/main" id="{4F47C28A-BD98-4A83-8D1F-E11043AA1654}"/>
+              </a:ext>
+            </a:extLst>
+          </p:cNvPr>
+          <p:cNvPicPr>
+            <a:picLocks noChangeAspect="1"/>
+          </p:cNvPicPr>
+          <p:nvPr/>
+        </p:nvPicPr>
+        <p:blipFill>
+          <a:blip r:embed="rId4"/>
+          <a:stretch>
+            <a:fillRect/>
+          </a:stretch>
+        </p:blipFill>
+        <p:spPr>
+          <a:xfrm>
+            <a:off x="2920087" y="5304616"/>
+            <a:ext cx="344108" cy="344108"/>
+          </a:xfrm>
+          <a:prstGeom prst="rect">
+            <a:avLst/>
+          </a:prstGeom>
+        </p:spPr>
+      </p:pic>
+      <p:pic>
+        <p:nvPicPr>
+          <p:cNvPr id="39" name="Рисунок 38">
+            <a:extLst>
+              <a:ext uri="{FF2B5EF4-FFF2-40B4-BE49-F238E27FC236}">
+                <a16:creationId xmlns:a16="http://schemas.microsoft.com/office/drawing/2014/main" id="{53B8F603-56AC-4BDC-8E9F-AEACAA289638}"/>
+              </a:ext>
+            </a:extLst>
+          </p:cNvPr>
+          <p:cNvPicPr>
+            <a:picLocks noChangeAspect="1"/>
+          </p:cNvPicPr>
+          <p:nvPr/>
+        </p:nvPicPr>
+        <p:blipFill>
+          <a:blip r:embed="rId4"/>
+          <a:stretch>
+            <a:fillRect/>
+          </a:stretch>
+        </p:blipFill>
+        <p:spPr>
+          <a:xfrm>
+            <a:off x="4922049" y="4530048"/>
+            <a:ext cx="344108" cy="344108"/>
+          </a:xfrm>
+          <a:prstGeom prst="rect">
+            <a:avLst/>
+          </a:prstGeom>
+        </p:spPr>
+      </p:pic>
+      <p:pic>
+        <p:nvPicPr>
+          <p:cNvPr id="40" name="Рисунок 39">
+            <a:extLst>
+              <a:ext uri="{FF2B5EF4-FFF2-40B4-BE49-F238E27FC236}">
+                <a16:creationId xmlns:a16="http://schemas.microsoft.com/office/drawing/2014/main" id="{19743ED9-56FE-4829-BD05-E91BFACA935C}"/>
+              </a:ext>
+            </a:extLst>
+          </p:cNvPr>
+          <p:cNvPicPr>
+            <a:picLocks noChangeAspect="1"/>
+          </p:cNvPicPr>
+          <p:nvPr/>
+        </p:nvPicPr>
+        <p:blipFill>
+          <a:blip r:embed="rId4"/>
+          <a:stretch>
+            <a:fillRect/>
+          </a:stretch>
+        </p:blipFill>
+        <p:spPr>
+          <a:xfrm>
+            <a:off x="4922049" y="5258910"/>
+            <a:ext cx="344108" cy="344108"/>
+          </a:xfrm>
+          <a:prstGeom prst="rect">
+            <a:avLst/>
+          </a:prstGeom>
+        </p:spPr>
+      </p:pic>
+      <p:pic>
+        <p:nvPicPr>
+          <p:cNvPr id="41" name="Рисунок 40">
+            <a:extLst>
+              <a:ext uri="{FF2B5EF4-FFF2-40B4-BE49-F238E27FC236}">
+                <a16:creationId xmlns:a16="http://schemas.microsoft.com/office/drawing/2014/main" id="{06D69F72-3C7E-41ED-987C-5CB4781F3FA6}"/>
+              </a:ext>
+            </a:extLst>
+          </p:cNvPr>
+          <p:cNvPicPr>
+            <a:picLocks noChangeAspect="1"/>
+          </p:cNvPicPr>
+          <p:nvPr/>
+        </p:nvPicPr>
+        <p:blipFill>
+          <a:blip r:embed="rId4"/>
+          <a:stretch>
+            <a:fillRect/>
+          </a:stretch>
+        </p:blipFill>
+        <p:spPr>
+          <a:xfrm>
+            <a:off x="8905715" y="2536287"/>
+            <a:ext cx="344108" cy="344108"/>
+          </a:xfrm>
+          <a:prstGeom prst="rect">
+            <a:avLst/>
+          </a:prstGeom>
+        </p:spPr>
+      </p:pic>
+      <p:pic>
+        <p:nvPicPr>
+          <p:cNvPr id="42" name="Рисунок 41">
+            <a:extLst>
+              <a:ext uri="{FF2B5EF4-FFF2-40B4-BE49-F238E27FC236}">
+                <a16:creationId xmlns:a16="http://schemas.microsoft.com/office/drawing/2014/main" id="{6C91ADDC-5C76-4A3D-A4DF-B4054C6C9766}"/>
+              </a:ext>
+            </a:extLst>
+          </p:cNvPr>
+          <p:cNvPicPr>
+            <a:picLocks noChangeAspect="1"/>
+          </p:cNvPicPr>
+          <p:nvPr/>
+        </p:nvPicPr>
+        <p:blipFill>
+          <a:blip r:embed="rId4"/>
+          <a:stretch>
+            <a:fillRect/>
+          </a:stretch>
+        </p:blipFill>
+        <p:spPr>
+          <a:xfrm>
+            <a:off x="8927805" y="3260166"/>
+            <a:ext cx="344108" cy="344108"/>
+          </a:xfrm>
+          <a:prstGeom prst="rect">
+            <a:avLst/>
+          </a:prstGeom>
+        </p:spPr>
+      </p:pic>
+      <p:pic>
+        <p:nvPicPr>
+          <p:cNvPr id="43" name="Рисунок 42">
+            <a:extLst>
+              <a:ext uri="{FF2B5EF4-FFF2-40B4-BE49-F238E27FC236}">
+                <a16:creationId xmlns:a16="http://schemas.microsoft.com/office/drawing/2014/main" id="{B29EED49-E83B-493E-8936-55C6149F4DC0}"/>
+              </a:ext>
+            </a:extLst>
+          </p:cNvPr>
+          <p:cNvPicPr>
+            <a:picLocks noChangeAspect="1"/>
+          </p:cNvPicPr>
+          <p:nvPr/>
+        </p:nvPicPr>
+        <p:blipFill>
+          <a:blip r:embed="rId4"/>
+          <a:stretch>
+            <a:fillRect/>
+          </a:stretch>
+        </p:blipFill>
+        <p:spPr>
+          <a:xfrm>
+            <a:off x="6913530" y="3867958"/>
+            <a:ext cx="344108" cy="344108"/>
+          </a:xfrm>
+          <a:prstGeom prst="rect">
+            <a:avLst/>
+          </a:prstGeom>
+        </p:spPr>
+      </p:pic>
+      <p:pic>
+        <p:nvPicPr>
+          <p:cNvPr id="44" name="Рисунок 43">
+            <a:extLst>
+              <a:ext uri="{FF2B5EF4-FFF2-40B4-BE49-F238E27FC236}">
+                <a16:creationId xmlns:a16="http://schemas.microsoft.com/office/drawing/2014/main" id="{E743BAA9-A2AC-4611-83B4-9744EDF70DA7}"/>
+              </a:ext>
+            </a:extLst>
+          </p:cNvPr>
+          <p:cNvPicPr>
+            <a:picLocks noChangeAspect="1"/>
+          </p:cNvPicPr>
+          <p:nvPr/>
+        </p:nvPicPr>
+        <p:blipFill>
+          <a:blip r:embed="rId4"/>
+          <a:stretch>
+            <a:fillRect/>
+          </a:stretch>
+        </p:blipFill>
+        <p:spPr>
+          <a:xfrm>
+            <a:off x="6924011" y="4528013"/>
+            <a:ext cx="344108" cy="344108"/>
+          </a:xfrm>
+          <a:prstGeom prst="rect">
+            <a:avLst/>
+          </a:prstGeom>
+        </p:spPr>
+      </p:pic>
+      <p:pic>
+        <p:nvPicPr>
+          <p:cNvPr id="45" name="Рисунок 44">
+            <a:extLst>
+              <a:ext uri="{FF2B5EF4-FFF2-40B4-BE49-F238E27FC236}">
+                <a16:creationId xmlns:a16="http://schemas.microsoft.com/office/drawing/2014/main" id="{5E3F2F58-62BA-4A3E-A2AB-E1EBEE063EE7}"/>
+              </a:ext>
+            </a:extLst>
+          </p:cNvPr>
+          <p:cNvPicPr>
+            <a:picLocks noChangeAspect="1"/>
+          </p:cNvPicPr>
+          <p:nvPr/>
+        </p:nvPicPr>
+        <p:blipFill>
+          <a:blip r:embed="rId4"/>
+          <a:stretch>
+            <a:fillRect/>
+          </a:stretch>
+        </p:blipFill>
+        <p:spPr>
+          <a:xfrm>
+            <a:off x="6922245" y="5304616"/>
+            <a:ext cx="344108" cy="344108"/>
+          </a:xfrm>
+          <a:prstGeom prst="rect">
+            <a:avLst/>
+          </a:prstGeom>
+        </p:spPr>
+      </p:pic>
+      <p:pic>
+        <p:nvPicPr>
+          <p:cNvPr id="46" name="Рисунок 45">
+            <a:extLst>
+              <a:ext uri="{FF2B5EF4-FFF2-40B4-BE49-F238E27FC236}">
+                <a16:creationId xmlns:a16="http://schemas.microsoft.com/office/drawing/2014/main" id="{BB320EB5-618B-440F-AD8C-33EDA8CEB4A1}"/>
+              </a:ext>
+            </a:extLst>
+          </p:cNvPr>
+          <p:cNvPicPr>
+            <a:picLocks noChangeAspect="1"/>
+          </p:cNvPicPr>
+          <p:nvPr/>
+        </p:nvPicPr>
+        <p:blipFill>
+          <a:blip r:embed="rId4"/>
+          <a:stretch>
+            <a:fillRect/>
+          </a:stretch>
+        </p:blipFill>
+        <p:spPr>
+          <a:xfrm>
+            <a:off x="8927805" y="5314745"/>
+            <a:ext cx="344108" cy="344108"/>
+          </a:xfrm>
+          <a:prstGeom prst="rect">
+            <a:avLst/>
+          </a:prstGeom>
+        </p:spPr>
+      </p:pic>
+      <p:pic>
+        <p:nvPicPr>
+          <p:cNvPr id="47" name="Рисунок 46">
+            <a:extLst>
+              <a:ext uri="{FF2B5EF4-FFF2-40B4-BE49-F238E27FC236}">
+                <a16:creationId xmlns:a16="http://schemas.microsoft.com/office/drawing/2014/main" id="{AD2875C0-CC42-42C9-8316-3C59FB4F5E27}"/>
+              </a:ext>
+            </a:extLst>
+          </p:cNvPr>
+          <p:cNvPicPr>
+            <a:picLocks noChangeAspect="1"/>
+          </p:cNvPicPr>
+          <p:nvPr/>
+        </p:nvPicPr>
+        <p:blipFill>
+          <a:blip r:embed="rId4"/>
+          <a:stretch>
+            <a:fillRect/>
+          </a:stretch>
+        </p:blipFill>
+        <p:spPr>
+          <a:xfrm>
+            <a:off x="8925973" y="4502309"/>
+            <a:ext cx="344108" cy="344108"/>
+          </a:xfrm>
+          <a:prstGeom prst="rect">
+            <a:avLst/>
+          </a:prstGeom>
+        </p:spPr>
+      </p:pic>
+      <p:pic>
+        <p:nvPicPr>
+          <p:cNvPr id="48" name="Рисунок 47">
+            <a:extLst>
+              <a:ext uri="{FF2B5EF4-FFF2-40B4-BE49-F238E27FC236}">
+                <a16:creationId xmlns:a16="http://schemas.microsoft.com/office/drawing/2014/main" id="{083C57C1-7CE2-422F-AB85-C97EA3F0FF1F}"/>
+              </a:ext>
+            </a:extLst>
+          </p:cNvPr>
+          <p:cNvPicPr>
+            <a:picLocks noChangeAspect="1"/>
+          </p:cNvPicPr>
+          <p:nvPr/>
+        </p:nvPicPr>
+        <p:blipFill>
+          <a:blip r:embed="rId4"/>
+          <a:stretch>
+            <a:fillRect/>
+          </a:stretch>
+        </p:blipFill>
+        <p:spPr>
+          <a:xfrm>
+            <a:off x="10887417" y="1825696"/>
+            <a:ext cx="344108" cy="344108"/>
+          </a:xfrm>
+          <a:prstGeom prst="rect">
+            <a:avLst/>
+          </a:prstGeom>
         </p:spPr>
       </p:pic>
     </p:spTree>
     <p:extLst>
       <p:ext uri="{BB962C8B-B14F-4D97-AF65-F5344CB8AC3E}">
-        <p14:creationId xmlns:p14="http://schemas.microsoft.com/office/powerpoint/2010/main" val="2836704077"/>
+        <p14:creationId xmlns:p14="http://schemas.microsoft.com/office/powerpoint/2010/main" val="885246336"/>
       </p:ext>
     </p:extLst>
   </p:cSld>
@@ -12716,17 +12936,17 @@
                 </a:solidFill>
                 <a:latin typeface="Montserrat" panose="00000500000000000000" pitchFamily="2" charset="-52"/>
               </a:rPr>
-              <a:t>Архитектура приложения</a:t>
+              <a:t>Группы пользователей</a:t>
             </a:r>
           </a:p>
         </p:txBody>
       </p:sp>
       <p:sp>
         <p:nvSpPr>
-          <p:cNvPr id="3" name="Номер слайда 7">
-            <a:extLst>
-              <a:ext uri="{FF2B5EF4-FFF2-40B4-BE49-F238E27FC236}">
-                <a16:creationId xmlns:a16="http://schemas.microsoft.com/office/drawing/2014/main" id="{A3369B26-16A4-49C7-9D54-8610B23AA46C}"/>
+          <p:cNvPr id="4" name="Номер слайда 7">
+            <a:extLst>
+              <a:ext uri="{FF2B5EF4-FFF2-40B4-BE49-F238E27FC236}">
+                <a16:creationId xmlns:a16="http://schemas.microsoft.com/office/drawing/2014/main" id="{69ECB0B1-BBEA-411C-A5F4-5F632CA61689}"/>
               </a:ext>
             </a:extLst>
           </p:cNvPr>
@@ -12737,7 +12957,7 @@
         </p:nvSpPr>
         <p:spPr>
           <a:xfrm>
-            <a:off x="11515583" y="6246368"/>
+            <a:off x="11591783" y="6246368"/>
             <a:ext cx="2743200" cy="365125"/>
           </a:xfrm>
           <a:prstGeom prst="rect">
@@ -12855,40 +13075,138 @@
           </a:p>
         </p:txBody>
       </p:sp>
-      <p:pic>
-        <p:nvPicPr>
-          <p:cNvPr id="6" name="Рисунок 5">
-            <a:extLst>
-              <a:ext uri="{FF2B5EF4-FFF2-40B4-BE49-F238E27FC236}">
-                <a16:creationId xmlns:a16="http://schemas.microsoft.com/office/drawing/2014/main" id="{024B898E-9FDC-4118-9492-D1C58FC955B8}"/>
-              </a:ext>
-            </a:extLst>
-          </p:cNvPr>
-          <p:cNvPicPr>
-            <a:picLocks noChangeAspect="1"/>
-          </p:cNvPicPr>
+      <p:sp>
+        <p:nvSpPr>
+          <p:cNvPr id="7" name="TextBox 6">
+            <a:extLst>
+              <a:ext uri="{FF2B5EF4-FFF2-40B4-BE49-F238E27FC236}">
+                <a16:creationId xmlns:a16="http://schemas.microsoft.com/office/drawing/2014/main" id="{DA62E4DA-98F2-4F2E-ABB3-D99F92EBD980}"/>
+              </a:ext>
+            </a:extLst>
+          </p:cNvPr>
+          <p:cNvSpPr txBox="1"/>
           <p:nvPr/>
-        </p:nvPicPr>
-        <p:blipFill>
-          <a:blip r:embed="rId2"/>
-          <a:stretch>
-            <a:fillRect/>
-          </a:stretch>
-        </p:blipFill>
-        <p:spPr>
-          <a:xfrm>
-            <a:off x="1364513" y="1037968"/>
-            <a:ext cx="9462974" cy="5738551"/>
+        </p:nvSpPr>
+        <p:spPr>
+          <a:xfrm>
+            <a:off x="803495" y="1810517"/>
+            <a:ext cx="10866422" cy="3567242"/>
           </a:xfrm>
           <a:prstGeom prst="rect">
             <a:avLst/>
           </a:prstGeom>
-        </p:spPr>
-      </p:pic>
+          <a:noFill/>
+        </p:spPr>
+        <p:txBody>
+          <a:bodyPr wrap="square">
+            <a:spAutoFit/>
+          </a:bodyPr>
+          <a:lstStyle/>
+          <a:p>
+            <a:pPr marL="342900" indent="-342900" algn="l">
+              <a:lnSpc>
+                <a:spcPct val="150000"/>
+              </a:lnSpc>
+              <a:buFontTx/>
+              <a:buChar char="—"/>
+            </a:pPr>
+            <a:r>
+              <a:rPr lang="ru-RU" sz="2800" dirty="0">
+                <a:latin typeface="Montserrat" panose="00000500000000000000" pitchFamily="2" charset="-52"/>
+              </a:rPr>
+              <a:t>   н</a:t>
+            </a:r>
+            <a:r>
+              <a:rPr lang="ru-RU" sz="2800" dirty="0">
+                <a:effectLst/>
+                <a:latin typeface="Montserrat" panose="00000500000000000000" pitchFamily="2" charset="-52"/>
+              </a:rPr>
+              <a:t>еавторизованный пользователь</a:t>
+            </a:r>
+          </a:p>
+          <a:p>
+            <a:pPr marL="342900" indent="-342900">
+              <a:lnSpc>
+                <a:spcPct val="150000"/>
+              </a:lnSpc>
+              <a:buFontTx/>
+              <a:buChar char="—"/>
+            </a:pPr>
+            <a:r>
+              <a:rPr lang="ru-RU" sz="2800" dirty="0">
+                <a:latin typeface="Montserrat" panose="00000500000000000000" pitchFamily="2" charset="-52"/>
+              </a:rPr>
+              <a:t>   авторизованный пользователь</a:t>
+            </a:r>
+          </a:p>
+          <a:p>
+            <a:pPr marL="342900" indent="-342900">
+              <a:lnSpc>
+                <a:spcPct val="150000"/>
+              </a:lnSpc>
+              <a:buFontTx/>
+              <a:buChar char="—"/>
+            </a:pPr>
+            <a:r>
+              <a:rPr lang="ru-RU" sz="2800" dirty="0">
+                <a:latin typeface="Montserrat" panose="00000500000000000000" pitchFamily="2" charset="-52"/>
+              </a:rPr>
+              <a:t>   авторизованный пользователь с подпиской </a:t>
+            </a:r>
+          </a:p>
+          <a:p>
+            <a:pPr marL="342900" indent="-342900">
+              <a:lnSpc>
+                <a:spcPct val="150000"/>
+              </a:lnSpc>
+              <a:buFontTx/>
+              <a:buChar char="—"/>
+            </a:pPr>
+            <a:r>
+              <a:rPr lang="ru-RU" sz="2800" dirty="0">
+                <a:latin typeface="Montserrat" panose="00000500000000000000" pitchFamily="2" charset="-52"/>
+              </a:rPr>
+              <a:t>   а</a:t>
+            </a:r>
+            <a:r>
+              <a:rPr lang="ru-RU" sz="2800" dirty="0">
+                <a:effectLst/>
+                <a:latin typeface="Montserrat" panose="00000500000000000000" pitchFamily="2" charset="-52"/>
+              </a:rPr>
+              <a:t>дминистратор</a:t>
+            </a:r>
+          </a:p>
+          <a:p>
+            <a:pPr marL="342900" indent="-342900">
+              <a:lnSpc>
+                <a:spcPct val="150000"/>
+              </a:lnSpc>
+              <a:buFontTx/>
+              <a:buChar char="—"/>
+            </a:pPr>
+            <a:endParaRPr lang="ru-RU" sz="1800" dirty="0">
+              <a:effectLst/>
+              <a:latin typeface="Montserrat" panose="00000500000000000000" pitchFamily="2" charset="-52"/>
+            </a:endParaRPr>
+          </a:p>
+          <a:p>
+            <a:pPr marL="342900" indent="-342900" algn="l">
+              <a:lnSpc>
+                <a:spcPct val="150000"/>
+              </a:lnSpc>
+              <a:buFontTx/>
+              <a:buChar char="—"/>
+            </a:pPr>
+            <a:endParaRPr lang="en-US" sz="1800" dirty="0">
+              <a:latin typeface="Montserrat" pitchFamily="2" charset="-52"/>
+            </a:endParaRPr>
+          </a:p>
+        </p:txBody>
+      </p:sp>
     </p:spTree>
     <p:extLst>
       <p:ext uri="{BB962C8B-B14F-4D97-AF65-F5344CB8AC3E}">
-        <p14:creationId xmlns:p14="http://schemas.microsoft.com/office/powerpoint/2010/main" val="159036274"/>
+        <p14:creationId xmlns:p14="http://schemas.microsoft.com/office/powerpoint/2010/main" val="728543888"/>
       </p:ext>
     </p:extLst>
   </p:cSld>
@@ -12901,7 +13219,7 @@
 <file path=ppt/theme/theme1.xml><?xml version="1.0" encoding="utf-8"?>
 <a:theme xmlns:a="http://schemas.openxmlformats.org/drawingml/2006/main" name="Тема Office">
   <a:themeElements>
-    <a:clrScheme name="Стандартная">
+    <a:clrScheme name="Синий">
       <a:dk1>
         <a:sysClr val="windowText" lastClr="000000"/>
       </a:dk1>
@@ -12909,34 +13227,34 @@
         <a:sysClr val="window" lastClr="FFFFFF"/>
       </a:lt1>
       <a:dk2>
-        <a:srgbClr val="44546A"/>
+        <a:srgbClr val="17406D"/>
       </a:dk2>
       <a:lt2>
-        <a:srgbClr val="E7E6E6"/>
+        <a:srgbClr val="DBEFF9"/>
       </a:lt2>
       <a:accent1>
-        <a:srgbClr val="4472C4"/>
+        <a:srgbClr val="0F6FC6"/>
       </a:accent1>
       <a:accent2>
-        <a:srgbClr val="ED7D31"/>
+        <a:srgbClr val="009DD9"/>
       </a:accent2>
       <a:accent3>
-        <a:srgbClr val="A5A5A5"/>
+        <a:srgbClr val="0BD0D9"/>
       </a:accent3>
       <a:accent4>
-        <a:srgbClr val="FFC000"/>
+        <a:srgbClr val="10CF9B"/>
       </a:accent4>
       <a:accent5>
-        <a:srgbClr val="5B9BD5"/>
+        <a:srgbClr val="7CCA62"/>
       </a:accent5>
       <a:accent6>
-        <a:srgbClr val="70AD47"/>
+        <a:srgbClr val="A5C249"/>
       </a:accent6>
       <a:hlink>
-        <a:srgbClr val="0563C1"/>
+        <a:srgbClr val="F49100"/>
       </a:hlink>
       <a:folHlink>
-        <a:srgbClr val="954F72"/>
+        <a:srgbClr val="85DFD0"/>
       </a:folHlink>
     </a:clrScheme>
     <a:fontScheme name="Стандартная">
